--- a/springboot/SpringBoot-2.pptx
+++ b/springboot/SpringBoot-2.pptx
@@ -9,21 +9,25 @@
     <p:sldId id="258" r:id="rId3"/>
     <p:sldId id="259" r:id="rId4"/>
     <p:sldId id="260" r:id="rId5"/>
-    <p:sldId id="261" r:id="rId6"/>
-    <p:sldId id="262" r:id="rId7"/>
-    <p:sldId id="263" r:id="rId8"/>
-    <p:sldId id="264" r:id="rId9"/>
-    <p:sldId id="265" r:id="rId10"/>
-    <p:sldId id="267" r:id="rId11"/>
-    <p:sldId id="268" r:id="rId12"/>
-    <p:sldId id="269" r:id="rId13"/>
-    <p:sldId id="272" r:id="rId14"/>
-    <p:sldId id="270" r:id="rId15"/>
-    <p:sldId id="271" r:id="rId16"/>
-    <p:sldId id="273" r:id="rId17"/>
-    <p:sldId id="274" r:id="rId18"/>
-    <p:sldId id="275" r:id="rId19"/>
-    <p:sldId id="276" r:id="rId20"/>
+    <p:sldId id="280" r:id="rId6"/>
+    <p:sldId id="261" r:id="rId7"/>
+    <p:sldId id="262" r:id="rId8"/>
+    <p:sldId id="277" r:id="rId9"/>
+    <p:sldId id="263" r:id="rId10"/>
+    <p:sldId id="264" r:id="rId11"/>
+    <p:sldId id="278" r:id="rId12"/>
+    <p:sldId id="279" r:id="rId13"/>
+    <p:sldId id="265" r:id="rId14"/>
+    <p:sldId id="267" r:id="rId15"/>
+    <p:sldId id="268" r:id="rId16"/>
+    <p:sldId id="269" r:id="rId17"/>
+    <p:sldId id="272" r:id="rId18"/>
+    <p:sldId id="270" r:id="rId19"/>
+    <p:sldId id="271" r:id="rId20"/>
+    <p:sldId id="273" r:id="rId21"/>
+    <p:sldId id="274" r:id="rId22"/>
+    <p:sldId id="275" r:id="rId23"/>
+    <p:sldId id="276" r:id="rId24"/>
   </p:sldIdLst>
   <p:sldSz cx="12192000" cy="6858000"/>
   <p:notesSz cx="6858000" cy="9144000"/>
@@ -122,6 +126,11 @@
       </a:defRPr>
     </a:lvl9pPr>
   </p:defaultTextStyle>
+  <p:extLst>
+    <p:ext uri="{EFAFB233-063F-42B5-8137-9DF3F51BA10A}">
+      <p15:sldGuideLst xmlns:p15="http://schemas.microsoft.com/office/powerpoint/2012/main"/>
+    </p:ext>
+  </p:extLst>
 </p:presentation>
 </file>
 
@@ -256,7 +265,7 @@
           <a:p>
             <a:fld id="{9EA70B55-CF8C-7849-8C8B-85495A6FC0B0}" type="datetimeFigureOut">
               <a:rPr lang="en-US" smtClean="0"/>
-              <a:t>5/14/19</a:t>
+              <a:t>5/29/19</a:t>
             </a:fld>
             <a:endParaRPr lang="en-US"/>
           </a:p>
@@ -426,7 +435,7 @@
           <a:p>
             <a:fld id="{9EA70B55-CF8C-7849-8C8B-85495A6FC0B0}" type="datetimeFigureOut">
               <a:rPr lang="en-US" smtClean="0"/>
-              <a:t>5/14/19</a:t>
+              <a:t>5/29/19</a:t>
             </a:fld>
             <a:endParaRPr lang="en-US"/>
           </a:p>
@@ -606,7 +615,7 @@
           <a:p>
             <a:fld id="{9EA70B55-CF8C-7849-8C8B-85495A6FC0B0}" type="datetimeFigureOut">
               <a:rPr lang="en-US" smtClean="0"/>
-              <a:t>5/14/19</a:t>
+              <a:t>5/29/19</a:t>
             </a:fld>
             <a:endParaRPr lang="en-US"/>
           </a:p>
@@ -776,7 +785,7 @@
           <a:p>
             <a:fld id="{9EA70B55-CF8C-7849-8C8B-85495A6FC0B0}" type="datetimeFigureOut">
               <a:rPr lang="en-US" smtClean="0"/>
-              <a:t>5/14/19</a:t>
+              <a:t>5/29/19</a:t>
             </a:fld>
             <a:endParaRPr lang="en-US"/>
           </a:p>
@@ -1022,7 +1031,7 @@
           <a:p>
             <a:fld id="{9EA70B55-CF8C-7849-8C8B-85495A6FC0B0}" type="datetimeFigureOut">
               <a:rPr lang="en-US" smtClean="0"/>
-              <a:t>5/14/19</a:t>
+              <a:t>5/29/19</a:t>
             </a:fld>
             <a:endParaRPr lang="en-US"/>
           </a:p>
@@ -1254,7 +1263,7 @@
           <a:p>
             <a:fld id="{9EA70B55-CF8C-7849-8C8B-85495A6FC0B0}" type="datetimeFigureOut">
               <a:rPr lang="en-US" smtClean="0"/>
-              <a:t>5/14/19</a:t>
+              <a:t>5/29/19</a:t>
             </a:fld>
             <a:endParaRPr lang="en-US"/>
           </a:p>
@@ -1621,7 +1630,7 @@
           <a:p>
             <a:fld id="{9EA70B55-CF8C-7849-8C8B-85495A6FC0B0}" type="datetimeFigureOut">
               <a:rPr lang="en-US" smtClean="0"/>
-              <a:t>5/14/19</a:t>
+              <a:t>5/29/19</a:t>
             </a:fld>
             <a:endParaRPr lang="en-US"/>
           </a:p>
@@ -1739,7 +1748,7 @@
           <a:p>
             <a:fld id="{9EA70B55-CF8C-7849-8C8B-85495A6FC0B0}" type="datetimeFigureOut">
               <a:rPr lang="en-US" smtClean="0"/>
-              <a:t>5/14/19</a:t>
+              <a:t>5/29/19</a:t>
             </a:fld>
             <a:endParaRPr lang="en-US"/>
           </a:p>
@@ -1834,7 +1843,7 @@
           <a:p>
             <a:fld id="{9EA70B55-CF8C-7849-8C8B-85495A6FC0B0}" type="datetimeFigureOut">
               <a:rPr lang="en-US" smtClean="0"/>
-              <a:t>5/14/19</a:t>
+              <a:t>5/29/19</a:t>
             </a:fld>
             <a:endParaRPr lang="en-US"/>
           </a:p>
@@ -2111,7 +2120,7 @@
           <a:p>
             <a:fld id="{9EA70B55-CF8C-7849-8C8B-85495A6FC0B0}" type="datetimeFigureOut">
               <a:rPr lang="en-US" smtClean="0"/>
-              <a:t>5/14/19</a:t>
+              <a:t>5/29/19</a:t>
             </a:fld>
             <a:endParaRPr lang="en-US"/>
           </a:p>
@@ -2364,7 +2373,7 @@
           <a:p>
             <a:fld id="{9EA70B55-CF8C-7849-8C8B-85495A6FC0B0}" type="datetimeFigureOut">
               <a:rPr lang="en-US" smtClean="0"/>
-              <a:t>5/14/19</a:t>
+              <a:t>5/29/19</a:t>
             </a:fld>
             <a:endParaRPr lang="en-US"/>
           </a:p>
@@ -2577,7 +2586,7 @@
           <a:p>
             <a:fld id="{9EA70B55-CF8C-7849-8C8B-85495A6FC0B0}" type="datetimeFigureOut">
               <a:rPr lang="en-US" smtClean="0"/>
-              <a:t>5/14/19</a:t>
+              <a:t>5/29/19</a:t>
             </a:fld>
             <a:endParaRPr lang="en-US"/>
           </a:p>
@@ -3091,6 +3100,868 @@
           <a:p>
             <a:r>
               <a:rPr lang="zh-CN" altLang="en-US" dirty="0" smtClean="0"/>
+              <a:t>日志配置</a:t>
+            </a:r>
+            <a:endParaRPr lang="en-US" dirty="0"/>
+          </a:p>
+        </p:txBody>
+      </p:sp>
+      <p:sp>
+        <p:nvSpPr>
+          <p:cNvPr id="3" name="Content Placeholder 2"/>
+          <p:cNvSpPr>
+            <a:spLocks noGrp="1"/>
+          </p:cNvSpPr>
+          <p:nvPr>
+            <p:ph idx="1"/>
+          </p:nvPr>
+        </p:nvSpPr>
+        <p:spPr/>
+        <p:txBody>
+          <a:bodyPr/>
+          <a:lstStyle/>
+          <a:p>
+            <a:r>
+              <a:rPr lang="en-US" altLang="zh-CN" dirty="0" err="1" smtClean="0"/>
+              <a:t>SpringBoot</a:t>
+            </a:r>
+            <a:r>
+              <a:rPr lang="zh-CN" altLang="en-US" dirty="0" smtClean="0"/>
+              <a:t>支持</a:t>
+            </a:r>
+            <a:r>
+              <a:rPr lang="en-US" altLang="zh-CN" dirty="0" smtClean="0"/>
+              <a:t>JUL</a:t>
+            </a:r>
+            <a:r>
+              <a:rPr lang="zh-CN" altLang="en-US" dirty="0" smtClean="0"/>
+              <a:t>，</a:t>
+            </a:r>
+            <a:r>
+              <a:rPr lang="en-US" altLang="zh-CN" dirty="0" smtClean="0"/>
+              <a:t>Log4J,</a:t>
+            </a:r>
+            <a:r>
+              <a:rPr lang="zh-CN" altLang="en-US" dirty="0" smtClean="0"/>
+              <a:t> </a:t>
+            </a:r>
+            <a:r>
+              <a:rPr lang="en-US" altLang="zh-CN" dirty="0" smtClean="0"/>
+              <a:t>Log4j2,</a:t>
+            </a:r>
+            <a:r>
+              <a:rPr lang="zh-CN" altLang="en-US" dirty="0" smtClean="0"/>
+              <a:t> </a:t>
+            </a:r>
+            <a:r>
+              <a:rPr lang="en-US" altLang="zh-CN" dirty="0" err="1" smtClean="0"/>
+              <a:t>logback</a:t>
+            </a:r>
+            <a:r>
+              <a:rPr lang="zh-CN" altLang="en-US" dirty="0" smtClean="0"/>
+              <a:t>作为日志框架</a:t>
+            </a:r>
+            <a:endParaRPr lang="en-US" altLang="zh-CN" dirty="0" smtClean="0"/>
+          </a:p>
+          <a:p>
+            <a:r>
+              <a:rPr lang="zh-CN" altLang="en-US" dirty="0" smtClean="0"/>
+              <a:t>默认使用</a:t>
+            </a:r>
+            <a:r>
+              <a:rPr lang="en-US" altLang="zh-CN" dirty="0" err="1" smtClean="0"/>
+              <a:t>logback</a:t>
+            </a:r>
+            <a:endParaRPr lang="en-US" altLang="zh-CN" dirty="0" smtClean="0"/>
+          </a:p>
+          <a:p>
+            <a:r>
+              <a:rPr lang="en-US" altLang="zh-CN" dirty="0" err="1" smtClean="0"/>
+              <a:t>logging.file</a:t>
+            </a:r>
+            <a:r>
+              <a:rPr lang="en-US" altLang="zh-CN" dirty="0" smtClean="0"/>
+              <a:t>=/Users/admin/logs/</a:t>
+            </a:r>
+            <a:r>
+              <a:rPr lang="en-US" altLang="zh-CN" dirty="0" err="1" smtClean="0"/>
+              <a:t>springboot-demo.log</a:t>
+            </a:r>
+            <a:endParaRPr lang="en-US" altLang="zh-CN" dirty="0" smtClean="0"/>
+          </a:p>
+          <a:p>
+            <a:r>
+              <a:rPr lang="en-US" dirty="0" err="1"/>
+              <a:t>logging.level.org.springframework.web</a:t>
+            </a:r>
+            <a:r>
+              <a:rPr lang="en-US" dirty="0"/>
+              <a:t>=INFO</a:t>
+            </a:r>
+          </a:p>
+        </p:txBody>
+      </p:sp>
+    </p:spTree>
+    <p:extLst>
+      <p:ext uri="{BB962C8B-B14F-4D97-AF65-F5344CB8AC3E}">
+        <p14:creationId xmlns:p14="http://schemas.microsoft.com/office/powerpoint/2010/main" val="93290772"/>
+      </p:ext>
+    </p:extLst>
+  </p:cSld>
+  <p:clrMapOvr>
+    <a:masterClrMapping/>
+  </p:clrMapOvr>
+</p:sld>
+</file>
+
+<file path=ppt/slides/slide11.xml><?xml version="1.0" encoding="utf-8"?>
+<p:sld xmlns:a="http://schemas.openxmlformats.org/drawingml/2006/main" xmlns:r="http://schemas.openxmlformats.org/officeDocument/2006/relationships" xmlns:p="http://schemas.openxmlformats.org/presentationml/2006/main">
+  <p:cSld>
+    <p:spTree>
+      <p:nvGrpSpPr>
+        <p:cNvPr id="1" name=""/>
+        <p:cNvGrpSpPr/>
+        <p:nvPr/>
+      </p:nvGrpSpPr>
+      <p:grpSpPr>
+        <a:xfrm>
+          <a:off x="0" y="0"/>
+          <a:ext cx="0" cy="0"/>
+          <a:chOff x="0" y="0"/>
+          <a:chExt cx="0" cy="0"/>
+        </a:xfrm>
+      </p:grpSpPr>
+      <p:sp>
+        <p:nvSpPr>
+          <p:cNvPr id="2" name="Title 1"/>
+          <p:cNvSpPr>
+            <a:spLocks noGrp="1"/>
+          </p:cNvSpPr>
+          <p:nvPr>
+            <p:ph type="title"/>
+          </p:nvPr>
+        </p:nvSpPr>
+        <p:spPr/>
+        <p:txBody>
+          <a:bodyPr/>
+          <a:lstStyle/>
+          <a:p>
+            <a:r>
+              <a:rPr lang="zh-CN" altLang="en-US" dirty="0" smtClean="0"/>
+              <a:t>上机练习</a:t>
+            </a:r>
+            <a:endParaRPr lang="en-US" dirty="0"/>
+          </a:p>
+        </p:txBody>
+      </p:sp>
+      <p:sp>
+        <p:nvSpPr>
+          <p:cNvPr id="3" name="Content Placeholder 2"/>
+          <p:cNvSpPr>
+            <a:spLocks noGrp="1"/>
+          </p:cNvSpPr>
+          <p:nvPr>
+            <p:ph idx="1"/>
+          </p:nvPr>
+        </p:nvSpPr>
+        <p:spPr>
+          <a:xfrm>
+            <a:off x="838200" y="1825624"/>
+            <a:ext cx="10515600" cy="4929505"/>
+          </a:xfrm>
+        </p:spPr>
+        <p:txBody>
+          <a:bodyPr>
+            <a:normAutofit/>
+          </a:bodyPr>
+          <a:lstStyle/>
+          <a:p>
+            <a:r>
+              <a:rPr lang="zh-CN" altLang="en-US" dirty="0" smtClean="0"/>
+              <a:t>自定义一个</a:t>
+            </a:r>
+            <a:r>
+              <a:rPr lang="en-US" altLang="zh-CN" dirty="0" smtClean="0"/>
+              <a:t>banner</a:t>
+            </a:r>
+          </a:p>
+          <a:p>
+            <a:r>
+              <a:rPr lang="zh-CN" altLang="en-US" dirty="0" smtClean="0"/>
+              <a:t>通过</a:t>
+            </a:r>
+            <a:r>
+              <a:rPr lang="en-US" altLang="zh-CN" dirty="0" err="1" smtClean="0"/>
+              <a:t>application.properties</a:t>
+            </a:r>
+            <a:r>
+              <a:rPr lang="zh-CN" altLang="en-US" dirty="0" smtClean="0"/>
+              <a:t>配置</a:t>
+            </a:r>
+            <a:endParaRPr lang="en-US" altLang="zh-CN" dirty="0" smtClean="0"/>
+          </a:p>
+          <a:p>
+            <a:pPr lvl="1"/>
+            <a:r>
+              <a:rPr lang="zh-CN" altLang="en-US" dirty="0" smtClean="0"/>
+              <a:t>修改</a:t>
+            </a:r>
+            <a:r>
+              <a:rPr lang="en-US" altLang="zh-CN" dirty="0" smtClean="0"/>
+              <a:t>tomcat</a:t>
+            </a:r>
+            <a:r>
+              <a:rPr lang="zh-CN" altLang="en-US" dirty="0" smtClean="0"/>
+              <a:t>监听的端口号</a:t>
+            </a:r>
+            <a:endParaRPr lang="en-US" altLang="zh-CN" dirty="0" smtClean="0"/>
+          </a:p>
+          <a:p>
+            <a:pPr lvl="2"/>
+            <a:r>
+              <a:rPr lang="en-US" altLang="zh-CN" dirty="0" err="1" smtClean="0"/>
+              <a:t>server.port</a:t>
+            </a:r>
+            <a:r>
+              <a:rPr lang="en-US" altLang="zh-CN" dirty="0" smtClean="0"/>
+              <a:t>=xx</a:t>
+            </a:r>
+            <a:r>
+              <a:rPr lang="zh-CN" altLang="en-US" dirty="0" smtClean="0"/>
+              <a:t> 更改端口号</a:t>
+            </a:r>
+            <a:endParaRPr lang="en-US" altLang="zh-CN" dirty="0" smtClean="0"/>
+          </a:p>
+          <a:p>
+            <a:pPr lvl="1"/>
+            <a:r>
+              <a:rPr lang="zh-CN" altLang="en-US" dirty="0" smtClean="0"/>
+              <a:t>访问</a:t>
+            </a:r>
+            <a:r>
+              <a:rPr lang="en-US" altLang="zh-CN" dirty="0" smtClean="0">
+                <a:hlinkClick r:id="rId2"/>
+              </a:rPr>
+              <a:t>http://localhost:xx/myName</a:t>
+            </a:r>
+            <a:r>
+              <a:rPr lang="zh-CN" altLang="en-US" dirty="0" smtClean="0"/>
+              <a:t> 返回自己的名字</a:t>
+            </a:r>
+            <a:endParaRPr lang="en-US" altLang="zh-CN" dirty="0" smtClean="0"/>
+          </a:p>
+          <a:p>
+            <a:pPr lvl="2"/>
+            <a:r>
+              <a:rPr lang="en-US" altLang="zh-CN" dirty="0" err="1"/>
+              <a:t>newit.user.name</a:t>
+            </a:r>
+            <a:r>
+              <a:rPr lang="en-US" altLang="zh-CN" dirty="0"/>
+              <a:t>=</a:t>
+            </a:r>
+            <a:r>
+              <a:rPr lang="zh-CN" altLang="en-US" dirty="0"/>
+              <a:t>自己的</a:t>
+            </a:r>
+            <a:r>
+              <a:rPr lang="zh-CN" altLang="en-US" dirty="0" smtClean="0"/>
+              <a:t>名字</a:t>
+            </a:r>
+            <a:endParaRPr lang="en-US" altLang="zh-CN" dirty="0" smtClean="0"/>
+          </a:p>
+          <a:p>
+            <a:pPr lvl="1"/>
+            <a:r>
+              <a:rPr lang="zh-CN" altLang="en-US" dirty="0" smtClean="0"/>
+              <a:t>访问</a:t>
+            </a:r>
+            <a:r>
+              <a:rPr lang="en-US" altLang="zh-CN" dirty="0" smtClean="0">
+                <a:hlinkClick r:id="rId3"/>
+              </a:rPr>
+              <a:t>http://localhost:xx/book</a:t>
+            </a:r>
+            <a:r>
+              <a:rPr lang="zh-CN" altLang="en-US" dirty="0" smtClean="0"/>
+              <a:t> 返回一个单例的</a:t>
+            </a:r>
+            <a:r>
+              <a:rPr lang="en-US" altLang="zh-CN" dirty="0" smtClean="0"/>
+              <a:t>book</a:t>
+            </a:r>
+            <a:r>
+              <a:rPr lang="zh-CN" altLang="en-US" dirty="0" smtClean="0"/>
+              <a:t>配置</a:t>
+            </a:r>
+            <a:endParaRPr lang="en-US" altLang="zh-CN" dirty="0" smtClean="0"/>
+          </a:p>
+          <a:p>
+            <a:pPr lvl="2"/>
+            <a:r>
+              <a:rPr lang="zh-CN" altLang="en-US" dirty="0" smtClean="0"/>
+              <a:t>定义一个</a:t>
+            </a:r>
+            <a:r>
+              <a:rPr lang="en-US" altLang="zh-CN" dirty="0" smtClean="0"/>
+              <a:t>Book</a:t>
+            </a:r>
+            <a:r>
+              <a:rPr lang="zh-CN" altLang="en-US" dirty="0" smtClean="0"/>
+              <a:t>类，包含书名，价格，描述字段</a:t>
+            </a:r>
+            <a:endParaRPr lang="en-US" altLang="zh-CN" dirty="0" smtClean="0"/>
+          </a:p>
+          <a:p>
+            <a:pPr lvl="2"/>
+            <a:r>
+              <a:rPr lang="zh-CN" altLang="en-US" dirty="0" smtClean="0"/>
+              <a:t>通过</a:t>
+            </a:r>
+            <a:r>
+              <a:rPr lang="en-US" dirty="0"/>
+              <a:t>@</a:t>
+            </a:r>
+            <a:r>
+              <a:rPr lang="en-US" dirty="0" err="1"/>
+              <a:t>ConfigurationProperties</a:t>
+            </a:r>
+            <a:r>
+              <a:rPr lang="en-US" dirty="0"/>
+              <a:t>(</a:t>
+            </a:r>
+            <a:r>
+              <a:rPr lang="en-US" dirty="0"/>
+              <a:t>prefix </a:t>
+            </a:r>
+            <a:r>
+              <a:rPr lang="en-US" dirty="0"/>
+              <a:t>= </a:t>
+            </a:r>
+            <a:r>
+              <a:rPr lang="en-US" dirty="0"/>
+              <a:t>"</a:t>
+            </a:r>
+            <a:r>
+              <a:rPr lang="en-US" dirty="0" err="1"/>
+              <a:t>newit.book</a:t>
+            </a:r>
+            <a:r>
+              <a:rPr lang="en-US" dirty="0" smtClean="0"/>
+              <a:t>")</a:t>
+            </a:r>
+            <a:r>
+              <a:rPr lang="zh-CN" altLang="en-US" dirty="0" smtClean="0"/>
+              <a:t>配置书籍信息</a:t>
+            </a:r>
+            <a:endParaRPr lang="en-US" altLang="zh-CN" dirty="0" smtClean="0"/>
+          </a:p>
+          <a:p>
+            <a:r>
+              <a:rPr lang="zh-CN" altLang="en-US" dirty="0" smtClean="0"/>
+              <a:t>配置日志</a:t>
+            </a:r>
+            <a:endParaRPr lang="en-US" altLang="zh-CN" dirty="0" smtClean="0"/>
+          </a:p>
+          <a:p>
+            <a:pPr lvl="1"/>
+            <a:r>
+              <a:rPr lang="zh-CN" altLang="en-US" dirty="0" smtClean="0"/>
+              <a:t>修改日志等级为</a:t>
+            </a:r>
+            <a:r>
+              <a:rPr lang="en-US" altLang="zh-CN" dirty="0" smtClean="0"/>
+              <a:t>Debug</a:t>
+            </a:r>
+          </a:p>
+          <a:p>
+            <a:pPr lvl="1"/>
+            <a:r>
+              <a:rPr lang="zh-CN" altLang="en-US" dirty="0" smtClean="0"/>
+              <a:t>日志输出到</a:t>
+            </a:r>
+            <a:r>
+              <a:rPr lang="en-US" altLang="zh-CN" dirty="0" smtClean="0"/>
+              <a:t>d:\logs\springboot-0530.log</a:t>
+            </a:r>
+            <a:endParaRPr lang="en-US" dirty="0"/>
+          </a:p>
+        </p:txBody>
+      </p:sp>
+    </p:spTree>
+    <p:extLst>
+      <p:ext uri="{BB962C8B-B14F-4D97-AF65-F5344CB8AC3E}">
+        <p14:creationId xmlns:p14="http://schemas.microsoft.com/office/powerpoint/2010/main" val="1544728067"/>
+      </p:ext>
+    </p:extLst>
+  </p:cSld>
+  <p:clrMapOvr>
+    <a:masterClrMapping/>
+  </p:clrMapOvr>
+</p:sld>
+</file>
+
+<file path=ppt/slides/slide12.xml><?xml version="1.0" encoding="utf-8"?>
+<p:sld xmlns:a="http://schemas.openxmlformats.org/drawingml/2006/main" xmlns:r="http://schemas.openxmlformats.org/officeDocument/2006/relationships" xmlns:p="http://schemas.openxmlformats.org/presentationml/2006/main">
+  <p:cSld>
+    <p:spTree>
+      <p:nvGrpSpPr>
+        <p:cNvPr id="1" name=""/>
+        <p:cNvGrpSpPr/>
+        <p:nvPr/>
+      </p:nvGrpSpPr>
+      <p:grpSpPr>
+        <a:xfrm>
+          <a:off x="0" y="0"/>
+          <a:ext cx="0" cy="0"/>
+          <a:chOff x="0" y="0"/>
+          <a:chExt cx="0" cy="0"/>
+        </a:xfrm>
+      </p:grpSpPr>
+      <p:sp>
+        <p:nvSpPr>
+          <p:cNvPr id="2" name="Title 1"/>
+          <p:cNvSpPr>
+            <a:spLocks noGrp="1"/>
+          </p:cNvSpPr>
+          <p:nvPr>
+            <p:ph type="title"/>
+          </p:nvPr>
+        </p:nvSpPr>
+        <p:spPr/>
+        <p:txBody>
+          <a:bodyPr/>
+          <a:lstStyle/>
+          <a:p>
+            <a:r>
+              <a:rPr lang="zh-CN" altLang="en-US" dirty="0" smtClean="0"/>
+              <a:t>上机练习</a:t>
+            </a:r>
+            <a:endParaRPr lang="en-US" dirty="0"/>
+          </a:p>
+        </p:txBody>
+      </p:sp>
+      <p:sp>
+        <p:nvSpPr>
+          <p:cNvPr id="3" name="Content Placeholder 2"/>
+          <p:cNvSpPr>
+            <a:spLocks noGrp="1"/>
+          </p:cNvSpPr>
+          <p:nvPr>
+            <p:ph idx="1"/>
+          </p:nvPr>
+        </p:nvSpPr>
+        <p:spPr/>
+        <p:txBody>
+          <a:bodyPr/>
+          <a:lstStyle/>
+          <a:p>
+            <a:r>
+              <a:rPr lang="zh-CN" altLang="en-US" dirty="0" smtClean="0"/>
+              <a:t>配置两个</a:t>
+            </a:r>
+            <a:r>
+              <a:rPr lang="en-US" altLang="zh-CN" dirty="0" smtClean="0"/>
+              <a:t>Spring</a:t>
+            </a:r>
+            <a:r>
+              <a:rPr lang="zh-CN" altLang="en-US" dirty="0" smtClean="0"/>
+              <a:t> </a:t>
+            </a:r>
+            <a:r>
+              <a:rPr lang="en-US" altLang="zh-CN" dirty="0" smtClean="0"/>
+              <a:t>Profile</a:t>
+            </a:r>
+          </a:p>
+          <a:p>
+            <a:pPr lvl="1"/>
+            <a:r>
+              <a:rPr lang="en-US" altLang="zh-CN" dirty="0" smtClean="0"/>
+              <a:t>profile</a:t>
+            </a:r>
+            <a:r>
+              <a:rPr lang="zh-CN" altLang="en-US" dirty="0" smtClean="0"/>
+              <a:t>分别为</a:t>
+            </a:r>
+            <a:r>
+              <a:rPr lang="en-US" altLang="zh-CN" dirty="0" smtClean="0"/>
+              <a:t>dev</a:t>
+            </a:r>
+            <a:r>
+              <a:rPr lang="zh-CN" altLang="en-US" dirty="0" smtClean="0"/>
+              <a:t>和</a:t>
+            </a:r>
+            <a:r>
+              <a:rPr lang="en-US" altLang="zh-CN" dirty="0" smtClean="0"/>
+              <a:t>prod</a:t>
+            </a:r>
+          </a:p>
+          <a:p>
+            <a:pPr lvl="1"/>
+            <a:r>
+              <a:rPr lang="zh-CN" altLang="en-US" dirty="0" smtClean="0"/>
+              <a:t>设置</a:t>
+            </a:r>
+            <a:r>
+              <a:rPr lang="en-US" altLang="zh-CN" dirty="0"/>
+              <a:t>-</a:t>
+            </a:r>
+            <a:r>
+              <a:rPr lang="en-US" altLang="zh-CN" dirty="0" err="1"/>
+              <a:t>D</a:t>
+            </a:r>
+            <a:r>
+              <a:rPr lang="en-US" dirty="0" err="1"/>
+              <a:t>spring.profiles.active</a:t>
+            </a:r>
+            <a:r>
+              <a:rPr lang="en-US" dirty="0"/>
+              <a:t>=dev</a:t>
+            </a:r>
+            <a:endParaRPr lang="en-US" altLang="zh-CN" dirty="0" smtClean="0"/>
+          </a:p>
+          <a:p>
+            <a:pPr lvl="2"/>
+            <a:r>
+              <a:rPr lang="zh-CN" altLang="en-US" dirty="0" smtClean="0"/>
+              <a:t>访问端口</a:t>
+            </a:r>
+            <a:r>
+              <a:rPr lang="en-US" altLang="zh-CN" dirty="0" smtClean="0">
+                <a:hlinkClick r:id="rId2"/>
+              </a:rPr>
+              <a:t>http://localhost:8888/env</a:t>
+            </a:r>
+            <a:r>
+              <a:rPr lang="zh-CN" altLang="en-US" dirty="0" smtClean="0"/>
+              <a:t> 返回</a:t>
+            </a:r>
+            <a:r>
+              <a:rPr lang="en-US" altLang="zh-CN" dirty="0" smtClean="0"/>
+              <a:t>”this</a:t>
+            </a:r>
+            <a:r>
+              <a:rPr lang="zh-CN" altLang="en-US" dirty="0" smtClean="0"/>
+              <a:t> </a:t>
+            </a:r>
+            <a:r>
+              <a:rPr lang="en-US" altLang="zh-CN" dirty="0" smtClean="0"/>
+              <a:t>is</a:t>
+            </a:r>
+            <a:r>
+              <a:rPr lang="zh-CN" altLang="en-US" dirty="0" smtClean="0"/>
+              <a:t> </a:t>
+            </a:r>
+            <a:r>
+              <a:rPr lang="en-US" altLang="zh-CN" dirty="0" smtClean="0"/>
+              <a:t>dev”</a:t>
+            </a:r>
+          </a:p>
+          <a:p>
+            <a:pPr lvl="1"/>
+            <a:r>
+              <a:rPr lang="en-US" altLang="zh-CN" dirty="0"/>
+              <a:t>-</a:t>
+            </a:r>
+            <a:r>
+              <a:rPr lang="en-US" altLang="zh-CN" dirty="0" err="1" smtClean="0"/>
+              <a:t>D</a:t>
+            </a:r>
+            <a:r>
+              <a:rPr lang="en-US" dirty="0" err="1" smtClean="0"/>
+              <a:t>spring.profiles.active</a:t>
+            </a:r>
+            <a:r>
+              <a:rPr lang="en-US" dirty="0" smtClean="0"/>
+              <a:t>=</a:t>
+            </a:r>
+            <a:r>
+              <a:rPr lang="en-US" altLang="zh-CN" dirty="0" smtClean="0"/>
+              <a:t>prod</a:t>
+            </a:r>
+          </a:p>
+          <a:p>
+            <a:pPr lvl="2"/>
+            <a:r>
+              <a:rPr lang="zh-CN" altLang="en-US" dirty="0"/>
+              <a:t>访问端口</a:t>
+            </a:r>
+            <a:r>
+              <a:rPr lang="en-US" altLang="zh-CN" dirty="0">
+                <a:hlinkClick r:id="rId2"/>
+              </a:rPr>
+              <a:t>http://</a:t>
+            </a:r>
+            <a:r>
+              <a:rPr lang="en-US" altLang="zh-CN" dirty="0" smtClean="0">
+                <a:hlinkClick r:id="rId2"/>
+              </a:rPr>
+              <a:t>localhost:9999/env</a:t>
+            </a:r>
+            <a:r>
+              <a:rPr lang="zh-CN" altLang="en-US" dirty="0" smtClean="0"/>
+              <a:t> </a:t>
+            </a:r>
+            <a:r>
+              <a:rPr lang="zh-CN" altLang="en-US" dirty="0"/>
+              <a:t>返回</a:t>
+            </a:r>
+            <a:r>
+              <a:rPr lang="en-US" altLang="zh-CN" dirty="0" smtClean="0"/>
+              <a:t>”this</a:t>
+            </a:r>
+            <a:r>
+              <a:rPr lang="zh-CN" altLang="en-US" dirty="0" smtClean="0"/>
+              <a:t> </a:t>
+            </a:r>
+            <a:r>
+              <a:rPr lang="en-US" altLang="zh-CN" dirty="0" smtClean="0"/>
+              <a:t>is</a:t>
+            </a:r>
+            <a:r>
+              <a:rPr lang="zh-CN" altLang="en-US" dirty="0" smtClean="0"/>
+              <a:t> </a:t>
+            </a:r>
+            <a:r>
+              <a:rPr lang="en-US" altLang="zh-CN" dirty="0" smtClean="0"/>
+              <a:t>prod”</a:t>
+            </a:r>
+            <a:endParaRPr lang="en-US" altLang="zh-CN" dirty="0"/>
+          </a:p>
+          <a:p>
+            <a:pPr lvl="2"/>
+            <a:endParaRPr lang="en-US" altLang="zh-CN" dirty="0" smtClean="0"/>
+          </a:p>
+        </p:txBody>
+      </p:sp>
+    </p:spTree>
+    <p:extLst>
+      <p:ext uri="{BB962C8B-B14F-4D97-AF65-F5344CB8AC3E}">
+        <p14:creationId xmlns:p14="http://schemas.microsoft.com/office/powerpoint/2010/main" val="1478472305"/>
+      </p:ext>
+    </p:extLst>
+  </p:cSld>
+  <p:clrMapOvr>
+    <a:masterClrMapping/>
+  </p:clrMapOvr>
+</p:sld>
+</file>
+
+<file path=ppt/slides/slide13.xml><?xml version="1.0" encoding="utf-8"?>
+<p:sld xmlns:a="http://schemas.openxmlformats.org/drawingml/2006/main" xmlns:r="http://schemas.openxmlformats.org/officeDocument/2006/relationships" xmlns:p="http://schemas.openxmlformats.org/presentationml/2006/main">
+  <p:cSld>
+    <p:spTree>
+      <p:nvGrpSpPr>
+        <p:cNvPr id="1" name=""/>
+        <p:cNvGrpSpPr/>
+        <p:nvPr/>
+      </p:nvGrpSpPr>
+      <p:grpSpPr>
+        <a:xfrm>
+          <a:off x="0" y="0"/>
+          <a:ext cx="0" cy="0"/>
+          <a:chOff x="0" y="0"/>
+          <a:chExt cx="0" cy="0"/>
+        </a:xfrm>
+      </p:grpSpPr>
+      <p:sp>
+        <p:nvSpPr>
+          <p:cNvPr id="2" name="Title 1"/>
+          <p:cNvSpPr>
+            <a:spLocks noGrp="1"/>
+          </p:cNvSpPr>
+          <p:nvPr>
+            <p:ph type="title"/>
+          </p:nvPr>
+        </p:nvSpPr>
+        <p:spPr/>
+        <p:txBody>
+          <a:bodyPr/>
+          <a:lstStyle/>
+          <a:p>
+            <a:r>
+              <a:rPr lang="en-US" altLang="zh-CN" dirty="0" err="1" smtClean="0"/>
+              <a:t>SpringBoot</a:t>
+            </a:r>
+            <a:r>
+              <a:rPr lang="zh-CN" altLang="en-US" dirty="0" smtClean="0"/>
+              <a:t>运行原理</a:t>
+            </a:r>
+            <a:endParaRPr lang="en-US" dirty="0"/>
+          </a:p>
+        </p:txBody>
+      </p:sp>
+      <p:sp>
+        <p:nvSpPr>
+          <p:cNvPr id="3" name="Content Placeholder 2"/>
+          <p:cNvSpPr>
+            <a:spLocks noGrp="1"/>
+          </p:cNvSpPr>
+          <p:nvPr>
+            <p:ph idx="1"/>
+          </p:nvPr>
+        </p:nvSpPr>
+        <p:spPr/>
+        <p:txBody>
+          <a:bodyPr/>
+          <a:lstStyle/>
+          <a:p>
+            <a:r>
+              <a:rPr lang="en-US" altLang="zh-CN" dirty="0" err="1" smtClean="0"/>
+              <a:t>SpringBoot</a:t>
+            </a:r>
+            <a:r>
+              <a:rPr lang="zh-CN" altLang="en-US" dirty="0" smtClean="0"/>
+              <a:t>关于自动配置的源码在</a:t>
+            </a:r>
+            <a:r>
+              <a:rPr lang="en-US" altLang="zh-CN" dirty="0" smtClean="0"/>
+              <a:t>spring-boot-autoconfigure-2.0.0.RELEASE.jar</a:t>
+            </a:r>
+            <a:r>
+              <a:rPr lang="zh-CN" altLang="en-US" dirty="0" smtClean="0"/>
+              <a:t>中</a:t>
+            </a:r>
+            <a:endParaRPr lang="en-US" altLang="zh-CN" dirty="0" smtClean="0"/>
+          </a:p>
+          <a:p>
+            <a:r>
+              <a:rPr lang="zh-CN" altLang="en-US" dirty="0" smtClean="0"/>
+              <a:t>可以在启动参数增加</a:t>
+            </a:r>
+            <a:r>
+              <a:rPr lang="en-US" altLang="zh-CN" dirty="0" smtClean="0"/>
+              <a:t>—debug</a:t>
+            </a:r>
+            <a:r>
+              <a:rPr lang="zh-CN" altLang="en-US" dirty="0" smtClean="0"/>
+              <a:t>参数查看自动配置的报告</a:t>
+            </a:r>
+            <a:endParaRPr lang="en-US" altLang="zh-CN" dirty="0" smtClean="0"/>
+          </a:p>
+          <a:p>
+            <a:r>
+              <a:rPr lang="en-US" altLang="zh-CN" dirty="0" smtClean="0"/>
+              <a:t>@</a:t>
+            </a:r>
+            <a:r>
+              <a:rPr lang="en-US" altLang="zh-CN" dirty="0" err="1" smtClean="0"/>
+              <a:t>SpringBootApplication</a:t>
+            </a:r>
+            <a:r>
+              <a:rPr lang="zh-CN" altLang="en-US" dirty="0" smtClean="0"/>
+              <a:t> 包含了</a:t>
+            </a:r>
+            <a:r>
+              <a:rPr lang="en-US" altLang="zh-CN" dirty="0" smtClean="0"/>
+              <a:t>@</a:t>
+            </a:r>
+            <a:r>
+              <a:rPr lang="en-US" altLang="zh-CN" dirty="0" err="1" smtClean="0"/>
+              <a:t>EnableAutoConfiguration</a:t>
+            </a:r>
+            <a:endParaRPr lang="en-US" altLang="zh-CN" dirty="0" smtClean="0"/>
+          </a:p>
+          <a:p>
+            <a:r>
+              <a:rPr lang="en-US" altLang="zh-CN" dirty="0" smtClean="0"/>
+              <a:t>@</a:t>
+            </a:r>
+            <a:r>
+              <a:rPr lang="en-US" altLang="zh-CN" dirty="0" err="1" smtClean="0"/>
+              <a:t>EnableAutoConfiguration</a:t>
+            </a:r>
+            <a:r>
+              <a:rPr lang="zh-CN" altLang="en-US" dirty="0" smtClean="0"/>
+              <a:t> </a:t>
+            </a:r>
+            <a:r>
+              <a:rPr lang="en-US" altLang="zh-CN" dirty="0" smtClean="0"/>
+              <a:t>Import</a:t>
+            </a:r>
+            <a:r>
+              <a:rPr lang="zh-CN" altLang="en-US" dirty="0" smtClean="0"/>
+              <a:t>了</a:t>
+            </a:r>
+            <a:r>
+              <a:rPr lang="en-US" altLang="zh-CN" dirty="0" err="1" smtClean="0"/>
+              <a:t>EnableAutoConfigurationImportSelector</a:t>
+            </a:r>
+            <a:endParaRPr lang="en-US" altLang="zh-CN" dirty="0" smtClean="0"/>
+          </a:p>
+          <a:p>
+            <a:r>
+              <a:rPr lang="en-US" dirty="0" err="1" smtClean="0"/>
+              <a:t>AutoConfigurationImportSelector</a:t>
+            </a:r>
+            <a:endParaRPr lang="en-US" dirty="0" smtClean="0"/>
+          </a:p>
+          <a:p>
+            <a:r>
+              <a:rPr lang="en-US" dirty="0" err="1" smtClean="0"/>
+              <a:t>HttpEncodingAutoConfiguration</a:t>
+            </a:r>
+            <a:r>
+              <a:rPr lang="zh-CN" altLang="en-US" dirty="0" smtClean="0"/>
+              <a:t>配置了默认的编码</a:t>
+            </a:r>
+            <a:r>
+              <a:rPr lang="en-US" altLang="zh-CN" dirty="0" smtClean="0"/>
+              <a:t>filter</a:t>
+            </a:r>
+          </a:p>
+          <a:p>
+            <a:endParaRPr lang="en-US" dirty="0"/>
+          </a:p>
+        </p:txBody>
+      </p:sp>
+    </p:spTree>
+    <p:extLst>
+      <p:ext uri="{BB962C8B-B14F-4D97-AF65-F5344CB8AC3E}">
+        <p14:creationId xmlns:p14="http://schemas.microsoft.com/office/powerpoint/2010/main" val="1655562323"/>
+      </p:ext>
+    </p:extLst>
+  </p:cSld>
+  <p:clrMapOvr>
+    <a:masterClrMapping/>
+  </p:clrMapOvr>
+</p:sld>
+</file>
+
+<file path=ppt/slides/slide14.xml><?xml version="1.0" encoding="utf-8"?>
+<p:sld xmlns:a="http://schemas.openxmlformats.org/drawingml/2006/main" xmlns:r="http://schemas.openxmlformats.org/officeDocument/2006/relationships" xmlns:p="http://schemas.openxmlformats.org/presentationml/2006/main">
+  <p:cSld>
+    <p:spTree>
+      <p:nvGrpSpPr>
+        <p:cNvPr id="1" name=""/>
+        <p:cNvGrpSpPr/>
+        <p:nvPr/>
+      </p:nvGrpSpPr>
+      <p:grpSpPr>
+        <a:xfrm>
+          <a:off x="0" y="0"/>
+          <a:ext cx="0" cy="0"/>
+          <a:chOff x="0" y="0"/>
+          <a:chExt cx="0" cy="0"/>
+        </a:xfrm>
+      </p:grpSpPr>
+      <p:sp>
+        <p:nvSpPr>
+          <p:cNvPr id="2" name="Title 1"/>
+          <p:cNvSpPr>
+            <a:spLocks noGrp="1"/>
+          </p:cNvSpPr>
+          <p:nvPr>
+            <p:ph type="title"/>
+          </p:nvPr>
+        </p:nvSpPr>
+        <p:spPr/>
+        <p:txBody>
+          <a:bodyPr/>
+          <a:lstStyle/>
+          <a:p>
+            <a:r>
+              <a:rPr lang="zh-CN" altLang="en-US" dirty="0" smtClean="0"/>
               <a:t>传统</a:t>
             </a:r>
             <a:r>
@@ -3161,7 +4032,7 @@
 </p:sld>
 </file>
 
-<file path=ppt/slides/slide11.xml><?xml version="1.0" encoding="utf-8"?>
+<file path=ppt/slides/slide15.xml><?xml version="1.0" encoding="utf-8"?>
 <p:sld xmlns:a="http://schemas.openxmlformats.org/drawingml/2006/main" xmlns:r="http://schemas.openxmlformats.org/officeDocument/2006/relationships" xmlns:p="http://schemas.openxmlformats.org/presentationml/2006/main">
   <p:cSld>
     <p:spTree>
@@ -3261,7 +4132,7 @@
 </p:sld>
 </file>
 
-<file path=ppt/slides/slide12.xml><?xml version="1.0" encoding="utf-8"?>
+<file path=ppt/slides/slide16.xml><?xml version="1.0" encoding="utf-8"?>
 <p:sld xmlns:a="http://schemas.openxmlformats.org/drawingml/2006/main" xmlns:r="http://schemas.openxmlformats.org/officeDocument/2006/relationships" xmlns:p="http://schemas.openxmlformats.org/presentationml/2006/main">
   <p:cSld>
     <p:spTree>
@@ -3460,7 +4331,7 @@
 </p:sld>
 </file>
 
-<file path=ppt/slides/slide13.xml><?xml version="1.0" encoding="utf-8"?>
+<file path=ppt/slides/slide17.xml><?xml version="1.0" encoding="utf-8"?>
 <p:sld xmlns:a="http://schemas.openxmlformats.org/drawingml/2006/main" xmlns:r="http://schemas.openxmlformats.org/officeDocument/2006/relationships" xmlns:p="http://schemas.openxmlformats.org/presentationml/2006/main">
   <p:cSld>
     <p:spTree>
@@ -3564,7 +4435,7 @@
 </p:sld>
 </file>
 
-<file path=ppt/slides/slide14.xml><?xml version="1.0" encoding="utf-8"?>
+<file path=ppt/slides/slide18.xml><?xml version="1.0" encoding="utf-8"?>
 <p:sld xmlns:a="http://schemas.openxmlformats.org/drawingml/2006/main" xmlns:r="http://schemas.openxmlformats.org/officeDocument/2006/relationships" xmlns:p="http://schemas.openxmlformats.org/presentationml/2006/main">
   <p:cSld>
     <p:spTree>
@@ -3664,7 +4535,7 @@
 </p:sld>
 </file>
 
-<file path=ppt/slides/slide15.xml><?xml version="1.0" encoding="utf-8"?>
+<file path=ppt/slides/slide19.xml><?xml version="1.0" encoding="utf-8"?>
 <p:sld xmlns:a="http://schemas.openxmlformats.org/drawingml/2006/main" xmlns:r="http://schemas.openxmlformats.org/officeDocument/2006/relationships" xmlns:p="http://schemas.openxmlformats.org/presentationml/2006/main">
   <p:cSld>
     <p:spTree>
@@ -3764,7 +4635,196 @@
 </p:sld>
 </file>
 
-<file path=ppt/slides/slide16.xml><?xml version="1.0" encoding="utf-8"?>
+<file path=ppt/slides/slide2.xml><?xml version="1.0" encoding="utf-8"?>
+<p:sld xmlns:a="http://schemas.openxmlformats.org/drawingml/2006/main" xmlns:r="http://schemas.openxmlformats.org/officeDocument/2006/relationships" xmlns:p="http://schemas.openxmlformats.org/presentationml/2006/main">
+  <p:cSld>
+    <p:spTree>
+      <p:nvGrpSpPr>
+        <p:cNvPr id="1" name=""/>
+        <p:cNvGrpSpPr/>
+        <p:nvPr/>
+      </p:nvGrpSpPr>
+      <p:grpSpPr>
+        <a:xfrm>
+          <a:off x="0" y="0"/>
+          <a:ext cx="0" cy="0"/>
+          <a:chOff x="0" y="0"/>
+          <a:chExt cx="0" cy="0"/>
+        </a:xfrm>
+      </p:grpSpPr>
+      <p:sp>
+        <p:nvSpPr>
+          <p:cNvPr id="2" name="Title 1"/>
+          <p:cNvSpPr>
+            <a:spLocks noGrp="1"/>
+          </p:cNvSpPr>
+          <p:nvPr>
+            <p:ph type="title"/>
+          </p:nvPr>
+        </p:nvSpPr>
+        <p:spPr/>
+        <p:txBody>
+          <a:bodyPr/>
+          <a:lstStyle/>
+          <a:p>
+            <a:r>
+              <a:rPr lang="zh-CN" altLang="en-US" dirty="0" smtClean="0"/>
+              <a:t>为什么选择</a:t>
+            </a:r>
+            <a:r>
+              <a:rPr lang="en-US" altLang="zh-CN" dirty="0" err="1" smtClean="0"/>
+              <a:t>SpringBoot</a:t>
+            </a:r>
+            <a:endParaRPr lang="en-US" dirty="0"/>
+          </a:p>
+        </p:txBody>
+      </p:sp>
+      <p:sp>
+        <p:nvSpPr>
+          <p:cNvPr id="3" name="Content Placeholder 2"/>
+          <p:cNvSpPr>
+            <a:spLocks noGrp="1"/>
+          </p:cNvSpPr>
+          <p:nvPr>
+            <p:ph idx="1"/>
+          </p:nvPr>
+        </p:nvSpPr>
+        <p:spPr/>
+        <p:txBody>
+          <a:bodyPr/>
+          <a:lstStyle/>
+          <a:p>
+            <a:r>
+              <a:rPr lang="zh-CN" altLang="en-US" dirty="0" smtClean="0"/>
+              <a:t>创建独立的</a:t>
+            </a:r>
+            <a:r>
+              <a:rPr lang="en-US" altLang="zh-CN" dirty="0" smtClean="0"/>
+              <a:t>Spring</a:t>
+            </a:r>
+            <a:r>
+              <a:rPr lang="zh-CN" altLang="en-US" dirty="0" smtClean="0"/>
+              <a:t>应用程序</a:t>
+            </a:r>
+            <a:endParaRPr lang="en-US" altLang="zh-CN" dirty="0" smtClean="0"/>
+          </a:p>
+          <a:p>
+            <a:r>
+              <a:rPr lang="zh-CN" altLang="en-US" dirty="0" smtClean="0"/>
+              <a:t>嵌入独立的</a:t>
+            </a:r>
+            <a:r>
+              <a:rPr lang="en-US" altLang="zh-CN" dirty="0" smtClean="0"/>
+              <a:t>Tomcat</a:t>
+            </a:r>
+            <a:r>
+              <a:rPr lang="zh-CN" altLang="en-US" dirty="0" smtClean="0"/>
+              <a:t>、</a:t>
+            </a:r>
+            <a:r>
+              <a:rPr lang="en-US" altLang="zh-CN" dirty="0" smtClean="0"/>
+              <a:t>Jetty</a:t>
+            </a:r>
+            <a:r>
+              <a:rPr lang="zh-CN" altLang="en-US" dirty="0" smtClean="0"/>
+              <a:t>或者</a:t>
+            </a:r>
+            <a:r>
+              <a:rPr lang="en-US" altLang="zh-CN" dirty="0" smtClean="0"/>
+              <a:t>Undertow</a:t>
+            </a:r>
+            <a:r>
+              <a:rPr lang="zh-CN" altLang="en-US" dirty="0" smtClean="0"/>
+              <a:t>（不需要部署</a:t>
+            </a:r>
+            <a:r>
+              <a:rPr lang="en-US" altLang="zh-CN" dirty="0" smtClean="0"/>
+              <a:t>WAR</a:t>
+            </a:r>
+            <a:r>
+              <a:rPr lang="zh-CN" altLang="en-US" dirty="0" smtClean="0"/>
+              <a:t>文件）</a:t>
+            </a:r>
+            <a:endParaRPr lang="en-US" altLang="zh-CN" dirty="0" smtClean="0"/>
+          </a:p>
+          <a:p>
+            <a:r>
+              <a:rPr lang="zh-CN" altLang="en-US" dirty="0" smtClean="0"/>
+              <a:t>提供可选的</a:t>
+            </a:r>
+            <a:r>
+              <a:rPr lang="en-US" altLang="zh-CN" dirty="0" smtClean="0"/>
+              <a:t>starter</a:t>
+            </a:r>
+            <a:r>
+              <a:rPr lang="zh-CN" altLang="en-US" dirty="0" smtClean="0"/>
+              <a:t>依赖以简化构建的配置</a:t>
+            </a:r>
+            <a:endParaRPr lang="en-US" altLang="zh-CN" dirty="0" smtClean="0"/>
+          </a:p>
+          <a:p>
+            <a:r>
+              <a:rPr lang="zh-CN" altLang="en-US" dirty="0" smtClean="0"/>
+              <a:t>自动配置</a:t>
+            </a:r>
+            <a:r>
+              <a:rPr lang="en-US" altLang="zh-CN" dirty="0" smtClean="0"/>
+              <a:t>Spring</a:t>
+            </a:r>
+            <a:r>
+              <a:rPr lang="zh-CN" altLang="en-US" dirty="0" smtClean="0"/>
+              <a:t>和第三方库</a:t>
+            </a:r>
+            <a:endParaRPr lang="en-US" altLang="zh-CN" dirty="0" smtClean="0"/>
+          </a:p>
+          <a:p>
+            <a:r>
+              <a:rPr lang="zh-CN" altLang="en-US" dirty="0" smtClean="0"/>
+              <a:t>准生产环境相关功能，例如指标，健康检查和外部配置</a:t>
+            </a:r>
+            <a:endParaRPr lang="en-US" altLang="zh-CN" dirty="0" smtClean="0"/>
+          </a:p>
+          <a:p>
+            <a:r>
+              <a:rPr lang="zh-CN" altLang="en-US" dirty="0" smtClean="0"/>
+              <a:t>没有代码生成，不需要</a:t>
+            </a:r>
+            <a:r>
+              <a:rPr lang="en-US" altLang="zh-CN" dirty="0" smtClean="0"/>
+              <a:t>XML</a:t>
+            </a:r>
+            <a:r>
+              <a:rPr lang="zh-CN" altLang="en-US" dirty="0" smtClean="0"/>
+              <a:t>配置</a:t>
+            </a:r>
+            <a:endParaRPr lang="en-US" altLang="zh-CN" dirty="0" smtClean="0"/>
+          </a:p>
+          <a:p>
+            <a:endParaRPr lang="en-US" dirty="0"/>
+          </a:p>
+        </p:txBody>
+      </p:sp>
+    </p:spTree>
+    <p:extLst>
+      <p:ext uri="{BB962C8B-B14F-4D97-AF65-F5344CB8AC3E}">
+        <p14:creationId xmlns:p14="http://schemas.microsoft.com/office/powerpoint/2010/main" val="972403033"/>
+      </p:ext>
+    </p:extLst>
+  </p:cSld>
+  <p:clrMapOvr>
+    <a:masterClrMapping/>
+  </p:clrMapOvr>
+  <p:timing>
+    <p:tnLst>
+      <p:par>
+        <p:cTn id="1" dur="indefinite" restart="never" nodeType="tmRoot"/>
+      </p:par>
+    </p:tnLst>
+  </p:timing>
+</p:sld>
+</file>
+
+<file path=ppt/slides/slide20.xml><?xml version="1.0" encoding="utf-8"?>
 <p:sld xmlns:a="http://schemas.openxmlformats.org/drawingml/2006/main" xmlns:r="http://schemas.openxmlformats.org/officeDocument/2006/relationships" xmlns:p="http://schemas.openxmlformats.org/presentationml/2006/main">
   <p:cSld>
     <p:spTree>
@@ -3864,7 +4924,7 @@
 </p:sld>
 </file>
 
-<file path=ppt/slides/slide17.xml><?xml version="1.0" encoding="utf-8"?>
+<file path=ppt/slides/slide21.xml><?xml version="1.0" encoding="utf-8"?>
 <p:sld xmlns:a="http://schemas.openxmlformats.org/drawingml/2006/main" xmlns:r="http://schemas.openxmlformats.org/officeDocument/2006/relationships" xmlns:p="http://schemas.openxmlformats.org/presentationml/2006/main">
   <p:cSld>
     <p:spTree>
@@ -3964,7 +5024,7 @@
 </p:sld>
 </file>
 
-<file path=ppt/slides/slide18.xml><?xml version="1.0" encoding="utf-8"?>
+<file path=ppt/slides/slide22.xml><?xml version="1.0" encoding="utf-8"?>
 <p:sld xmlns:a="http://schemas.openxmlformats.org/drawingml/2006/main" xmlns:r="http://schemas.openxmlformats.org/officeDocument/2006/relationships" xmlns:p="http://schemas.openxmlformats.org/presentationml/2006/main">
   <p:cSld>
     <p:spTree>
@@ -4170,7 +5230,7 @@
 </p:sld>
 </file>
 
-<file path=ppt/slides/slide19.xml><?xml version="1.0" encoding="utf-8"?>
+<file path=ppt/slides/slide23.xml><?xml version="1.0" encoding="utf-8"?>
 <p:sld xmlns:a="http://schemas.openxmlformats.org/drawingml/2006/main" xmlns:r="http://schemas.openxmlformats.org/officeDocument/2006/relationships" xmlns:p="http://schemas.openxmlformats.org/presentationml/2006/main">
   <p:cSld>
     <p:spTree>
@@ -4271,203 +5331,6 @@
   <p:clrMapOvr>
     <a:masterClrMapping/>
   </p:clrMapOvr>
-</p:sld>
-</file>
-
-<file path=ppt/slides/slide2.xml><?xml version="1.0" encoding="utf-8"?>
-<p:sld xmlns:a="http://schemas.openxmlformats.org/drawingml/2006/main" xmlns:r="http://schemas.openxmlformats.org/officeDocument/2006/relationships" xmlns:p="http://schemas.openxmlformats.org/presentationml/2006/main">
-  <p:cSld>
-    <p:spTree>
-      <p:nvGrpSpPr>
-        <p:cNvPr id="1" name=""/>
-        <p:cNvGrpSpPr/>
-        <p:nvPr/>
-      </p:nvGrpSpPr>
-      <p:grpSpPr>
-        <a:xfrm>
-          <a:off x="0" y="0"/>
-          <a:ext cx="0" cy="0"/>
-          <a:chOff x="0" y="0"/>
-          <a:chExt cx="0" cy="0"/>
-        </a:xfrm>
-      </p:grpSpPr>
-      <p:sp>
-        <p:nvSpPr>
-          <p:cNvPr id="2" name="Title 1"/>
-          <p:cNvSpPr>
-            <a:spLocks noGrp="1"/>
-          </p:cNvSpPr>
-          <p:nvPr>
-            <p:ph type="title"/>
-          </p:nvPr>
-        </p:nvSpPr>
-        <p:spPr/>
-        <p:txBody>
-          <a:bodyPr/>
-          <a:lstStyle/>
-          <a:p>
-            <a:r>
-              <a:rPr lang="zh-CN" altLang="en-US" dirty="0" smtClean="0"/>
-              <a:t>为什么选择</a:t>
-            </a:r>
-            <a:r>
-              <a:rPr lang="en-US" altLang="zh-CN" dirty="0" err="1" smtClean="0"/>
-              <a:t>SpringBoot</a:t>
-            </a:r>
-            <a:endParaRPr lang="en-US" dirty="0"/>
-          </a:p>
-        </p:txBody>
-      </p:sp>
-      <p:sp>
-        <p:nvSpPr>
-          <p:cNvPr id="3" name="Content Placeholder 2"/>
-          <p:cNvSpPr>
-            <a:spLocks noGrp="1"/>
-          </p:cNvSpPr>
-          <p:nvPr>
-            <p:ph idx="1"/>
-          </p:nvPr>
-        </p:nvSpPr>
-        <p:spPr/>
-        <p:txBody>
-          <a:bodyPr/>
-          <a:lstStyle/>
-          <a:p>
-            <a:r>
-              <a:rPr lang="zh-CN" altLang="en-US" dirty="0" smtClean="0"/>
-              <a:t>创建独立的</a:t>
-            </a:r>
-            <a:r>
-              <a:rPr lang="en-US" altLang="zh-CN" dirty="0" smtClean="0"/>
-              <a:t>Spring</a:t>
-            </a:r>
-            <a:r>
-              <a:rPr lang="zh-CN" altLang="en-US" dirty="0" smtClean="0"/>
-              <a:t>应用程序</a:t>
-            </a:r>
-            <a:endParaRPr lang="en-US" altLang="zh-CN" dirty="0" smtClean="0"/>
-          </a:p>
-          <a:p>
-            <a:r>
-              <a:rPr lang="zh-CN" altLang="en-US" dirty="0" smtClean="0"/>
-              <a:t>嵌入独立的</a:t>
-            </a:r>
-            <a:r>
-              <a:rPr lang="en-US" altLang="zh-CN" dirty="0" smtClean="0"/>
-              <a:t>Tomcat</a:t>
-            </a:r>
-            <a:r>
-              <a:rPr lang="zh-CN" altLang="en-US" dirty="0" smtClean="0"/>
-              <a:t>、</a:t>
-            </a:r>
-            <a:r>
-              <a:rPr lang="en-US" altLang="zh-CN" dirty="0" smtClean="0"/>
-              <a:t>Jetty</a:t>
-            </a:r>
-            <a:r>
-              <a:rPr lang="zh-CN" altLang="en-US" dirty="0" smtClean="0"/>
-              <a:t>或者</a:t>
-            </a:r>
-            <a:r>
-              <a:rPr lang="en-US" altLang="zh-CN" dirty="0" smtClean="0"/>
-              <a:t>Undertow</a:t>
-            </a:r>
-            <a:r>
-              <a:rPr lang="zh-CN" altLang="en-US" dirty="0" smtClean="0"/>
-              <a:t>（不需要部署</a:t>
-            </a:r>
-            <a:r>
-              <a:rPr lang="en-US" altLang="zh-CN" dirty="0" smtClean="0"/>
-              <a:t>WAR</a:t>
-            </a:r>
-            <a:r>
-              <a:rPr lang="zh-CN" altLang="en-US" dirty="0" smtClean="0"/>
-              <a:t>文件）</a:t>
-            </a:r>
-            <a:endParaRPr lang="en-US" altLang="zh-CN" dirty="0" smtClean="0"/>
-          </a:p>
-          <a:p>
-            <a:r>
-              <a:rPr lang="zh-CN" altLang="en-US" dirty="0" smtClean="0"/>
-              <a:t>提供可选的</a:t>
-            </a:r>
-            <a:r>
-              <a:rPr lang="en-US" altLang="zh-CN" dirty="0" smtClean="0"/>
-              <a:t>starter</a:t>
-            </a:r>
-            <a:r>
-              <a:rPr lang="zh-CN" altLang="en-US" dirty="0" smtClean="0"/>
-              <a:t>依赖以简化构建的配置</a:t>
-            </a:r>
-            <a:endParaRPr lang="en-US" altLang="zh-CN" dirty="0" smtClean="0"/>
-          </a:p>
-          <a:p>
-            <a:r>
-              <a:rPr lang="zh-CN" altLang="en-US" dirty="0" smtClean="0"/>
-              <a:t>自动配置</a:t>
-            </a:r>
-            <a:r>
-              <a:rPr lang="en-US" altLang="zh-CN" dirty="0" smtClean="0"/>
-              <a:t>Spring</a:t>
-            </a:r>
-            <a:r>
-              <a:rPr lang="zh-CN" altLang="en-US" dirty="0" smtClean="0"/>
-              <a:t>和第三方库</a:t>
-            </a:r>
-            <a:endParaRPr lang="en-US" altLang="zh-CN" dirty="0" smtClean="0"/>
-          </a:p>
-          <a:p>
-            <a:r>
-              <a:rPr lang="zh-CN" altLang="en-US" dirty="0" smtClean="0"/>
-              <a:t>准</a:t>
-            </a:r>
-            <a:r>
-              <a:rPr lang="zh-CN" altLang="en-US" dirty="0" smtClean="0"/>
-              <a:t>生产</a:t>
-            </a:r>
-            <a:r>
-              <a:rPr lang="zh-CN" altLang="en-US" dirty="0" smtClean="0"/>
-              <a:t>环境相关功能，例如指标，健康检查和外部配置</a:t>
-            </a:r>
-            <a:endParaRPr lang="en-US" altLang="zh-CN" dirty="0" smtClean="0"/>
-          </a:p>
-          <a:p>
-            <a:r>
-              <a:rPr lang="zh-CN" altLang="en-US" dirty="0" smtClean="0"/>
-              <a:t>没有代码生成，不需要</a:t>
-            </a:r>
-            <a:r>
-              <a:rPr lang="en-US" altLang="zh-CN" dirty="0" smtClean="0"/>
-              <a:t>XML</a:t>
-            </a:r>
-            <a:r>
-              <a:rPr lang="zh-CN" altLang="en-US" dirty="0" smtClean="0"/>
-              <a:t>配置</a:t>
-            </a:r>
-            <a:endParaRPr lang="en-US" altLang="zh-CN" dirty="0" smtClean="0"/>
-          </a:p>
-          <a:p>
-            <a:endParaRPr lang="en-US" dirty="0"/>
-          </a:p>
-        </p:txBody>
-      </p:sp>
-    </p:spTree>
-    <p:extLst>
-      <p:ext uri="{BB962C8B-B14F-4D97-AF65-F5344CB8AC3E}">
-        <p14:creationId xmlns:p14="http://schemas.microsoft.com/office/powerpoint/2010/main" val="972403033"/>
-      </p:ext>
-    </p:extLst>
-  </p:cSld>
-  <p:clrMapOvr>
-    <a:masterClrMapping/>
-  </p:clrMapOvr>
-  <p:timing>
-    <p:tnLst>
-      <p:par>
-        <p:cTn id="1" dur="indefinite" restart="never" nodeType="tmRoot"/>
-      </p:par>
-    </p:tnLst>
-  </p:timing>
 </p:sld>
 </file>
 
@@ -4614,11 +5477,27 @@
             </a:br>
             <a:r>
               <a:rPr lang="en-US" dirty="0"/>
-              <a:t>  &lt;version&gt;</a:t>
+              <a:t>  &lt;</a:t>
             </a:r>
             <a:r>
               <a:rPr lang="en-US" dirty="0" smtClean="0"/>
-              <a:t>2.0.0.RELEASE</a:t>
+              <a:t>version&gt;2.</a:t>
+            </a:r>
+            <a:r>
+              <a:rPr lang="en-US" altLang="zh-CN" dirty="0" smtClean="0"/>
+              <a:t>1</a:t>
+            </a:r>
+            <a:r>
+              <a:rPr lang="en-US" dirty="0" smtClean="0"/>
+              <a:t>.</a:t>
+            </a:r>
+            <a:r>
+              <a:rPr lang="en-US" altLang="zh-CN" dirty="0" smtClean="0"/>
+              <a:t>5</a:t>
+            </a:r>
+            <a:r>
+              <a:rPr lang="en-US" dirty="0" smtClean="0"/>
+              <a:t>.RELEASE</a:t>
             </a:r>
             <a:r>
               <a:rPr lang="en-US" dirty="0"/>
@@ -4914,12 +5793,12 @@
           <a:lstStyle/>
           <a:p>
             <a:r>
-              <a:rPr lang="zh-CN" altLang="en-US" dirty="0" smtClean="0"/>
-              <a:t>自定义</a:t>
-            </a:r>
-            <a:r>
-              <a:rPr lang="en-US" altLang="zh-CN" dirty="0" smtClean="0"/>
-              <a:t>banner</a:t>
+              <a:rPr lang="en-US" altLang="zh-CN" dirty="0" err="1" smtClean="0"/>
+              <a:t>Git</a:t>
+            </a:r>
+            <a:r>
+              <a:rPr lang="zh-CN" altLang="en-US" dirty="0" smtClean="0"/>
+              <a:t>练习</a:t>
             </a:r>
             <a:endParaRPr lang="en-US" dirty="0"/>
           </a:p>
@@ -4942,45 +5821,162 @@
           <a:p>
             <a:r>
               <a:rPr lang="zh-CN" altLang="en-US" dirty="0" smtClean="0"/>
+              <a:t>创建自己的</a:t>
+            </a:r>
+            <a:r>
+              <a:rPr lang="en-US" altLang="zh-CN" dirty="0" err="1" smtClean="0"/>
+              <a:t>github</a:t>
+            </a:r>
+            <a:r>
+              <a:rPr lang="zh-CN" altLang="en-US" dirty="0" smtClean="0"/>
+              <a:t>账户</a:t>
+            </a:r>
+            <a:endParaRPr lang="en-US" altLang="zh-CN" dirty="0" smtClean="0"/>
+          </a:p>
+          <a:p>
+            <a:r>
+              <a:rPr lang="zh-CN" altLang="en-US" dirty="0" smtClean="0"/>
+              <a:t>创建一个</a:t>
+            </a:r>
+            <a:r>
+              <a:rPr lang="en-US" altLang="zh-CN" dirty="0" smtClean="0"/>
+              <a:t>repository</a:t>
+            </a:r>
+            <a:r>
+              <a:rPr lang="zh-CN" altLang="en-US" dirty="0" smtClean="0"/>
+              <a:t>，名称为</a:t>
+            </a:r>
+            <a:r>
+              <a:rPr lang="en-US" altLang="zh-CN" dirty="0" err="1" smtClean="0"/>
+              <a:t>springboot</a:t>
+            </a:r>
+            <a:r>
+              <a:rPr lang="en-US" altLang="zh-CN" dirty="0" smtClean="0"/>
+              <a:t>-study</a:t>
+            </a:r>
+          </a:p>
+          <a:p>
+            <a:r>
+              <a:rPr lang="zh-CN" altLang="en-US" dirty="0" smtClean="0"/>
+              <a:t>将自己的</a:t>
+            </a:r>
+            <a:r>
+              <a:rPr lang="en-US" altLang="zh-CN" dirty="0" err="1" smtClean="0"/>
+              <a:t>springboot</a:t>
+            </a:r>
+            <a:r>
+              <a:rPr lang="en-US" altLang="zh-CN" dirty="0" smtClean="0"/>
+              <a:t>-demo</a:t>
+            </a:r>
+            <a:r>
+              <a:rPr lang="zh-CN" altLang="en-US" dirty="0" smtClean="0"/>
+              <a:t>代码，上传至</a:t>
+            </a:r>
+            <a:r>
+              <a:rPr lang="en-US" altLang="zh-CN" dirty="0" err="1" smtClean="0"/>
+              <a:t>github</a:t>
+            </a:r>
+            <a:endParaRPr lang="en-US" altLang="zh-CN" dirty="0" smtClean="0"/>
+          </a:p>
+          <a:p>
+            <a:endParaRPr lang="en-US" dirty="0"/>
+          </a:p>
+          <a:p>
+            <a:r>
+              <a:rPr lang="zh-CN" altLang="en-US" dirty="0" smtClean="0"/>
+              <a:t>选做：</a:t>
+            </a:r>
+            <a:endParaRPr lang="en-US" altLang="zh-CN" dirty="0" smtClean="0"/>
+          </a:p>
+          <a:p>
+            <a:pPr lvl="1"/>
+            <a:r>
+              <a:rPr lang="en-US" altLang="zh-CN" dirty="0" smtClean="0"/>
+              <a:t>fork:</a:t>
+            </a:r>
+            <a:r>
+              <a:rPr lang="zh-CN" altLang="en-US" dirty="0" smtClean="0"/>
               <a:t> </a:t>
             </a:r>
             <a:r>
-              <a:rPr lang="en-US" altLang="zh-CN" dirty="0" err="1" smtClean="0"/>
-              <a:t>src</a:t>
-            </a:r>
-            <a:r>
-              <a:rPr lang="en-US" altLang="zh-CN" dirty="0" smtClean="0"/>
-              <a:t>/main/</a:t>
-            </a:r>
-            <a:r>
-              <a:rPr lang="en-US" altLang="zh-CN" dirty="0" err="1" smtClean="0"/>
-              <a:t>resourceResources</a:t>
-            </a:r>
-            <a:r>
-              <a:rPr lang="zh-CN" altLang="en-US" dirty="0" smtClean="0"/>
-              <a:t>目录下 新增</a:t>
-            </a:r>
-            <a:r>
-              <a:rPr lang="en-US" altLang="zh-CN" dirty="0" err="1" smtClean="0"/>
-              <a:t>banner.txt</a:t>
-            </a:r>
-            <a:endParaRPr lang="en-US" altLang="zh-CN" dirty="0" smtClean="0"/>
-          </a:p>
-          <a:p>
+              <a:rPr lang="en-US" dirty="0">
+                <a:hlinkClick r:id="rId2"/>
+              </a:rPr>
+              <a:t>https://</a:t>
+            </a:r>
             <a:r>
               <a:rPr lang="en-US" dirty="0" smtClean="0">
                 <a:hlinkClick r:id="rId2"/>
               </a:rPr>
-              <a:t>http://patorjk.com/software/taag/#p=display&amp;f=Electronic</a:t>
-            </a:r>
-            <a:endParaRPr lang="en-US" dirty="0"/>
+              <a:t>github.com/liushuang/springboot-study</a:t>
+            </a:r>
+            <a:endParaRPr lang="en-US" dirty="0" smtClean="0"/>
+          </a:p>
+          <a:p>
+            <a:pPr lvl="1"/>
+            <a:r>
+              <a:rPr lang="zh-CN" altLang="en-US" dirty="0" smtClean="0"/>
+              <a:t>修改</a:t>
+            </a:r>
+            <a:r>
+              <a:rPr lang="en-US" altLang="zh-CN" dirty="0" err="1" smtClean="0"/>
+              <a:t>README.md</a:t>
+            </a:r>
+            <a:r>
+              <a:rPr lang="zh-CN" altLang="en-US" dirty="0" smtClean="0"/>
+              <a:t>，增加自己的</a:t>
+            </a:r>
+            <a:r>
+              <a:rPr lang="en-US" altLang="zh-CN" dirty="0" err="1" smtClean="0"/>
+              <a:t>github</a:t>
+            </a:r>
+            <a:r>
+              <a:rPr lang="zh-CN" altLang="en-US" dirty="0" smtClean="0"/>
+              <a:t>地址</a:t>
+            </a:r>
+            <a:endParaRPr lang="en-US" altLang="zh-CN" dirty="0" smtClean="0"/>
+          </a:p>
+          <a:p>
+            <a:pPr lvl="1"/>
+            <a:r>
+              <a:rPr lang="zh-CN" altLang="en-US" dirty="0" smtClean="0"/>
+              <a:t>提交</a:t>
+            </a:r>
+            <a:r>
+              <a:rPr lang="en-US" altLang="zh-CN" dirty="0" smtClean="0"/>
+              <a:t>Pull</a:t>
+            </a:r>
+            <a:r>
+              <a:rPr lang="zh-CN" altLang="en-US" dirty="0" smtClean="0"/>
+              <a:t> </a:t>
+            </a:r>
+            <a:r>
+              <a:rPr lang="en-US" altLang="zh-CN" dirty="0" smtClean="0"/>
+              <a:t>Request</a:t>
+            </a:r>
+          </a:p>
+          <a:p>
+            <a:pPr lvl="1"/>
+            <a:r>
+              <a:rPr lang="en-US" altLang="zh-CN" dirty="0" smtClean="0"/>
+              <a:t>issues</a:t>
+            </a:r>
+            <a:r>
+              <a:rPr lang="zh-CN" altLang="en-US" dirty="0" smtClean="0"/>
+              <a:t>可以自由讨论</a:t>
+            </a:r>
+            <a:endParaRPr lang="en-US" altLang="zh-CN" dirty="0" smtClean="0"/>
+          </a:p>
+          <a:p>
+            <a:pPr lvl="1"/>
+            <a:endParaRPr lang="en-US" altLang="zh-CN" dirty="0" smtClean="0"/>
           </a:p>
         </p:txBody>
       </p:sp>
     </p:spTree>
     <p:extLst>
       <p:ext uri="{BB962C8B-B14F-4D97-AF65-F5344CB8AC3E}">
-        <p14:creationId xmlns:p14="http://schemas.microsoft.com/office/powerpoint/2010/main" val="262044184"/>
+        <p14:creationId xmlns:p14="http://schemas.microsoft.com/office/powerpoint/2010/main" val="1126845785"/>
       </p:ext>
     </p:extLst>
   </p:cSld>
@@ -5024,7 +6020,11 @@
           <a:p>
             <a:r>
               <a:rPr lang="zh-CN" altLang="en-US" dirty="0" smtClean="0"/>
-              <a:t>配置文件</a:t>
+              <a:t>自定义</a:t>
+            </a:r>
+            <a:r>
+              <a:rPr lang="en-US" altLang="zh-CN" dirty="0" smtClean="0"/>
+              <a:t>banner</a:t>
             </a:r>
             <a:endParaRPr lang="en-US" dirty="0"/>
           </a:p>
@@ -5047,70 +6047,37 @@
           <a:p>
             <a:r>
               <a:rPr lang="zh-CN" altLang="en-US" dirty="0" smtClean="0"/>
-              <a:t>默认使用</a:t>
+              <a:t> </a:t>
             </a:r>
             <a:r>
               <a:rPr lang="en-US" altLang="zh-CN" dirty="0" err="1" smtClean="0"/>
-              <a:t>application.properties</a:t>
-            </a:r>
-            <a:r>
-              <a:rPr lang="zh-CN" altLang="en-US" dirty="0" smtClean="0"/>
-              <a:t>或者</a:t>
+              <a:t>src</a:t>
+            </a:r>
+            <a:r>
+              <a:rPr lang="en-US" altLang="zh-CN" dirty="0" smtClean="0"/>
+              <a:t>/main/resource</a:t>
+            </a:r>
+            <a:r>
+              <a:rPr lang="zh-CN" altLang="en-US" dirty="0" smtClean="0"/>
+              <a:t> 目录</a:t>
+            </a:r>
+            <a:r>
+              <a:rPr lang="zh-CN" altLang="en-US" dirty="0" smtClean="0"/>
+              <a:t>下 新增</a:t>
             </a:r>
             <a:r>
               <a:rPr lang="en-US" altLang="zh-CN" dirty="0" err="1" smtClean="0"/>
-              <a:t>application.yml</a:t>
+              <a:t>banner.txt</a:t>
             </a:r>
             <a:endParaRPr lang="en-US" altLang="zh-CN" dirty="0" smtClean="0"/>
           </a:p>
           <a:p>
             <a:r>
-              <a:rPr lang="zh-CN" altLang="en-US" dirty="0" smtClean="0"/>
-              <a:t>修改端口： </a:t>
-            </a:r>
-            <a:r>
-              <a:rPr lang="en-US" altLang="zh-CN" dirty="0" err="1" smtClean="0"/>
-              <a:t>server.port</a:t>
-            </a:r>
-            <a:r>
-              <a:rPr lang="en-US" altLang="zh-CN" dirty="0" smtClean="0"/>
-              <a:t>=9527</a:t>
-            </a:r>
-          </a:p>
-          <a:p>
-            <a:r>
-              <a:rPr lang="zh-CN" altLang="en-US" dirty="0" smtClean="0"/>
-              <a:t>自定义配置</a:t>
-            </a:r>
-            <a:endParaRPr lang="en-US" altLang="zh-CN" dirty="0" smtClean="0"/>
-          </a:p>
-          <a:p>
-            <a:pPr lvl="1"/>
-            <a:r>
-              <a:rPr lang="en-US" altLang="zh-CN" dirty="0" err="1" smtClean="0"/>
-              <a:t>newit.title</a:t>
-            </a:r>
-            <a:endParaRPr lang="en-US" altLang="zh-CN" dirty="0" smtClean="0"/>
-          </a:p>
-          <a:p>
-            <a:pPr lvl="1"/>
-            <a:r>
-              <a:rPr lang="en-US" altLang="zh-CN" dirty="0" smtClean="0"/>
-              <a:t>@Value(“</a:t>
-            </a:r>
-            <a:r>
-              <a:rPr lang="en-US" altLang="zh-CN" dirty="0" err="1" smtClean="0"/>
-              <a:t>newit.title</a:t>
-            </a:r>
-            <a:r>
-              <a:rPr lang="en-US" altLang="zh-CN" dirty="0" smtClean="0"/>
-              <a:t>”)</a:t>
-            </a:r>
-          </a:p>
-          <a:p>
-            <a:endParaRPr lang="en-US" altLang="zh-CN" dirty="0" smtClean="0"/>
-          </a:p>
-          <a:p>
+              <a:rPr lang="en-US" dirty="0" smtClean="0">
+                <a:hlinkClick r:id="rId2"/>
+              </a:rPr>
+              <a:t>http://patorjk.com/software/taag/#p=display&amp;f=Electronic</a:t>
+            </a:r>
             <a:endParaRPr lang="en-US" dirty="0"/>
           </a:p>
         </p:txBody>
@@ -5118,7 +6085,7 @@
     </p:spTree>
     <p:extLst>
       <p:ext uri="{BB962C8B-B14F-4D97-AF65-F5344CB8AC3E}">
-        <p14:creationId xmlns:p14="http://schemas.microsoft.com/office/powerpoint/2010/main" val="456148120"/>
+        <p14:creationId xmlns:p14="http://schemas.microsoft.com/office/powerpoint/2010/main" val="262044184"/>
       </p:ext>
     </p:extLst>
   </p:cSld>
@@ -5161,12 +6128,8 @@
           <a:lstStyle/>
           <a:p>
             <a:r>
-              <a:rPr lang="en-US" altLang="zh-CN" dirty="0" smtClean="0"/>
-              <a:t>Profile</a:t>
-            </a:r>
-            <a:r>
-              <a:rPr lang="zh-CN" altLang="en-US" dirty="0" smtClean="0"/>
-              <a:t>配置</a:t>
+              <a:rPr lang="zh-CN" altLang="en-US" dirty="0" smtClean="0"/>
+              <a:t>配置文件</a:t>
             </a:r>
             <a:endParaRPr lang="en-US" dirty="0"/>
           </a:p>
@@ -5188,37 +6151,8 @@
           <a:lstStyle/>
           <a:p>
             <a:r>
-              <a:rPr lang="en-US" altLang="zh-CN" dirty="0" smtClean="0"/>
-              <a:t>Profile</a:t>
-            </a:r>
-            <a:r>
-              <a:rPr lang="zh-CN" altLang="en-US" dirty="0" smtClean="0"/>
-              <a:t>是</a:t>
-            </a:r>
-            <a:r>
-              <a:rPr lang="en-US" altLang="zh-CN" dirty="0" smtClean="0"/>
-              <a:t>Spring</a:t>
-            </a:r>
-            <a:r>
-              <a:rPr lang="zh-CN" altLang="en-US" dirty="0" smtClean="0"/>
-              <a:t>针对不同的环境对不同的配置提供支持的</a:t>
-            </a:r>
-            <a:endParaRPr lang="en-US" altLang="zh-CN" dirty="0" smtClean="0"/>
-          </a:p>
-          <a:p>
-            <a:r>
-              <a:rPr lang="zh-CN" altLang="en-US" dirty="0" smtClean="0"/>
-              <a:t>使用</a:t>
-            </a:r>
-            <a:r>
-              <a:rPr lang="en-US" altLang="zh-CN" dirty="0" smtClean="0"/>
-              <a:t>application-{profile}.properties</a:t>
-            </a:r>
-          </a:p>
-          <a:p>
-            <a:r>
-              <a:rPr lang="zh-CN" altLang="en-US" dirty="0" smtClean="0"/>
-              <a:t>可以在</a:t>
+              <a:rPr lang="zh-CN" altLang="en-US" dirty="0" smtClean="0"/>
+              <a:t>默认使用</a:t>
             </a:r>
             <a:r>
               <a:rPr lang="en-US" altLang="zh-CN" dirty="0" err="1" smtClean="0"/>
@@ -5226,60 +6160,70 @@
             </a:r>
             <a:r>
               <a:rPr lang="zh-CN" altLang="en-US" dirty="0" smtClean="0"/>
-              <a:t>中进行制定</a:t>
+              <a:t>或者</a:t>
             </a:r>
             <a:r>
               <a:rPr lang="en-US" altLang="zh-CN" dirty="0" err="1" smtClean="0"/>
-              <a:t>spring.profiles.active</a:t>
-            </a:r>
-            <a:r>
-              <a:rPr lang="en-US" altLang="zh-CN" dirty="0" smtClean="0"/>
-              <a:t>=</a:t>
-            </a:r>
-            <a:r>
-              <a:rPr lang="zh-CN" altLang="en-US" dirty="0" smtClean="0"/>
-              <a:t> </a:t>
-            </a:r>
-            <a:r>
-              <a:rPr lang="en-US" altLang="zh-CN" dirty="0" smtClean="0"/>
-              <a:t>prod</a:t>
-            </a:r>
-          </a:p>
-          <a:p>
-            <a:r>
-              <a:rPr lang="zh-CN" altLang="en-US" dirty="0" smtClean="0"/>
-              <a:t>也可以在启动参数中增加</a:t>
-            </a:r>
-            <a:r>
-              <a:rPr lang="en-US" altLang="zh-CN" dirty="0" smtClean="0"/>
-              <a:t>-</a:t>
+              <a:t>application.yml</a:t>
+            </a:r>
+            <a:endParaRPr lang="en-US" altLang="zh-CN" dirty="0" smtClean="0"/>
+          </a:p>
+          <a:p>
+            <a:r>
+              <a:rPr lang="zh-CN" altLang="en-US" dirty="0" smtClean="0"/>
+              <a:t>修改端口： </a:t>
             </a:r>
             <a:r>
               <a:rPr lang="en-US" altLang="zh-CN" dirty="0" err="1" smtClean="0"/>
-              <a:t>D</a:t>
-            </a:r>
-            <a:r>
-              <a:rPr lang="en-US" dirty="0" err="1" smtClean="0"/>
-              <a:t>spring.profiles.active</a:t>
-            </a:r>
-            <a:r>
-              <a:rPr lang="en-US" dirty="0" smtClean="0"/>
-              <a:t>=dev</a:t>
-            </a:r>
-          </a:p>
-          <a:p>
-            <a:r>
-              <a:rPr lang="zh-CN" altLang="en-US" dirty="0" smtClean="0"/>
-              <a:t>启动参数有更高的优先级</a:t>
+              <a:t>server.port</a:t>
+            </a:r>
+            <a:r>
+              <a:rPr lang="en-US" altLang="zh-CN" dirty="0" smtClean="0"/>
+              <a:t>=9527</a:t>
+            </a:r>
+          </a:p>
+          <a:p>
+            <a:r>
+              <a:rPr lang="zh-CN" altLang="en-US" dirty="0" smtClean="0"/>
+              <a:t>自定义配置</a:t>
             </a:r>
             <a:endParaRPr lang="en-US" altLang="zh-CN" dirty="0" smtClean="0"/>
+          </a:p>
+          <a:p>
+            <a:pPr lvl="1"/>
+            <a:r>
+              <a:rPr lang="en-US" altLang="zh-CN" dirty="0" err="1" smtClean="0"/>
+              <a:t>newit.title</a:t>
+            </a:r>
+            <a:endParaRPr lang="en-US" altLang="zh-CN" dirty="0" smtClean="0"/>
+          </a:p>
+          <a:p>
+            <a:pPr lvl="1"/>
+            <a:r>
+              <a:rPr lang="en-US" altLang="zh-CN" dirty="0" smtClean="0"/>
+              <a:t>@Value(“</a:t>
+            </a:r>
+            <a:r>
+              <a:rPr lang="en-US" altLang="zh-CN" dirty="0" err="1" smtClean="0"/>
+              <a:t>newit.title</a:t>
+            </a:r>
+            <a:r>
+              <a:rPr lang="en-US" altLang="zh-CN" dirty="0" smtClean="0"/>
+              <a:t>”)</a:t>
+            </a:r>
+          </a:p>
+          <a:p>
+            <a:endParaRPr lang="en-US" altLang="zh-CN" dirty="0" smtClean="0"/>
+          </a:p>
+          <a:p>
+            <a:endParaRPr lang="en-US" dirty="0"/>
           </a:p>
         </p:txBody>
       </p:sp>
     </p:spTree>
     <p:extLst>
       <p:ext uri="{BB962C8B-B14F-4D97-AF65-F5344CB8AC3E}">
-        <p14:creationId xmlns:p14="http://schemas.microsoft.com/office/powerpoint/2010/main" val="1657948488"/>
+        <p14:creationId xmlns:p14="http://schemas.microsoft.com/office/powerpoint/2010/main" val="456148120"/>
       </p:ext>
     </p:extLst>
   </p:cSld>
@@ -5323,7 +6267,7 @@
           <a:p>
             <a:r>
               <a:rPr lang="zh-CN" altLang="en-US" dirty="0" smtClean="0"/>
-              <a:t>日志配置</a:t>
+              <a:t>类型安全的配置</a:t>
             </a:r>
             <a:endParaRPr lang="en-US" dirty="0"/>
           </a:p>
@@ -5345,89 +6289,149 @@
           <a:lstStyle/>
           <a:p>
             <a:r>
-              <a:rPr lang="en-US" altLang="zh-CN" dirty="0" err="1" smtClean="0"/>
-              <a:t>SpringBoot</a:t>
-            </a:r>
-            <a:r>
-              <a:rPr lang="zh-CN" altLang="en-US" dirty="0" smtClean="0"/>
-              <a:t>支持</a:t>
-            </a:r>
-            <a:r>
-              <a:rPr lang="en-US" altLang="zh-CN" dirty="0" smtClean="0"/>
-              <a:t>JUL</a:t>
-            </a:r>
-            <a:r>
-              <a:rPr lang="zh-CN" altLang="en-US" dirty="0" smtClean="0"/>
-              <a:t>，</a:t>
-            </a:r>
-            <a:r>
-              <a:rPr lang="en-US" altLang="zh-CN" dirty="0" smtClean="0"/>
-              <a:t>Log4J,</a:t>
-            </a:r>
-            <a:r>
-              <a:rPr lang="zh-CN" altLang="en-US" dirty="0" smtClean="0"/>
-              <a:t> </a:t>
-            </a:r>
-            <a:r>
-              <a:rPr lang="en-US" altLang="zh-CN" dirty="0" smtClean="0"/>
-              <a:t>Log4j2,</a:t>
-            </a:r>
-            <a:r>
-              <a:rPr lang="zh-CN" altLang="en-US" dirty="0" smtClean="0"/>
-              <a:t> </a:t>
-            </a:r>
-            <a:r>
-              <a:rPr lang="en-US" altLang="zh-CN" dirty="0" err="1" smtClean="0"/>
-              <a:t>logback</a:t>
-            </a:r>
-            <a:r>
-              <a:rPr lang="zh-CN" altLang="en-US" dirty="0" smtClean="0"/>
-              <a:t>作为日志框架</a:t>
-            </a:r>
-            <a:endParaRPr lang="en-US" altLang="zh-CN" dirty="0" smtClean="0"/>
-          </a:p>
-          <a:p>
-            <a:r>
-              <a:rPr lang="zh-CN" altLang="en-US" dirty="0" smtClean="0"/>
-              <a:t>默认使用</a:t>
-            </a:r>
-            <a:r>
-              <a:rPr lang="en-US" altLang="zh-CN" dirty="0" err="1" smtClean="0"/>
-              <a:t>logback</a:t>
-            </a:r>
-            <a:endParaRPr lang="en-US" altLang="zh-CN" dirty="0" smtClean="0"/>
-          </a:p>
-          <a:p>
-            <a:r>
-              <a:rPr lang="en-US" altLang="zh-CN" dirty="0" err="1" smtClean="0"/>
-              <a:t>logging.file</a:t>
-            </a:r>
-            <a:r>
-              <a:rPr lang="en-US" altLang="zh-CN" dirty="0" smtClean="0"/>
-              <a:t>=/Users/admin/logs/</a:t>
-            </a:r>
-            <a:r>
-              <a:rPr lang="en-US" altLang="zh-CN" dirty="0" err="1" smtClean="0"/>
-              <a:t>springboot-demo.log</a:t>
-            </a:r>
-            <a:endParaRPr lang="en-US" altLang="zh-CN" dirty="0" smtClean="0"/>
-          </a:p>
-          <a:p>
+              <a:rPr lang="en-US" dirty="0"/>
+              <a:t>&lt;dependency&gt;</a:t>
+            </a:r>
+            <a:br>
+              <a:rPr lang="en-US" dirty="0"/>
+            </a:br>
+            <a:r>
+              <a:rPr lang="en-US" dirty="0"/>
+              <a:t>  &lt;</a:t>
+            </a:r>
             <a:r>
               <a:rPr lang="en-US" dirty="0" err="1"/>
-              <a:t>logging.level.org.springframework.web</a:t>
-            </a:r>
-            <a:r>
-              <a:rPr lang="en-US" dirty="0"/>
-              <a:t>=INFO</a:t>
-            </a:r>
-          </a:p>
-        </p:txBody>
-      </p:sp>
+              <a:t>groupId</a:t>
+            </a:r>
+            <a:r>
+              <a:rPr lang="en-US" dirty="0"/>
+              <a:t>&gt;</a:t>
+            </a:r>
+            <a:r>
+              <a:rPr lang="en-US" dirty="0" err="1"/>
+              <a:t>org.springframework.boot</a:t>
+            </a:r>
+            <a:r>
+              <a:rPr lang="en-US" dirty="0"/>
+              <a:t>&lt;/</a:t>
+            </a:r>
+            <a:r>
+              <a:rPr lang="en-US" dirty="0" err="1"/>
+              <a:t>groupId</a:t>
+            </a:r>
+            <a:r>
+              <a:rPr lang="en-US" dirty="0"/>
+              <a:t>&gt;</a:t>
+            </a:r>
+            <a:br>
+              <a:rPr lang="en-US" dirty="0"/>
+            </a:br>
+            <a:r>
+              <a:rPr lang="en-US" dirty="0"/>
+              <a:t>  &lt;</a:t>
+            </a:r>
+            <a:r>
+              <a:rPr lang="en-US" dirty="0" err="1"/>
+              <a:t>artifactId</a:t>
+            </a:r>
+            <a:r>
+              <a:rPr lang="en-US" dirty="0"/>
+              <a:t>&gt;</a:t>
+            </a:r>
+            <a:r>
+              <a:rPr lang="en-US" dirty="0"/>
+              <a:t>spring-boot-configuration-processor</a:t>
+            </a:r>
+            <a:r>
+              <a:rPr lang="en-US" dirty="0"/>
+              <a:t>&lt;/</a:t>
+            </a:r>
+            <a:r>
+              <a:rPr lang="en-US" dirty="0" err="1"/>
+              <a:t>artifactId</a:t>
+            </a:r>
+            <a:r>
+              <a:rPr lang="en-US" dirty="0"/>
+              <a:t>&gt;</a:t>
+            </a:r>
+            <a:br>
+              <a:rPr lang="en-US" dirty="0"/>
+            </a:br>
+            <a:r>
+              <a:rPr lang="en-US" dirty="0"/>
+              <a:t>  &lt;optional&gt;</a:t>
+            </a:r>
+            <a:r>
+              <a:rPr lang="en-US" dirty="0"/>
+              <a:t>true</a:t>
+            </a:r>
+            <a:r>
+              <a:rPr lang="en-US" dirty="0"/>
+              <a:t>&lt;/optional&gt;</a:t>
+            </a:r>
+            <a:br>
+              <a:rPr lang="en-US" dirty="0"/>
+            </a:br>
+            <a:r>
+              <a:rPr lang="en-US" dirty="0"/>
+              <a:t>&lt;/dependency&gt;</a:t>
+            </a:r>
+            <a:endParaRPr lang="en-US" dirty="0"/>
+          </a:p>
+        </p:txBody>
+      </p:sp>
+      <p:pic>
+        <p:nvPicPr>
+          <p:cNvPr id="4" name="Picture 3"/>
+          <p:cNvPicPr>
+            <a:picLocks noChangeAspect="1"/>
+          </p:cNvPicPr>
+          <p:nvPr/>
+        </p:nvPicPr>
+        <p:blipFill>
+          <a:blip r:embed="rId2"/>
+          <a:stretch>
+            <a:fillRect/>
+          </a:stretch>
+        </p:blipFill>
+        <p:spPr>
+          <a:xfrm>
+            <a:off x="209550" y="4127023"/>
+            <a:ext cx="7602399" cy="1747997"/>
+          </a:xfrm>
+          <a:prstGeom prst="rect">
+            <a:avLst/>
+          </a:prstGeom>
+        </p:spPr>
+      </p:pic>
+      <p:pic>
+        <p:nvPicPr>
+          <p:cNvPr id="6" name="Picture 5"/>
+          <p:cNvPicPr>
+            <a:picLocks noChangeAspect="1"/>
+          </p:cNvPicPr>
+          <p:nvPr/>
+        </p:nvPicPr>
+        <p:blipFill>
+          <a:blip r:embed="rId3"/>
+          <a:stretch>
+            <a:fillRect/>
+          </a:stretch>
+        </p:blipFill>
+        <p:spPr>
+          <a:xfrm>
+            <a:off x="8210550" y="4872990"/>
+            <a:ext cx="3771900" cy="1752600"/>
+          </a:xfrm>
+          <a:prstGeom prst="rect">
+            <a:avLst/>
+          </a:prstGeom>
+        </p:spPr>
+      </p:pic>
     </p:spTree>
     <p:extLst>
       <p:ext uri="{BB962C8B-B14F-4D97-AF65-F5344CB8AC3E}">
-        <p14:creationId xmlns:p14="http://schemas.microsoft.com/office/powerpoint/2010/main" val="93290772"/>
+        <p14:creationId xmlns:p14="http://schemas.microsoft.com/office/powerpoint/2010/main" val="1126330362"/>
       </p:ext>
     </p:extLst>
   </p:cSld>
@@ -5470,145 +6474,125 @@
           <a:lstStyle/>
           <a:p>
             <a:r>
+              <a:rPr lang="en-US" altLang="zh-CN" dirty="0" smtClean="0"/>
+              <a:t>Profile</a:t>
+            </a:r>
+            <a:r>
+              <a:rPr lang="zh-CN" altLang="en-US" dirty="0" smtClean="0"/>
+              <a:t>配置</a:t>
+            </a:r>
+            <a:endParaRPr lang="en-US" dirty="0"/>
+          </a:p>
+        </p:txBody>
+      </p:sp>
+      <p:sp>
+        <p:nvSpPr>
+          <p:cNvPr id="3" name="Content Placeholder 2"/>
+          <p:cNvSpPr>
+            <a:spLocks noGrp="1"/>
+          </p:cNvSpPr>
+          <p:nvPr>
+            <p:ph idx="1"/>
+          </p:nvPr>
+        </p:nvSpPr>
+        <p:spPr/>
+        <p:txBody>
+          <a:bodyPr/>
+          <a:lstStyle/>
+          <a:p>
+            <a:r>
+              <a:rPr lang="en-US" altLang="zh-CN" dirty="0" smtClean="0"/>
+              <a:t>Profile</a:t>
+            </a:r>
+            <a:r>
+              <a:rPr lang="zh-CN" altLang="en-US" dirty="0" smtClean="0"/>
+              <a:t>是</a:t>
+            </a:r>
+            <a:r>
+              <a:rPr lang="en-US" altLang="zh-CN" dirty="0" smtClean="0"/>
+              <a:t>Spring</a:t>
+            </a:r>
+            <a:r>
+              <a:rPr lang="zh-CN" altLang="en-US" dirty="0" smtClean="0"/>
+              <a:t>针对不同的环境对不同的配置提供支持的</a:t>
+            </a:r>
+            <a:endParaRPr lang="en-US" altLang="zh-CN" dirty="0" smtClean="0"/>
+          </a:p>
+          <a:p>
+            <a:r>
+              <a:rPr lang="zh-CN" altLang="en-US" dirty="0" smtClean="0"/>
+              <a:t>使用</a:t>
+            </a:r>
+            <a:r>
+              <a:rPr lang="en-US" altLang="zh-CN" dirty="0" smtClean="0"/>
+              <a:t>application-{profile}.properties</a:t>
+            </a:r>
+          </a:p>
+          <a:p>
+            <a:r>
+              <a:rPr lang="zh-CN" altLang="en-US" dirty="0" smtClean="0"/>
+              <a:t>可以在</a:t>
+            </a:r>
+            <a:r>
               <a:rPr lang="en-US" altLang="zh-CN" dirty="0" err="1" smtClean="0"/>
-              <a:t>SpringBoot</a:t>
-            </a:r>
-            <a:r>
-              <a:rPr lang="zh-CN" altLang="en-US" dirty="0" smtClean="0"/>
-              <a:t>运行原理</a:t>
-            </a:r>
-            <a:endParaRPr lang="en-US" dirty="0"/>
-          </a:p>
-        </p:txBody>
-      </p:sp>
-      <p:sp>
-        <p:nvSpPr>
-          <p:cNvPr id="3" name="Content Placeholder 2"/>
-          <p:cNvSpPr>
-            <a:spLocks noGrp="1"/>
-          </p:cNvSpPr>
-          <p:nvPr>
-            <p:ph idx="1"/>
-          </p:nvPr>
-        </p:nvSpPr>
-        <p:spPr/>
-        <p:txBody>
-          <a:bodyPr/>
-          <a:lstStyle/>
-          <a:p>
+              <a:t>application.properties</a:t>
+            </a:r>
+            <a:r>
+              <a:rPr lang="zh-CN" altLang="en-US" dirty="0" smtClean="0"/>
+              <a:t>中进行制定</a:t>
+            </a:r>
             <a:r>
               <a:rPr lang="en-US" altLang="zh-CN" dirty="0" err="1" smtClean="0"/>
-              <a:t>SpringBoot</a:t>
-            </a:r>
-            <a:r>
-              <a:rPr lang="zh-CN" altLang="en-US" dirty="0" smtClean="0"/>
-              <a:t>关于自动配置的源码在</a:t>
-            </a:r>
-            <a:r>
-              <a:rPr lang="en-US" altLang="zh-CN" dirty="0" smtClean="0"/>
-              <a:t>spring-boot-autoconfigure-2.0.0.RELEASE.jar</a:t>
-            </a:r>
-            <a:r>
-              <a:rPr lang="zh-CN" altLang="en-US" dirty="0" smtClean="0"/>
-              <a:t>中</a:t>
+              <a:t>spring.profiles.active</a:t>
+            </a:r>
+            <a:r>
+              <a:rPr lang="en-US" altLang="zh-CN" dirty="0" smtClean="0"/>
+              <a:t>=</a:t>
+            </a:r>
+            <a:r>
+              <a:rPr lang="zh-CN" altLang="en-US" dirty="0" smtClean="0"/>
+              <a:t> </a:t>
+            </a:r>
+            <a:r>
+              <a:rPr lang="en-US" altLang="zh-CN" dirty="0" smtClean="0"/>
+              <a:t>prod</a:t>
+            </a:r>
+          </a:p>
+          <a:p>
+            <a:r>
+              <a:rPr lang="zh-CN" altLang="en-US" dirty="0" smtClean="0"/>
+              <a:t>也可以在启动参数中增加</a:t>
+            </a:r>
+            <a:r>
+              <a:rPr lang="en-US" altLang="zh-CN" dirty="0" smtClean="0"/>
+              <a:t>-</a:t>
+            </a:r>
+            <a:r>
+              <a:rPr lang="en-US" altLang="zh-CN" dirty="0" err="1" smtClean="0"/>
+              <a:t>D</a:t>
+            </a:r>
+            <a:r>
+              <a:rPr lang="en-US" dirty="0" err="1" smtClean="0"/>
+              <a:t>spring.profiles.active</a:t>
+            </a:r>
+            <a:r>
+              <a:rPr lang="en-US" dirty="0" smtClean="0"/>
+              <a:t>=dev</a:t>
+            </a:r>
+          </a:p>
+          <a:p>
+            <a:r>
+              <a:rPr lang="zh-CN" altLang="en-US" dirty="0" smtClean="0"/>
+              <a:t>启动参数有更高的优先级</a:t>
             </a:r>
             <a:endParaRPr lang="en-US" altLang="zh-CN" dirty="0" smtClean="0"/>
-          </a:p>
-          <a:p>
-            <a:r>
-              <a:rPr lang="zh-CN" altLang="en-US" dirty="0" smtClean="0"/>
-              <a:t>可以在启动参数增加</a:t>
-            </a:r>
-            <a:r>
-              <a:rPr lang="en-US" altLang="zh-CN" dirty="0" smtClean="0"/>
-              <a:t>—debug</a:t>
-            </a:r>
-            <a:r>
-              <a:rPr lang="zh-CN" altLang="en-US" dirty="0" smtClean="0"/>
-              <a:t>参数查看自动配置的报告</a:t>
-            </a:r>
-            <a:endParaRPr lang="en-US" altLang="zh-CN" dirty="0" smtClean="0"/>
-          </a:p>
-          <a:p>
-            <a:r>
-              <a:rPr lang="en-US" altLang="zh-CN" dirty="0" smtClean="0"/>
-              <a:t>@</a:t>
-            </a:r>
-            <a:r>
-              <a:rPr lang="en-US" altLang="zh-CN" dirty="0" err="1" smtClean="0"/>
-              <a:t>SpringBootApplication</a:t>
-            </a:r>
-            <a:r>
-              <a:rPr lang="zh-CN" altLang="en-US" dirty="0" smtClean="0"/>
-              <a:t> 包含了</a:t>
-            </a:r>
-            <a:r>
-              <a:rPr lang="en-US" altLang="zh-CN" dirty="0" smtClean="0"/>
-              <a:t>@</a:t>
-            </a:r>
-            <a:r>
-              <a:rPr lang="en-US" altLang="zh-CN" dirty="0" err="1" smtClean="0"/>
-              <a:t>EnableAutoConfiguration</a:t>
-            </a:r>
-            <a:endParaRPr lang="en-US" altLang="zh-CN" dirty="0" smtClean="0"/>
-          </a:p>
-          <a:p>
-            <a:r>
-              <a:rPr lang="en-US" altLang="zh-CN" dirty="0" smtClean="0"/>
-              <a:t>@</a:t>
-            </a:r>
-            <a:r>
-              <a:rPr lang="en-US" altLang="zh-CN" dirty="0" err="1" smtClean="0"/>
-              <a:t>EnableAutoConfiguration</a:t>
-            </a:r>
-            <a:r>
-              <a:rPr lang="zh-CN" altLang="en-US" dirty="0" smtClean="0"/>
-              <a:t> </a:t>
-            </a:r>
-            <a:r>
-              <a:rPr lang="en-US" altLang="zh-CN" dirty="0" smtClean="0"/>
-              <a:t>Import</a:t>
-            </a:r>
-            <a:r>
-              <a:rPr lang="zh-CN" altLang="en-US" dirty="0" smtClean="0"/>
-              <a:t>了</a:t>
-            </a:r>
-            <a:r>
-              <a:rPr lang="en-US" altLang="zh-CN" dirty="0" err="1" smtClean="0"/>
-              <a:t>EnableAutoConfigurationImportSelector</a:t>
-            </a:r>
-            <a:endParaRPr lang="en-US" altLang="zh-CN" dirty="0" smtClean="0"/>
-          </a:p>
-          <a:p>
-            <a:r>
-              <a:rPr lang="en-US" dirty="0" err="1" smtClean="0"/>
-              <a:t>AutoConfigurationImportSelector</a:t>
-            </a:r>
-            <a:endParaRPr lang="en-US" dirty="0" smtClean="0"/>
-          </a:p>
-          <a:p>
-            <a:r>
-              <a:rPr lang="en-US" dirty="0" err="1" smtClean="0"/>
-              <a:t>HttpEncodingAutoConfiguration</a:t>
-            </a:r>
-            <a:r>
-              <a:rPr lang="zh-CN" altLang="en-US" dirty="0" smtClean="0"/>
-              <a:t>配置了默认的编码</a:t>
-            </a:r>
-            <a:r>
-              <a:rPr lang="en-US" altLang="zh-CN" dirty="0" smtClean="0"/>
-              <a:t>filter</a:t>
-            </a:r>
-          </a:p>
-          <a:p>
-            <a:endParaRPr lang="en-US" dirty="0"/>
           </a:p>
         </p:txBody>
       </p:sp>
     </p:spTree>
     <p:extLst>
       <p:ext uri="{BB962C8B-B14F-4D97-AF65-F5344CB8AC3E}">
-        <p14:creationId xmlns:p14="http://schemas.microsoft.com/office/powerpoint/2010/main" val="1655562323"/>
+        <p14:creationId xmlns:p14="http://schemas.microsoft.com/office/powerpoint/2010/main" val="1657948488"/>
       </p:ext>
     </p:extLst>
   </p:cSld>

--- a/springboot/SpringBoot-2.pptx
+++ b/springboot/SpringBoot-2.pptx
@@ -9,25 +9,27 @@
     <p:sldId id="258" r:id="rId3"/>
     <p:sldId id="259" r:id="rId4"/>
     <p:sldId id="260" r:id="rId5"/>
-    <p:sldId id="280" r:id="rId6"/>
-    <p:sldId id="261" r:id="rId7"/>
-    <p:sldId id="262" r:id="rId8"/>
-    <p:sldId id="277" r:id="rId9"/>
-    <p:sldId id="263" r:id="rId10"/>
-    <p:sldId id="264" r:id="rId11"/>
-    <p:sldId id="278" r:id="rId12"/>
-    <p:sldId id="279" r:id="rId13"/>
-    <p:sldId id="265" r:id="rId14"/>
-    <p:sldId id="267" r:id="rId15"/>
-    <p:sldId id="268" r:id="rId16"/>
-    <p:sldId id="269" r:id="rId17"/>
-    <p:sldId id="272" r:id="rId18"/>
-    <p:sldId id="270" r:id="rId19"/>
-    <p:sldId id="271" r:id="rId20"/>
-    <p:sldId id="273" r:id="rId21"/>
-    <p:sldId id="274" r:id="rId22"/>
-    <p:sldId id="275" r:id="rId23"/>
-    <p:sldId id="276" r:id="rId24"/>
+    <p:sldId id="281" r:id="rId6"/>
+    <p:sldId id="280" r:id="rId7"/>
+    <p:sldId id="261" r:id="rId8"/>
+    <p:sldId id="262" r:id="rId9"/>
+    <p:sldId id="277" r:id="rId10"/>
+    <p:sldId id="263" r:id="rId11"/>
+    <p:sldId id="264" r:id="rId12"/>
+    <p:sldId id="278" r:id="rId13"/>
+    <p:sldId id="279" r:id="rId14"/>
+    <p:sldId id="265" r:id="rId15"/>
+    <p:sldId id="282" r:id="rId16"/>
+    <p:sldId id="267" r:id="rId17"/>
+    <p:sldId id="268" r:id="rId18"/>
+    <p:sldId id="269" r:id="rId19"/>
+    <p:sldId id="272" r:id="rId20"/>
+    <p:sldId id="270" r:id="rId21"/>
+    <p:sldId id="271" r:id="rId22"/>
+    <p:sldId id="273" r:id="rId23"/>
+    <p:sldId id="274" r:id="rId24"/>
+    <p:sldId id="275" r:id="rId25"/>
+    <p:sldId id="276" r:id="rId26"/>
   </p:sldIdLst>
   <p:sldSz cx="12192000" cy="6858000"/>
   <p:notesSz cx="6858000" cy="9144000"/>
@@ -3099,8 +3101,12 @@
           <a:lstStyle/>
           <a:p>
             <a:r>
-              <a:rPr lang="zh-CN" altLang="en-US" dirty="0" smtClean="0"/>
-              <a:t>日志配置</a:t>
+              <a:rPr lang="en-US" altLang="zh-CN" dirty="0" smtClean="0"/>
+              <a:t>Profile</a:t>
+            </a:r>
+            <a:r>
+              <a:rPr lang="zh-CN" altLang="en-US" dirty="0" smtClean="0"/>
+              <a:t>配置</a:t>
             </a:r>
             <a:endParaRPr lang="en-US" dirty="0"/>
           </a:p>
@@ -3122,24 +3128,53 @@
           <a:lstStyle/>
           <a:p>
             <a:r>
+              <a:rPr lang="en-US" altLang="zh-CN" dirty="0" smtClean="0"/>
+              <a:t>Profile</a:t>
+            </a:r>
+            <a:r>
+              <a:rPr lang="zh-CN" altLang="en-US" dirty="0" smtClean="0"/>
+              <a:t>是</a:t>
+            </a:r>
+            <a:r>
+              <a:rPr lang="en-US" altLang="zh-CN" dirty="0" smtClean="0"/>
+              <a:t>Spring</a:t>
+            </a:r>
+            <a:r>
+              <a:rPr lang="zh-CN" altLang="en-US" dirty="0" smtClean="0"/>
+              <a:t>针对不同的环境对不同的配置提供支持的</a:t>
+            </a:r>
+            <a:endParaRPr lang="en-US" altLang="zh-CN" dirty="0" smtClean="0"/>
+          </a:p>
+          <a:p>
+            <a:r>
+              <a:rPr lang="zh-CN" altLang="en-US" dirty="0" smtClean="0"/>
+              <a:t>使用</a:t>
+            </a:r>
+            <a:r>
+              <a:rPr lang="en-US" altLang="zh-CN" dirty="0" smtClean="0"/>
+              <a:t>application-{profile}.properties</a:t>
+            </a:r>
+          </a:p>
+          <a:p>
+            <a:r>
+              <a:rPr lang="zh-CN" altLang="en-US" dirty="0" smtClean="0"/>
+              <a:t>可以在</a:t>
+            </a:r>
+            <a:r>
               <a:rPr lang="en-US" altLang="zh-CN" dirty="0" err="1" smtClean="0"/>
-              <a:t>SpringBoot</a:t>
-            </a:r>
-            <a:r>
-              <a:rPr lang="zh-CN" altLang="en-US" dirty="0" smtClean="0"/>
-              <a:t>支持</a:t>
-            </a:r>
-            <a:r>
-              <a:rPr lang="en-US" altLang="zh-CN" dirty="0" smtClean="0"/>
-              <a:t>JUL</a:t>
-            </a:r>
-            <a:r>
-              <a:rPr lang="zh-CN" altLang="en-US" dirty="0" smtClean="0"/>
-              <a:t>，</a:t>
-            </a:r>
-            <a:r>
-              <a:rPr lang="en-US" altLang="zh-CN" dirty="0" smtClean="0"/>
-              <a:t>Log4J,</a:t>
+              <a:t>application.properties</a:t>
+            </a:r>
+            <a:r>
+              <a:rPr lang="zh-CN" altLang="en-US" dirty="0" smtClean="0"/>
+              <a:t>中进行制定</a:t>
+            </a:r>
+            <a:r>
+              <a:rPr lang="en-US" altLang="zh-CN" dirty="0" err="1" smtClean="0"/>
+              <a:t>spring.profiles.active</a:t>
+            </a:r>
+            <a:r>
+              <a:rPr lang="en-US" altLang="zh-CN" dirty="0" smtClean="0"/>
+              <a:t>=</a:t>
             </a:r>
             <a:r>
               <a:rPr lang="zh-CN" altLang="en-US" dirty="0" smtClean="0"/>
@@ -3147,64 +3182,44 @@
             </a:r>
             <a:r>
               <a:rPr lang="en-US" altLang="zh-CN" dirty="0" smtClean="0"/>
-              <a:t>Log4j2,</a:t>
-            </a:r>
-            <a:r>
-              <a:rPr lang="zh-CN" altLang="en-US" dirty="0" smtClean="0"/>
-              <a:t> </a:t>
+              <a:t>prod</a:t>
+            </a:r>
+          </a:p>
+          <a:p>
+            <a:r>
+              <a:rPr lang="zh-CN" altLang="en-US" dirty="0" smtClean="0"/>
+              <a:t>也可以在启动参数中增加</a:t>
+            </a:r>
+            <a:r>
+              <a:rPr lang="en-US" altLang="zh-CN" dirty="0" smtClean="0"/>
+              <a:t>-</a:t>
             </a:r>
             <a:r>
               <a:rPr lang="en-US" altLang="zh-CN" dirty="0" err="1" smtClean="0"/>
-              <a:t>logback</a:t>
-            </a:r>
-            <a:r>
-              <a:rPr lang="zh-CN" altLang="en-US" dirty="0" smtClean="0"/>
-              <a:t>作为日志框架</a:t>
+              <a:t>D</a:t>
+            </a:r>
+            <a:r>
+              <a:rPr lang="en-US" dirty="0" err="1" smtClean="0"/>
+              <a:t>spring.profiles.active</a:t>
+            </a:r>
+            <a:r>
+              <a:rPr lang="en-US" dirty="0" smtClean="0"/>
+              <a:t>=dev</a:t>
+            </a:r>
+          </a:p>
+          <a:p>
+            <a:r>
+              <a:rPr lang="zh-CN" altLang="en-US" dirty="0" smtClean="0"/>
+              <a:t>启动参数有更高的优先级</a:t>
             </a:r>
             <a:endParaRPr lang="en-US" altLang="zh-CN" dirty="0" smtClean="0"/>
-          </a:p>
-          <a:p>
-            <a:r>
-              <a:rPr lang="zh-CN" altLang="en-US" dirty="0" smtClean="0"/>
-              <a:t>默认使用</a:t>
-            </a:r>
-            <a:r>
-              <a:rPr lang="en-US" altLang="zh-CN" dirty="0" err="1" smtClean="0"/>
-              <a:t>logback</a:t>
-            </a:r>
-            <a:endParaRPr lang="en-US" altLang="zh-CN" dirty="0" smtClean="0"/>
-          </a:p>
-          <a:p>
-            <a:r>
-              <a:rPr lang="en-US" altLang="zh-CN" dirty="0" err="1" smtClean="0"/>
-              <a:t>logging.file</a:t>
-            </a:r>
-            <a:r>
-              <a:rPr lang="en-US" altLang="zh-CN" dirty="0" smtClean="0"/>
-              <a:t>=/Users/admin/logs/</a:t>
-            </a:r>
-            <a:r>
-              <a:rPr lang="en-US" altLang="zh-CN" dirty="0" err="1" smtClean="0"/>
-              <a:t>springboot-demo.log</a:t>
-            </a:r>
-            <a:endParaRPr lang="en-US" altLang="zh-CN" dirty="0" smtClean="0"/>
-          </a:p>
-          <a:p>
-            <a:r>
-              <a:rPr lang="en-US" dirty="0" err="1"/>
-              <a:t>logging.level.org.springframework.web</a:t>
-            </a:r>
-            <a:r>
-              <a:rPr lang="en-US" dirty="0"/>
-              <a:t>=INFO</a:t>
-            </a:r>
           </a:p>
         </p:txBody>
       </p:sp>
     </p:spTree>
     <p:extLst>
       <p:ext uri="{BB962C8B-B14F-4D97-AF65-F5344CB8AC3E}">
-        <p14:creationId xmlns:p14="http://schemas.microsoft.com/office/powerpoint/2010/main" val="93290772"/>
+        <p14:creationId xmlns:p14="http://schemas.microsoft.com/office/powerpoint/2010/main" val="1657948488"/>
       </p:ext>
     </p:extLst>
   </p:cSld>
@@ -3248,7 +3263,7 @@
           <a:p>
             <a:r>
               <a:rPr lang="zh-CN" altLang="en-US" dirty="0" smtClean="0"/>
-              <a:t>上机练习</a:t>
+              <a:t>日志配置</a:t>
             </a:r>
             <a:endParaRPr lang="en-US" dirty="0"/>
           </a:p>
@@ -3264,234 +3279,95 @@
             <p:ph idx="1"/>
           </p:nvPr>
         </p:nvSpPr>
-        <p:spPr>
-          <a:xfrm>
-            <a:off x="838200" y="1825624"/>
-            <a:ext cx="10515600" cy="4929505"/>
-          </a:xfrm>
-        </p:spPr>
-        <p:txBody>
-          <a:bodyPr>
-            <a:normAutofit/>
-          </a:bodyPr>
-          <a:lstStyle/>
-          <a:p>
-            <a:r>
-              <a:rPr lang="zh-CN" altLang="en-US" dirty="0" smtClean="0"/>
-              <a:t>自定义一个</a:t>
-            </a:r>
-            <a:r>
-              <a:rPr lang="en-US" altLang="zh-CN" dirty="0" smtClean="0"/>
-              <a:t>banner</a:t>
-            </a:r>
-          </a:p>
-          <a:p>
-            <a:r>
-              <a:rPr lang="zh-CN" altLang="en-US" dirty="0" smtClean="0"/>
-              <a:t>通过</a:t>
-            </a:r>
+        <p:spPr/>
+        <p:txBody>
+          <a:bodyPr/>
+          <a:lstStyle/>
+          <a:p>
             <a:r>
               <a:rPr lang="en-US" altLang="zh-CN" dirty="0" err="1" smtClean="0"/>
-              <a:t>application.properties</a:t>
-            </a:r>
-            <a:r>
-              <a:rPr lang="zh-CN" altLang="en-US" dirty="0" smtClean="0"/>
-              <a:t>配置</a:t>
+              <a:t>SpringBoot</a:t>
+            </a:r>
+            <a:r>
+              <a:rPr lang="zh-CN" altLang="en-US" dirty="0" smtClean="0"/>
+              <a:t>支持</a:t>
+            </a:r>
+            <a:r>
+              <a:rPr lang="en-US" altLang="zh-CN" dirty="0" smtClean="0"/>
+              <a:t>JUL</a:t>
+            </a:r>
+            <a:r>
+              <a:rPr lang="zh-CN" altLang="en-US" dirty="0" smtClean="0"/>
+              <a:t>，</a:t>
+            </a:r>
+            <a:r>
+              <a:rPr lang="en-US" altLang="zh-CN" dirty="0" smtClean="0"/>
+              <a:t>Log4J,</a:t>
+            </a:r>
+            <a:r>
+              <a:rPr lang="zh-CN" altLang="en-US" dirty="0" smtClean="0"/>
+              <a:t> </a:t>
+            </a:r>
+            <a:r>
+              <a:rPr lang="en-US" altLang="zh-CN" dirty="0" smtClean="0"/>
+              <a:t>Log4j2,</a:t>
+            </a:r>
+            <a:r>
+              <a:rPr lang="zh-CN" altLang="en-US" dirty="0" smtClean="0"/>
+              <a:t> </a:t>
+            </a:r>
+            <a:r>
+              <a:rPr lang="en-US" altLang="zh-CN" dirty="0" err="1" smtClean="0"/>
+              <a:t>logback</a:t>
+            </a:r>
+            <a:r>
+              <a:rPr lang="zh-CN" altLang="en-US" dirty="0" smtClean="0"/>
+              <a:t>作为日志框架</a:t>
             </a:r>
             <a:endParaRPr lang="en-US" altLang="zh-CN" dirty="0" smtClean="0"/>
           </a:p>
           <a:p>
-            <a:pPr lvl="1"/>
-            <a:r>
-              <a:rPr lang="zh-CN" altLang="en-US" dirty="0" smtClean="0"/>
-              <a:t>修改</a:t>
-            </a:r>
-            <a:r>
-              <a:rPr lang="en-US" altLang="zh-CN" dirty="0" smtClean="0"/>
-              <a:t>tomcat</a:t>
-            </a:r>
-            <a:r>
-              <a:rPr lang="zh-CN" altLang="en-US" dirty="0" smtClean="0"/>
-              <a:t>监听的端口号</a:t>
+            <a:r>
+              <a:rPr lang="zh-CN" altLang="en-US" dirty="0" smtClean="0"/>
+              <a:t>默认使用</a:t>
+            </a:r>
+            <a:r>
+              <a:rPr lang="en-US" altLang="zh-CN" dirty="0" err="1" smtClean="0"/>
+              <a:t>logback</a:t>
             </a:r>
             <a:endParaRPr lang="en-US" altLang="zh-CN" dirty="0" smtClean="0"/>
           </a:p>
           <a:p>
-            <a:pPr lvl="2"/>
             <a:r>
               <a:rPr lang="en-US" altLang="zh-CN" dirty="0" err="1" smtClean="0"/>
-              <a:t>server.port</a:t>
-            </a:r>
-            <a:r>
-              <a:rPr lang="en-US" altLang="zh-CN" dirty="0" smtClean="0"/>
-              <a:t>=xx</a:t>
-            </a:r>
-            <a:r>
-              <a:rPr lang="zh-CN" altLang="en-US" dirty="0" smtClean="0"/>
-              <a:t> 更改端口号</a:t>
+              <a:t>logging.file</a:t>
+            </a:r>
+            <a:r>
+              <a:rPr lang="en-US" altLang="zh-CN" dirty="0" smtClean="0"/>
+              <a:t>=/Users/admin/logs/</a:t>
+            </a:r>
+            <a:r>
+              <a:rPr lang="en-US" altLang="zh-CN" dirty="0" err="1" smtClean="0"/>
+              <a:t>springboot-demo.log</a:t>
             </a:r>
             <a:endParaRPr lang="en-US" altLang="zh-CN" dirty="0" smtClean="0"/>
           </a:p>
           <a:p>
-            <a:pPr lvl="1"/>
-            <a:r>
-              <a:rPr lang="zh-CN" altLang="en-US" dirty="0" smtClean="0"/>
-              <a:t>访问</a:t>
-            </a:r>
-            <a:r>
-              <a:rPr lang="en-US" altLang="zh-CN" dirty="0" smtClean="0">
-                <a:hlinkClick r:id="rId2"/>
-              </a:rPr>
-              <a:t>http://localhost:xx/myName</a:t>
-            </a:r>
-            <a:r>
-              <a:rPr lang="zh-CN" altLang="en-US" dirty="0" smtClean="0"/>
-              <a:t> 返回自己的名字</a:t>
-            </a:r>
-            <a:endParaRPr lang="en-US" altLang="zh-CN" dirty="0" smtClean="0"/>
-          </a:p>
-          <a:p>
-            <a:pPr lvl="2"/>
-            <a:r>
-              <a:rPr lang="en-US" altLang="zh-CN" dirty="0" err="1"/>
-              <a:t>newit.user.name</a:t>
-            </a:r>
-            <a:r>
-              <a:rPr lang="en-US" altLang="zh-CN" dirty="0"/>
-              <a:t>=</a:t>
-            </a:r>
-            <a:r>
-              <a:rPr lang="zh-CN" altLang="en-US" dirty="0"/>
-              <a:t>自己的</a:t>
-            </a:r>
-            <a:r>
-              <a:rPr lang="zh-CN" altLang="en-US" dirty="0" smtClean="0"/>
-              <a:t>名字</a:t>
-            </a:r>
-            <a:endParaRPr lang="en-US" altLang="zh-CN" dirty="0" smtClean="0"/>
-          </a:p>
-          <a:p>
-            <a:pPr lvl="1"/>
-            <a:r>
-              <a:rPr lang="zh-CN" altLang="en-US" dirty="0" smtClean="0"/>
-              <a:t>访问</a:t>
-            </a:r>
-            <a:r>
-              <a:rPr lang="en-US" altLang="zh-CN" dirty="0" smtClean="0">
-                <a:hlinkClick r:id="rId3"/>
-              </a:rPr>
-              <a:t>http://localhost:xx/book</a:t>
-            </a:r>
-            <a:r>
-              <a:rPr lang="zh-CN" altLang="en-US" dirty="0" smtClean="0"/>
-              <a:t> 返回一个单例的</a:t>
-            </a:r>
-            <a:r>
-              <a:rPr lang="en-US" altLang="zh-CN" dirty="0" smtClean="0"/>
-              <a:t>book</a:t>
-            </a:r>
-            <a:r>
-              <a:rPr lang="zh-CN" altLang="en-US" dirty="0" smtClean="0"/>
-              <a:t>配置</a:t>
-            </a:r>
-            <a:endParaRPr lang="en-US" altLang="zh-CN" dirty="0" smtClean="0"/>
-          </a:p>
-          <a:p>
-            <a:pPr lvl="2"/>
-            <a:r>
-              <a:rPr lang="zh-CN" altLang="en-US" dirty="0" smtClean="0"/>
-              <a:t>定义一个</a:t>
-            </a:r>
-            <a:r>
-              <a:rPr lang="en-US" altLang="zh-CN" dirty="0" smtClean="0"/>
-              <a:t>Book</a:t>
-            </a:r>
-            <a:r>
-              <a:rPr lang="zh-CN" altLang="en-US" dirty="0" smtClean="0"/>
-              <a:t>类，包含书名，价格，描述字段</a:t>
-            </a:r>
-            <a:endParaRPr lang="en-US" altLang="zh-CN" dirty="0" smtClean="0"/>
-          </a:p>
-          <a:p>
-            <a:pPr lvl="2"/>
-            <a:r>
-              <a:rPr lang="zh-CN" altLang="en-US" dirty="0" smtClean="0"/>
-              <a:t>通过</a:t>
+            <a:r>
+              <a:rPr lang="en-US" dirty="0" err="1"/>
+              <a:t>logging.level.org.springframework.web</a:t>
             </a:r>
             <a:r>
               <a:rPr lang="en-US" dirty="0"/>
-              <a:t>@</a:t>
-            </a:r>
-            <a:r>
-              <a:rPr lang="en-US" dirty="0" err="1"/>
-              <a:t>ConfigurationProperties</a:t>
-            </a:r>
-            <a:r>
-              <a:rPr lang="en-US" dirty="0"/>
-              <a:t>(</a:t>
-            </a:r>
-            <a:r>
-              <a:rPr lang="en-US" dirty="0"/>
-              <a:t>prefix </a:t>
-            </a:r>
-            <a:r>
-              <a:rPr lang="en-US" dirty="0"/>
-              <a:t>= </a:t>
-            </a:r>
-            <a:r>
-              <a:rPr lang="en-US" dirty="0"/>
-              <a:t>"</a:t>
-            </a:r>
-            <a:r>
-              <a:rPr lang="en-US" dirty="0" err="1"/>
-              <a:t>newit.book</a:t>
-            </a:r>
-            <a:r>
-              <a:rPr lang="en-US" dirty="0" smtClean="0"/>
-              <a:t>")</a:t>
-            </a:r>
-            <a:r>
-              <a:rPr lang="zh-CN" altLang="en-US" dirty="0" smtClean="0"/>
-              <a:t>配置书籍信息</a:t>
-            </a:r>
-            <a:endParaRPr lang="en-US" altLang="zh-CN" dirty="0" smtClean="0"/>
-          </a:p>
-          <a:p>
-            <a:r>
-              <a:rPr lang="zh-CN" altLang="en-US" dirty="0" smtClean="0"/>
-              <a:t>配置日志</a:t>
-            </a:r>
-            <a:endParaRPr lang="en-US" altLang="zh-CN" dirty="0" smtClean="0"/>
-          </a:p>
-          <a:p>
-            <a:pPr lvl="1"/>
-            <a:r>
-              <a:rPr lang="zh-CN" altLang="en-US" dirty="0" smtClean="0"/>
-              <a:t>修改日志等级为</a:t>
-            </a:r>
-            <a:r>
-              <a:rPr lang="en-US" altLang="zh-CN" dirty="0" smtClean="0"/>
-              <a:t>Debug</a:t>
-            </a:r>
-          </a:p>
-          <a:p>
-            <a:pPr lvl="1"/>
-            <a:r>
-              <a:rPr lang="zh-CN" altLang="en-US" dirty="0" smtClean="0"/>
-              <a:t>日志输出到</a:t>
-            </a:r>
-            <a:r>
-              <a:rPr lang="en-US" altLang="zh-CN" dirty="0" smtClean="0"/>
-              <a:t>d:\logs\springboot-0530.log</a:t>
-            </a:r>
-            <a:endParaRPr lang="en-US" dirty="0"/>
+              <a:t>=INFO</a:t>
+            </a:r>
           </a:p>
         </p:txBody>
       </p:sp>
     </p:spTree>
     <p:extLst>
       <p:ext uri="{BB962C8B-B14F-4D97-AF65-F5344CB8AC3E}">
-        <p14:creationId xmlns:p14="http://schemas.microsoft.com/office/powerpoint/2010/main" val="1544728067"/>
+        <p14:creationId xmlns:p14="http://schemas.microsoft.com/office/powerpoint/2010/main" val="93290772"/>
       </p:ext>
     </p:extLst>
   </p:cSld>
@@ -3551,193 +3427,234 @@
             <p:ph idx="1"/>
           </p:nvPr>
         </p:nvSpPr>
-        <p:spPr/>
-        <p:txBody>
-          <a:bodyPr/>
-          <a:lstStyle/>
-          <a:p>
-            <a:r>
-              <a:rPr lang="zh-CN" altLang="en-US" dirty="0" smtClean="0"/>
-              <a:t>配置两个</a:t>
-            </a:r>
-            <a:r>
-              <a:rPr lang="en-US" altLang="zh-CN" dirty="0" smtClean="0"/>
-              <a:t>Spring</a:t>
-            </a:r>
-            <a:r>
-              <a:rPr lang="zh-CN" altLang="en-US" dirty="0" smtClean="0"/>
-              <a:t> </a:t>
-            </a:r>
-            <a:r>
-              <a:rPr lang="en-US" altLang="zh-CN" dirty="0" smtClean="0"/>
-              <a:t>Profile</a:t>
-            </a:r>
+        <p:spPr>
+          <a:xfrm>
+            <a:off x="838200" y="1825624"/>
+            <a:ext cx="10515600" cy="4929505"/>
+          </a:xfrm>
+        </p:spPr>
+        <p:txBody>
+          <a:bodyPr>
+            <a:normAutofit/>
+          </a:bodyPr>
+          <a:lstStyle/>
+          <a:p>
+            <a:r>
+              <a:rPr lang="zh-CN" altLang="en-US" dirty="0" smtClean="0"/>
+              <a:t>自定义一个</a:t>
+            </a:r>
+            <a:r>
+              <a:rPr lang="en-US" altLang="zh-CN" dirty="0" smtClean="0"/>
+              <a:t>banner</a:t>
+            </a:r>
+          </a:p>
+          <a:p>
+            <a:r>
+              <a:rPr lang="zh-CN" altLang="en-US" dirty="0" smtClean="0"/>
+              <a:t>通过</a:t>
+            </a:r>
+            <a:r>
+              <a:rPr lang="en-US" altLang="zh-CN" dirty="0" err="1" smtClean="0"/>
+              <a:t>application.properties</a:t>
+            </a:r>
+            <a:r>
+              <a:rPr lang="zh-CN" altLang="en-US" dirty="0" smtClean="0"/>
+              <a:t>配置</a:t>
+            </a:r>
+            <a:endParaRPr lang="en-US" altLang="zh-CN" dirty="0" smtClean="0"/>
           </a:p>
           <a:p>
             <a:pPr lvl="1"/>
             <a:r>
-              <a:rPr lang="en-US" altLang="zh-CN" dirty="0" smtClean="0"/>
-              <a:t>profile</a:t>
-            </a:r>
-            <a:r>
-              <a:rPr lang="zh-CN" altLang="en-US" dirty="0" smtClean="0"/>
-              <a:t>分别为</a:t>
-            </a:r>
-            <a:r>
-              <a:rPr lang="en-US" altLang="zh-CN" dirty="0" smtClean="0"/>
-              <a:t>dev</a:t>
-            </a:r>
-            <a:r>
-              <a:rPr lang="zh-CN" altLang="en-US" dirty="0" smtClean="0"/>
-              <a:t>和</a:t>
-            </a:r>
-            <a:r>
-              <a:rPr lang="en-US" altLang="zh-CN" dirty="0" smtClean="0"/>
-              <a:t>prod</a:t>
-            </a:r>
+              <a:rPr lang="zh-CN" altLang="en-US" dirty="0" smtClean="0"/>
+              <a:t>修改</a:t>
+            </a:r>
+            <a:r>
+              <a:rPr lang="en-US" altLang="zh-CN" dirty="0" smtClean="0"/>
+              <a:t>tomcat</a:t>
+            </a:r>
+            <a:r>
+              <a:rPr lang="zh-CN" altLang="en-US" dirty="0" smtClean="0"/>
+              <a:t>监听的端口号</a:t>
+            </a:r>
+            <a:endParaRPr lang="en-US" altLang="zh-CN" dirty="0" smtClean="0"/>
+          </a:p>
+          <a:p>
+            <a:pPr lvl="2"/>
+            <a:r>
+              <a:rPr lang="en-US" altLang="zh-CN" dirty="0" err="1" smtClean="0"/>
+              <a:t>server.port</a:t>
+            </a:r>
+            <a:r>
+              <a:rPr lang="en-US" altLang="zh-CN" dirty="0" smtClean="0"/>
+              <a:t>=xx</a:t>
+            </a:r>
+            <a:r>
+              <a:rPr lang="zh-CN" altLang="en-US" dirty="0" smtClean="0"/>
+              <a:t> 更改端口号</a:t>
+            </a:r>
+            <a:endParaRPr lang="en-US" altLang="zh-CN" dirty="0" smtClean="0"/>
           </a:p>
           <a:p>
             <a:pPr lvl="1"/>
             <a:r>
               <a:rPr lang="zh-CN" altLang="en-US" dirty="0" smtClean="0"/>
-              <a:t>设置</a:t>
-            </a:r>
-            <a:r>
-              <a:rPr lang="en-US" altLang="zh-CN" dirty="0"/>
-              <a:t>-</a:t>
-            </a:r>
-            <a:r>
-              <a:rPr lang="en-US" altLang="zh-CN" dirty="0" err="1"/>
-              <a:t>D</a:t>
-            </a:r>
-            <a:r>
-              <a:rPr lang="en-US" dirty="0" err="1"/>
-              <a:t>spring.profiles.active</a:t>
-            </a:r>
-            <a:r>
-              <a:rPr lang="en-US" dirty="0"/>
-              <a:t>=dev</a:t>
-            </a:r>
-            <a:endParaRPr lang="en-US" altLang="zh-CN" dirty="0" smtClean="0"/>
-          </a:p>
-          <a:p>
-            <a:pPr lvl="2"/>
-            <a:r>
-              <a:rPr lang="zh-CN" altLang="en-US" dirty="0" smtClean="0"/>
-              <a:t>访问端口</a:t>
+              <a:t>访问</a:t>
             </a:r>
             <a:r>
               <a:rPr lang="en-US" altLang="zh-CN" dirty="0" smtClean="0">
                 <a:hlinkClick r:id="rId2"/>
               </a:rPr>
-              <a:t>http://localhost:8888/env</a:t>
-            </a:r>
-            <a:r>
-              <a:rPr lang="zh-CN" altLang="en-US" dirty="0" smtClean="0"/>
-              <a:t> 返回</a:t>
-            </a:r>
-            <a:r>
-              <a:rPr lang="en-US" altLang="zh-CN" dirty="0" smtClean="0"/>
-              <a:t>”this</a:t>
-            </a:r>
-            <a:r>
-              <a:rPr lang="zh-CN" altLang="en-US" dirty="0" smtClean="0"/>
-              <a:t> </a:t>
-            </a:r>
-            <a:r>
-              <a:rPr lang="en-US" altLang="zh-CN" dirty="0" smtClean="0"/>
-              <a:t>is</a:t>
-            </a:r>
-            <a:r>
-              <a:rPr lang="zh-CN" altLang="en-US" dirty="0" smtClean="0"/>
-              <a:t> </a:t>
-            </a:r>
-            <a:r>
-              <a:rPr lang="en-US" altLang="zh-CN" dirty="0" smtClean="0"/>
-              <a:t>dev”</a:t>
-            </a:r>
+              <a:t>http://localhost:xx/myName</a:t>
+            </a:r>
+            <a:r>
+              <a:rPr lang="zh-CN" altLang="en-US" dirty="0" smtClean="0"/>
+              <a:t> 返回自己的名字</a:t>
+            </a:r>
+            <a:endParaRPr lang="en-US" altLang="zh-CN" dirty="0" smtClean="0"/>
+          </a:p>
+          <a:p>
+            <a:pPr lvl="2"/>
+            <a:r>
+              <a:rPr lang="en-US" altLang="zh-CN" dirty="0" err="1"/>
+              <a:t>newit.user.name</a:t>
+            </a:r>
+            <a:r>
+              <a:rPr lang="en-US" altLang="zh-CN" dirty="0"/>
+              <a:t>=</a:t>
+            </a:r>
+            <a:r>
+              <a:rPr lang="zh-CN" altLang="en-US" dirty="0"/>
+              <a:t>自己的</a:t>
+            </a:r>
+            <a:r>
+              <a:rPr lang="zh-CN" altLang="en-US" dirty="0" smtClean="0"/>
+              <a:t>名字</a:t>
+            </a:r>
+            <a:endParaRPr lang="en-US" altLang="zh-CN" dirty="0" smtClean="0"/>
           </a:p>
           <a:p>
             <a:pPr lvl="1"/>
             <a:r>
-              <a:rPr lang="en-US" altLang="zh-CN" dirty="0"/>
-              <a:t>-</a:t>
-            </a:r>
-            <a:r>
-              <a:rPr lang="en-US" altLang="zh-CN" dirty="0" err="1" smtClean="0"/>
-              <a:t>D</a:t>
-            </a:r>
-            <a:r>
-              <a:rPr lang="en-US" dirty="0" err="1" smtClean="0"/>
-              <a:t>spring.profiles.active</a:t>
+              <a:rPr lang="zh-CN" altLang="en-US" dirty="0" smtClean="0"/>
+              <a:t>访问</a:t>
+            </a:r>
+            <a:r>
+              <a:rPr lang="en-US" altLang="zh-CN" dirty="0" smtClean="0">
+                <a:hlinkClick r:id="rId3"/>
+              </a:rPr>
+              <a:t>http://localhost:xx/book</a:t>
+            </a:r>
+            <a:r>
+              <a:rPr lang="zh-CN" altLang="en-US" dirty="0" smtClean="0"/>
+              <a:t> 返回一个单例的</a:t>
+            </a:r>
+            <a:r>
+              <a:rPr lang="en-US" altLang="zh-CN" dirty="0" smtClean="0"/>
+              <a:t>book</a:t>
+            </a:r>
+            <a:r>
+              <a:rPr lang="zh-CN" altLang="en-US" dirty="0" smtClean="0"/>
+              <a:t>配置</a:t>
+            </a:r>
+            <a:endParaRPr lang="en-US" altLang="zh-CN" dirty="0" smtClean="0"/>
+          </a:p>
+          <a:p>
+            <a:pPr lvl="2"/>
+            <a:r>
+              <a:rPr lang="zh-CN" altLang="en-US" dirty="0" smtClean="0"/>
+              <a:t>定义一个</a:t>
+            </a:r>
+            <a:r>
+              <a:rPr lang="en-US" altLang="zh-CN" dirty="0" smtClean="0"/>
+              <a:t>Book</a:t>
+            </a:r>
+            <a:r>
+              <a:rPr lang="zh-CN" altLang="en-US" dirty="0" smtClean="0"/>
+              <a:t>类，包含书名，价格，描述字段</a:t>
+            </a:r>
+            <a:endParaRPr lang="en-US" altLang="zh-CN" dirty="0" smtClean="0"/>
+          </a:p>
+          <a:p>
+            <a:pPr lvl="2"/>
+            <a:r>
+              <a:rPr lang="zh-CN" altLang="en-US" dirty="0" smtClean="0"/>
+              <a:t>通过</a:t>
+            </a:r>
+            <a:r>
+              <a:rPr lang="en-US" dirty="0"/>
+              <a:t>@</a:t>
+            </a:r>
+            <a:r>
+              <a:rPr lang="en-US" dirty="0" err="1"/>
+              <a:t>ConfigurationProperties</a:t>
+            </a:r>
+            <a:r>
+              <a:rPr lang="en-US" dirty="0"/>
+              <a:t>(</a:t>
+            </a:r>
+            <a:r>
+              <a:rPr lang="en-US" dirty="0"/>
+              <a:t>prefix </a:t>
+            </a:r>
+            <a:r>
+              <a:rPr lang="en-US" dirty="0"/>
+              <a:t>= </a:t>
+            </a:r>
+            <a:r>
+              <a:rPr lang="en-US" dirty="0"/>
+              <a:t>"</a:t>
+            </a:r>
+            <a:r>
+              <a:rPr lang="en-US" dirty="0" err="1"/>
+              <a:t>newit.book</a:t>
             </a:r>
             <a:r>
               <a:rPr lang="en-US" dirty="0" smtClean="0"/>
-              <a:t>=</a:t>
-            </a:r>
-            <a:r>
-              <a:rPr lang="en-US" altLang="zh-CN" dirty="0" smtClean="0"/>
-              <a:t>prod</a:t>
-            </a:r>
-          </a:p>
-          <a:p>
-            <a:pPr lvl="2"/>
-            <a:r>
-              <a:rPr lang="zh-CN" altLang="en-US" dirty="0"/>
-              <a:t>访问端口</a:t>
-            </a:r>
-            <a:r>
-              <a:rPr lang="en-US" altLang="zh-CN" dirty="0">
-                <a:hlinkClick r:id="rId2"/>
-              </a:rPr>
-              <a:t>http://</a:t>
-            </a:r>
-            <a:r>
-              <a:rPr lang="en-US" altLang="zh-CN" dirty="0" smtClean="0">
-                <a:hlinkClick r:id="rId2"/>
-              </a:rPr>
-              <a:t>localhost:9999/env</a:t>
-            </a:r>
-            <a:r>
-              <a:rPr lang="zh-CN" altLang="en-US" dirty="0" smtClean="0"/>
-              <a:t> </a:t>
-            </a:r>
-            <a:r>
-              <a:rPr lang="zh-CN" altLang="en-US" dirty="0"/>
-              <a:t>返回</a:t>
-            </a:r>
-            <a:r>
-              <a:rPr lang="en-US" altLang="zh-CN" dirty="0" smtClean="0"/>
-              <a:t>”this</a:t>
-            </a:r>
-            <a:r>
-              <a:rPr lang="zh-CN" altLang="en-US" dirty="0" smtClean="0"/>
-              <a:t> </a:t>
-            </a:r>
-            <a:r>
-              <a:rPr lang="en-US" altLang="zh-CN" dirty="0" smtClean="0"/>
-              <a:t>is</a:t>
-            </a:r>
-            <a:r>
-              <a:rPr lang="zh-CN" altLang="en-US" dirty="0" smtClean="0"/>
-              <a:t> </a:t>
-            </a:r>
-            <a:r>
-              <a:rPr lang="en-US" altLang="zh-CN" dirty="0" smtClean="0"/>
-              <a:t>prod”</a:t>
-            </a:r>
-            <a:endParaRPr lang="en-US" altLang="zh-CN" dirty="0"/>
-          </a:p>
-          <a:p>
-            <a:pPr lvl="2"/>
+              <a:t>")</a:t>
+            </a:r>
+            <a:r>
+              <a:rPr lang="zh-CN" altLang="en-US" dirty="0" smtClean="0"/>
+              <a:t>配置书籍信息</a:t>
+            </a:r>
             <a:endParaRPr lang="en-US" altLang="zh-CN" dirty="0" smtClean="0"/>
+          </a:p>
+          <a:p>
+            <a:r>
+              <a:rPr lang="zh-CN" altLang="en-US" dirty="0" smtClean="0"/>
+              <a:t>配置日志</a:t>
+            </a:r>
+            <a:endParaRPr lang="en-US" altLang="zh-CN" dirty="0" smtClean="0"/>
+          </a:p>
+          <a:p>
+            <a:pPr lvl="1"/>
+            <a:r>
+              <a:rPr lang="zh-CN" altLang="en-US" dirty="0" smtClean="0"/>
+              <a:t>修改日志等级为</a:t>
+            </a:r>
+            <a:r>
+              <a:rPr lang="en-US" altLang="zh-CN" dirty="0" smtClean="0"/>
+              <a:t>Debug</a:t>
+            </a:r>
+          </a:p>
+          <a:p>
+            <a:pPr lvl="1"/>
+            <a:r>
+              <a:rPr lang="zh-CN" altLang="en-US" dirty="0" smtClean="0"/>
+              <a:t>日志输出到</a:t>
+            </a:r>
+            <a:r>
+              <a:rPr lang="en-US" altLang="zh-CN" dirty="0" smtClean="0"/>
+              <a:t>d:\logs\springboot-0530.log</a:t>
+            </a:r>
+            <a:endParaRPr lang="en-US" dirty="0"/>
           </a:p>
         </p:txBody>
       </p:sp>
     </p:spTree>
     <p:extLst>
       <p:ext uri="{BB962C8B-B14F-4D97-AF65-F5344CB8AC3E}">
-        <p14:creationId xmlns:p14="http://schemas.microsoft.com/office/powerpoint/2010/main" val="1478472305"/>
+        <p14:creationId xmlns:p14="http://schemas.microsoft.com/office/powerpoint/2010/main" val="1544728067"/>
       </p:ext>
     </p:extLst>
   </p:cSld>
@@ -3780,6 +3697,252 @@
           <a:lstStyle/>
           <a:p>
             <a:r>
+              <a:rPr lang="zh-CN" altLang="en-US" dirty="0" smtClean="0"/>
+              <a:t>上机练习</a:t>
+            </a:r>
+            <a:endParaRPr lang="en-US" dirty="0"/>
+          </a:p>
+        </p:txBody>
+      </p:sp>
+      <p:sp>
+        <p:nvSpPr>
+          <p:cNvPr id="3" name="Content Placeholder 2"/>
+          <p:cNvSpPr>
+            <a:spLocks noGrp="1"/>
+          </p:cNvSpPr>
+          <p:nvPr>
+            <p:ph idx="1"/>
+          </p:nvPr>
+        </p:nvSpPr>
+        <p:spPr/>
+        <p:txBody>
+          <a:bodyPr/>
+          <a:lstStyle/>
+          <a:p>
+            <a:r>
+              <a:rPr lang="zh-CN" altLang="en-US" dirty="0" smtClean="0"/>
+              <a:t>配置两个</a:t>
+            </a:r>
+            <a:r>
+              <a:rPr lang="en-US" altLang="zh-CN" dirty="0" smtClean="0"/>
+              <a:t>Spring</a:t>
+            </a:r>
+            <a:r>
+              <a:rPr lang="zh-CN" altLang="en-US" dirty="0" smtClean="0"/>
+              <a:t> </a:t>
+            </a:r>
+            <a:r>
+              <a:rPr lang="en-US" altLang="zh-CN" dirty="0" smtClean="0"/>
+              <a:t>Profile</a:t>
+            </a:r>
+          </a:p>
+          <a:p>
+            <a:pPr lvl="1"/>
+            <a:r>
+              <a:rPr lang="en-US" altLang="zh-CN" dirty="0" smtClean="0"/>
+              <a:t>profile</a:t>
+            </a:r>
+            <a:r>
+              <a:rPr lang="zh-CN" altLang="en-US" dirty="0" smtClean="0"/>
+              <a:t>分别为</a:t>
+            </a:r>
+            <a:r>
+              <a:rPr lang="en-US" altLang="zh-CN" dirty="0" smtClean="0"/>
+              <a:t>dev</a:t>
+            </a:r>
+            <a:r>
+              <a:rPr lang="zh-CN" altLang="en-US" dirty="0" smtClean="0"/>
+              <a:t>和</a:t>
+            </a:r>
+            <a:r>
+              <a:rPr lang="en-US" altLang="zh-CN" dirty="0" smtClean="0"/>
+              <a:t>prod</a:t>
+            </a:r>
+          </a:p>
+          <a:p>
+            <a:pPr lvl="1"/>
+            <a:r>
+              <a:rPr lang="zh-CN" altLang="en-US" dirty="0" smtClean="0"/>
+              <a:t>设置</a:t>
+            </a:r>
+            <a:r>
+              <a:rPr lang="en-US" altLang="zh-CN" dirty="0"/>
+              <a:t>-</a:t>
+            </a:r>
+            <a:r>
+              <a:rPr lang="en-US" altLang="zh-CN" dirty="0" err="1"/>
+              <a:t>D</a:t>
+            </a:r>
+            <a:r>
+              <a:rPr lang="en-US" dirty="0" err="1"/>
+              <a:t>spring.profiles.active</a:t>
+            </a:r>
+            <a:r>
+              <a:rPr lang="en-US" dirty="0"/>
+              <a:t>=dev</a:t>
+            </a:r>
+            <a:endParaRPr lang="en-US" altLang="zh-CN" dirty="0" smtClean="0"/>
+          </a:p>
+          <a:p>
+            <a:pPr lvl="2"/>
+            <a:r>
+              <a:rPr lang="zh-CN" altLang="en-US" dirty="0" smtClean="0"/>
+              <a:t>访问端口</a:t>
+            </a:r>
+            <a:r>
+              <a:rPr lang="en-US" altLang="zh-CN" dirty="0" smtClean="0">
+                <a:hlinkClick r:id="rId2"/>
+              </a:rPr>
+              <a:t>http://localhost:8888/env</a:t>
+            </a:r>
+            <a:r>
+              <a:rPr lang="zh-CN" altLang="en-US" dirty="0" smtClean="0"/>
+              <a:t> 返回</a:t>
+            </a:r>
+            <a:r>
+              <a:rPr lang="en-US" altLang="zh-CN" dirty="0" smtClean="0"/>
+              <a:t>”this</a:t>
+            </a:r>
+            <a:r>
+              <a:rPr lang="zh-CN" altLang="en-US" dirty="0" smtClean="0"/>
+              <a:t> </a:t>
+            </a:r>
+            <a:r>
+              <a:rPr lang="en-US" altLang="zh-CN" dirty="0" smtClean="0"/>
+              <a:t>is</a:t>
+            </a:r>
+            <a:r>
+              <a:rPr lang="zh-CN" altLang="en-US" dirty="0" smtClean="0"/>
+              <a:t> </a:t>
+            </a:r>
+            <a:r>
+              <a:rPr lang="en-US" altLang="zh-CN" dirty="0" smtClean="0"/>
+              <a:t>dev”</a:t>
+            </a:r>
+          </a:p>
+          <a:p>
+            <a:pPr lvl="1"/>
+            <a:r>
+              <a:rPr lang="en-US" altLang="zh-CN" dirty="0"/>
+              <a:t>-</a:t>
+            </a:r>
+            <a:r>
+              <a:rPr lang="en-US" altLang="zh-CN" dirty="0" err="1" smtClean="0"/>
+              <a:t>D</a:t>
+            </a:r>
+            <a:r>
+              <a:rPr lang="en-US" dirty="0" err="1" smtClean="0"/>
+              <a:t>spring.profiles.active</a:t>
+            </a:r>
+            <a:r>
+              <a:rPr lang="en-US" dirty="0" smtClean="0"/>
+              <a:t>=</a:t>
+            </a:r>
+            <a:r>
+              <a:rPr lang="en-US" altLang="zh-CN" dirty="0" smtClean="0"/>
+              <a:t>prod</a:t>
+            </a:r>
+          </a:p>
+          <a:p>
+            <a:pPr lvl="2"/>
+            <a:r>
+              <a:rPr lang="zh-CN" altLang="en-US" dirty="0"/>
+              <a:t>访问端口</a:t>
+            </a:r>
+            <a:r>
+              <a:rPr lang="en-US" altLang="zh-CN" dirty="0">
+                <a:hlinkClick r:id="rId2"/>
+              </a:rPr>
+              <a:t>http://</a:t>
+            </a:r>
+            <a:r>
+              <a:rPr lang="en-US" altLang="zh-CN" dirty="0" smtClean="0">
+                <a:hlinkClick r:id="rId2"/>
+              </a:rPr>
+              <a:t>localhost:9999/env</a:t>
+            </a:r>
+            <a:r>
+              <a:rPr lang="zh-CN" altLang="en-US" dirty="0" smtClean="0"/>
+              <a:t> </a:t>
+            </a:r>
+            <a:r>
+              <a:rPr lang="zh-CN" altLang="en-US" dirty="0"/>
+              <a:t>返回</a:t>
+            </a:r>
+            <a:r>
+              <a:rPr lang="en-US" altLang="zh-CN" dirty="0" smtClean="0"/>
+              <a:t>”this</a:t>
+            </a:r>
+            <a:r>
+              <a:rPr lang="zh-CN" altLang="en-US" dirty="0" smtClean="0"/>
+              <a:t> </a:t>
+            </a:r>
+            <a:r>
+              <a:rPr lang="en-US" altLang="zh-CN" dirty="0" smtClean="0"/>
+              <a:t>is</a:t>
+            </a:r>
+            <a:r>
+              <a:rPr lang="zh-CN" altLang="en-US" dirty="0" smtClean="0"/>
+              <a:t> </a:t>
+            </a:r>
+            <a:r>
+              <a:rPr lang="en-US" altLang="zh-CN" dirty="0" smtClean="0"/>
+              <a:t>prod”</a:t>
+            </a:r>
+            <a:endParaRPr lang="en-US" altLang="zh-CN" dirty="0"/>
+          </a:p>
+          <a:p>
+            <a:pPr lvl="2"/>
+            <a:endParaRPr lang="en-US" altLang="zh-CN" dirty="0" smtClean="0"/>
+          </a:p>
+        </p:txBody>
+      </p:sp>
+    </p:spTree>
+    <p:extLst>
+      <p:ext uri="{BB962C8B-B14F-4D97-AF65-F5344CB8AC3E}">
+        <p14:creationId xmlns:p14="http://schemas.microsoft.com/office/powerpoint/2010/main" val="1478472305"/>
+      </p:ext>
+    </p:extLst>
+  </p:cSld>
+  <p:clrMapOvr>
+    <a:masterClrMapping/>
+  </p:clrMapOvr>
+</p:sld>
+</file>
+
+<file path=ppt/slides/slide14.xml><?xml version="1.0" encoding="utf-8"?>
+<p:sld xmlns:a="http://schemas.openxmlformats.org/drawingml/2006/main" xmlns:r="http://schemas.openxmlformats.org/officeDocument/2006/relationships" xmlns:p="http://schemas.openxmlformats.org/presentationml/2006/main">
+  <p:cSld>
+    <p:spTree>
+      <p:nvGrpSpPr>
+        <p:cNvPr id="1" name=""/>
+        <p:cNvGrpSpPr/>
+        <p:nvPr/>
+      </p:nvGrpSpPr>
+      <p:grpSpPr>
+        <a:xfrm>
+          <a:off x="0" y="0"/>
+          <a:ext cx="0" cy="0"/>
+          <a:chOff x="0" y="0"/>
+          <a:chExt cx="0" cy="0"/>
+        </a:xfrm>
+      </p:grpSpPr>
+      <p:sp>
+        <p:nvSpPr>
+          <p:cNvPr id="2" name="Title 1"/>
+          <p:cNvSpPr>
+            <a:spLocks noGrp="1"/>
+          </p:cNvSpPr>
+          <p:nvPr>
+            <p:ph type="title"/>
+          </p:nvPr>
+        </p:nvSpPr>
+        <p:spPr/>
+        <p:txBody>
+          <a:bodyPr/>
+          <a:lstStyle/>
+          <a:p>
+            <a:r>
               <a:rPr lang="en-US" altLang="zh-CN" dirty="0" err="1" smtClean="0"/>
               <a:t>SpringBoot</a:t>
             </a:r>
@@ -3803,7 +3966,9 @@
         </p:nvSpPr>
         <p:spPr/>
         <p:txBody>
-          <a:bodyPr/>
+          <a:bodyPr>
+            <a:normAutofit lnSpcReduction="10000"/>
+          </a:bodyPr>
           <a:lstStyle/>
           <a:p>
             <a:r>
@@ -3886,6 +4051,37 @@
             <a:r>
               <a:rPr lang="en-US" altLang="zh-CN" dirty="0" err="1" smtClean="0"/>
               <a:t>EnableAutoConfigurationImportSelector</a:t>
+            </a:r>
+            <a:endParaRPr lang="en-US" altLang="zh-CN" dirty="0" smtClean="0"/>
+          </a:p>
+          <a:p>
+            <a:r>
+              <a:rPr lang="en-US" altLang="zh-CN" dirty="0" err="1" smtClean="0"/>
+              <a:t>SpringFactoriesLoader.loadFactoryNames</a:t>
+            </a:r>
+            <a:r>
+              <a:rPr lang="zh-CN" altLang="en-US" dirty="0" smtClean="0"/>
+              <a:t>方法扫描具有</a:t>
+            </a:r>
+            <a:r>
+              <a:rPr lang="en-US" altLang="zh-CN" dirty="0" smtClean="0"/>
+              <a:t>META-IN/</a:t>
+            </a:r>
+            <a:r>
+              <a:rPr lang="en-US" altLang="zh-CN" dirty="0" err="1" smtClean="0"/>
+              <a:t>spring.factories</a:t>
+            </a:r>
+            <a:r>
+              <a:rPr lang="zh-CN" altLang="en-US" dirty="0" smtClean="0"/>
+              <a:t>文件的</a:t>
+            </a:r>
+            <a:r>
+              <a:rPr lang="en-US" altLang="zh-CN" dirty="0" smtClean="0"/>
+              <a:t>jar</a:t>
+            </a:r>
+            <a:r>
+              <a:rPr lang="zh-CN" altLang="en-US" dirty="0" smtClean="0"/>
+              <a:t>包</a:t>
             </a:r>
             <a:endParaRPr lang="en-US" altLang="zh-CN" dirty="0" smtClean="0"/>
           </a:p>
@@ -3928,7 +4124,266 @@
 </p:sld>
 </file>
 
-<file path=ppt/slides/slide14.xml><?xml version="1.0" encoding="utf-8"?>
+<file path=ppt/slides/slide15.xml><?xml version="1.0" encoding="utf-8"?>
+<p:sld xmlns:a="http://schemas.openxmlformats.org/drawingml/2006/main" xmlns:r="http://schemas.openxmlformats.org/officeDocument/2006/relationships" xmlns:p="http://schemas.openxmlformats.org/presentationml/2006/main">
+  <p:cSld>
+    <p:spTree>
+      <p:nvGrpSpPr>
+        <p:cNvPr id="1" name=""/>
+        <p:cNvGrpSpPr/>
+        <p:nvPr/>
+      </p:nvGrpSpPr>
+      <p:grpSpPr>
+        <a:xfrm>
+          <a:off x="0" y="0"/>
+          <a:ext cx="0" cy="0"/>
+          <a:chOff x="0" y="0"/>
+          <a:chExt cx="0" cy="0"/>
+        </a:xfrm>
+      </p:grpSpPr>
+      <p:sp>
+        <p:nvSpPr>
+          <p:cNvPr id="2" name="Title 1"/>
+          <p:cNvSpPr>
+            <a:spLocks noGrp="1"/>
+          </p:cNvSpPr>
+          <p:nvPr>
+            <p:ph type="title"/>
+          </p:nvPr>
+        </p:nvSpPr>
+        <p:spPr/>
+        <p:txBody>
+          <a:bodyPr/>
+          <a:lstStyle/>
+          <a:p>
+            <a:r>
+              <a:rPr lang="en-US" altLang="zh-CN" dirty="0" smtClean="0"/>
+              <a:t>@</a:t>
+            </a:r>
+            <a:r>
+              <a:rPr lang="en-US" altLang="zh-CN" dirty="0" err="1" smtClean="0"/>
+              <a:t>ConditionalOnxxx</a:t>
+            </a:r>
+            <a:endParaRPr lang="en-US" dirty="0"/>
+          </a:p>
+        </p:txBody>
+      </p:sp>
+      <p:sp>
+        <p:nvSpPr>
+          <p:cNvPr id="3" name="Content Placeholder 2"/>
+          <p:cNvSpPr>
+            <a:spLocks noGrp="1"/>
+          </p:cNvSpPr>
+          <p:nvPr>
+            <p:ph idx="1"/>
+          </p:nvPr>
+        </p:nvSpPr>
+        <p:spPr/>
+        <p:txBody>
+          <a:bodyPr>
+            <a:normAutofit fontScale="70000" lnSpcReduction="20000"/>
+          </a:bodyPr>
+          <a:lstStyle/>
+          <a:p>
+            <a:r>
+              <a:rPr lang="en-US" dirty="0"/>
+              <a:t>@</a:t>
+            </a:r>
+            <a:r>
+              <a:rPr lang="en-US" dirty="0" err="1"/>
+              <a:t>ConditionalOnBean：当前容器有指定Bean</a:t>
+            </a:r>
+            <a:r>
+              <a:rPr lang="en-US" dirty="0" err="1" smtClean="0"/>
+              <a:t>的条件下</a:t>
+            </a:r>
+            <a:endParaRPr lang="en-US" dirty="0" smtClean="0"/>
+          </a:p>
+          <a:p>
+            <a:r>
+              <a:rPr lang="en-US" dirty="0" smtClean="0"/>
+              <a:t>@</a:t>
+            </a:r>
+            <a:r>
+              <a:rPr lang="en-US" dirty="0" err="1"/>
+              <a:t>ConditionalOnClass：</a:t>
+            </a:r>
+            <a:r>
+              <a:rPr lang="en-US" dirty="0" err="1" smtClean="0"/>
+              <a:t>当前类路径下有指定的类的条件下</a:t>
+            </a:r>
+            <a:endParaRPr lang="en-US" dirty="0" smtClean="0"/>
+          </a:p>
+          <a:p>
+            <a:r>
+              <a:rPr lang="en-US" dirty="0" smtClean="0"/>
+              <a:t>@</a:t>
+            </a:r>
+            <a:r>
+              <a:rPr lang="en-US" dirty="0" err="1"/>
+              <a:t>ConditionalOnExpression：基于SpEL表达式作为判断条件</a:t>
+            </a:r>
+            <a:r>
+              <a:rPr lang="en-US" dirty="0" smtClean="0"/>
+              <a:t>。</a:t>
+            </a:r>
+          </a:p>
+          <a:p>
+            <a:r>
+              <a:rPr lang="en-US" dirty="0" smtClean="0"/>
+              <a:t>@</a:t>
+            </a:r>
+            <a:r>
+              <a:rPr lang="en-US" dirty="0" err="1"/>
+              <a:t>ConditionalOnJava：基于JVM版本作为判断条件</a:t>
+            </a:r>
+            <a:r>
+              <a:rPr lang="en-US" dirty="0" smtClean="0"/>
+              <a:t>。</a:t>
+            </a:r>
+          </a:p>
+          <a:p>
+            <a:r>
+              <a:rPr lang="en-US" dirty="0" smtClean="0"/>
+              <a:t>@</a:t>
+            </a:r>
+            <a:r>
+              <a:rPr lang="en-US" dirty="0" err="1"/>
+              <a:t>ConditionalOnJndi：在JNDI</a:t>
+            </a:r>
+            <a:r>
+              <a:rPr lang="en-US" dirty="0" err="1" smtClean="0"/>
+              <a:t>存在的条件下查找指定的位置</a:t>
+            </a:r>
+            <a:endParaRPr lang="en-US" dirty="0" smtClean="0"/>
+          </a:p>
+          <a:p>
+            <a:r>
+              <a:rPr lang="en-US" dirty="0" smtClean="0"/>
+              <a:t>@</a:t>
+            </a:r>
+            <a:r>
+              <a:rPr lang="en-US" dirty="0" err="1"/>
+              <a:t>ConditionalOnMissingBean：当容器里没有指定Bean</a:t>
+            </a:r>
+            <a:r>
+              <a:rPr lang="en-US" dirty="0" err="1" smtClean="0"/>
+              <a:t>的情况下</a:t>
+            </a:r>
+            <a:endParaRPr lang="en-US" dirty="0" smtClean="0"/>
+          </a:p>
+          <a:p>
+            <a:r>
+              <a:rPr lang="en-US" dirty="0" smtClean="0"/>
+              <a:t>@</a:t>
+            </a:r>
+            <a:r>
+              <a:rPr lang="en-US" dirty="0" err="1"/>
+              <a:t>ConditionalOnMissingClass：</a:t>
+            </a:r>
+            <a:r>
+              <a:rPr lang="en-US" dirty="0" err="1" smtClean="0"/>
+              <a:t>当类路径下没有指定的类的条件下</a:t>
+            </a:r>
+            <a:endParaRPr lang="en-US" dirty="0" smtClean="0"/>
+          </a:p>
+          <a:p>
+            <a:r>
+              <a:rPr lang="en-US" dirty="0" smtClean="0"/>
+              <a:t>@</a:t>
+            </a:r>
+            <a:r>
+              <a:rPr lang="en-US" dirty="0" err="1"/>
+              <a:t>ConditionalOnNotWebApplication：当前项目不是WEB</a:t>
+            </a:r>
+            <a:r>
+              <a:rPr lang="en-US" dirty="0" err="1" smtClean="0"/>
+              <a:t>项目的条件下</a:t>
+            </a:r>
+            <a:endParaRPr lang="en-US" dirty="0" smtClean="0"/>
+          </a:p>
+          <a:p>
+            <a:r>
+              <a:rPr lang="en-US" dirty="0" smtClean="0"/>
+              <a:t>@</a:t>
+            </a:r>
+            <a:r>
+              <a:rPr lang="en-US" dirty="0" err="1"/>
+              <a:t>ConditionalOnProperty：指定属性是否有指定的值</a:t>
+            </a:r>
+            <a:r>
+              <a:rPr lang="en-US" dirty="0" smtClean="0"/>
+              <a:t>。</a:t>
+            </a:r>
+            <a:endParaRPr lang="en-US" dirty="0"/>
+          </a:p>
+          <a:p>
+            <a:r>
+              <a:rPr lang="en-US" dirty="0" smtClean="0"/>
+              <a:t>@</a:t>
+            </a:r>
+            <a:r>
+              <a:rPr lang="en-US" dirty="0" err="1"/>
+              <a:t>ConditionalOnResource：类路径是否有指定的值</a:t>
+            </a:r>
+            <a:r>
+              <a:rPr lang="en-US" dirty="0" smtClean="0"/>
+              <a:t>。</a:t>
+            </a:r>
+          </a:p>
+          <a:p>
+            <a:r>
+              <a:rPr lang="en-US" dirty="0" smtClean="0"/>
+              <a:t>@</a:t>
+            </a:r>
+            <a:r>
+              <a:rPr lang="en-US" dirty="0" err="1"/>
+              <a:t>ConditionalOnSingleCandidate：当指定Bean在容器中只有一个，或者虽然有多个但</a:t>
+            </a:r>
+            <a:r>
+              <a:rPr lang="en-US" dirty="0"/>
+              <a:t> </a:t>
+            </a:r>
+            <a:r>
+              <a:rPr lang="en-US" dirty="0" err="1"/>
+              <a:t>是指定首选的Bean</a:t>
+            </a:r>
+            <a:r>
+              <a:rPr lang="en-US" dirty="0" smtClean="0"/>
+              <a:t>。</a:t>
+            </a:r>
+          </a:p>
+          <a:p>
+            <a:r>
+              <a:rPr lang="en-US" dirty="0" smtClean="0"/>
+              <a:t>@</a:t>
+            </a:r>
+            <a:r>
+              <a:rPr lang="en-US" dirty="0" err="1"/>
+              <a:t>ConditionalOnWebApplication：当前项目是WEB项目的条件下</a:t>
+            </a:r>
+            <a:r>
+              <a:rPr lang="en-US" dirty="0" smtClean="0"/>
+              <a:t>。</a:t>
+            </a:r>
+            <a:endParaRPr lang="en-US" dirty="0"/>
+          </a:p>
+        </p:txBody>
+      </p:sp>
+    </p:spTree>
+    <p:extLst>
+      <p:ext uri="{BB962C8B-B14F-4D97-AF65-F5344CB8AC3E}">
+        <p14:creationId xmlns:p14="http://schemas.microsoft.com/office/powerpoint/2010/main" val="90277015"/>
+      </p:ext>
+    </p:extLst>
+  </p:cSld>
+  <p:clrMapOvr>
+    <a:masterClrMapping/>
+  </p:clrMapOvr>
+</p:sld>
+</file>
+
+<file path=ppt/slides/slide16.xml><?xml version="1.0" encoding="utf-8"?>
 <p:sld xmlns:a="http://schemas.openxmlformats.org/drawingml/2006/main" xmlns:r="http://schemas.openxmlformats.org/officeDocument/2006/relationships" xmlns:p="http://schemas.openxmlformats.org/presentationml/2006/main">
   <p:cSld>
     <p:spTree>
@@ -4032,7 +4487,7 @@
 </p:sld>
 </file>
 
-<file path=ppt/slides/slide15.xml><?xml version="1.0" encoding="utf-8"?>
+<file path=ppt/slides/slide17.xml><?xml version="1.0" encoding="utf-8"?>
 <p:sld xmlns:a="http://schemas.openxmlformats.org/drawingml/2006/main" xmlns:r="http://schemas.openxmlformats.org/officeDocument/2006/relationships" xmlns:p="http://schemas.openxmlformats.org/presentationml/2006/main">
   <p:cSld>
     <p:spTree>
@@ -4132,7 +4587,7 @@
 </p:sld>
 </file>
 
-<file path=ppt/slides/slide16.xml><?xml version="1.0" encoding="utf-8"?>
+<file path=ppt/slides/slide18.xml><?xml version="1.0" encoding="utf-8"?>
 <p:sld xmlns:a="http://schemas.openxmlformats.org/drawingml/2006/main" xmlns:r="http://schemas.openxmlformats.org/officeDocument/2006/relationships" xmlns:p="http://schemas.openxmlformats.org/presentationml/2006/main">
   <p:cSld>
     <p:spTree>
@@ -4331,7 +4786,7 @@
 </p:sld>
 </file>
 
-<file path=ppt/slides/slide17.xml><?xml version="1.0" encoding="utf-8"?>
+<file path=ppt/slides/slide19.xml><?xml version="1.0" encoding="utf-8"?>
 <p:sld xmlns:a="http://schemas.openxmlformats.org/drawingml/2006/main" xmlns:r="http://schemas.openxmlformats.org/officeDocument/2006/relationships" xmlns:p="http://schemas.openxmlformats.org/presentationml/2006/main">
   <p:cSld>
     <p:spTree>
@@ -4435,7 +4890,196 @@
 </p:sld>
 </file>
 
-<file path=ppt/slides/slide18.xml><?xml version="1.0" encoding="utf-8"?>
+<file path=ppt/slides/slide2.xml><?xml version="1.0" encoding="utf-8"?>
+<p:sld xmlns:a="http://schemas.openxmlformats.org/drawingml/2006/main" xmlns:r="http://schemas.openxmlformats.org/officeDocument/2006/relationships" xmlns:p="http://schemas.openxmlformats.org/presentationml/2006/main">
+  <p:cSld>
+    <p:spTree>
+      <p:nvGrpSpPr>
+        <p:cNvPr id="1" name=""/>
+        <p:cNvGrpSpPr/>
+        <p:nvPr/>
+      </p:nvGrpSpPr>
+      <p:grpSpPr>
+        <a:xfrm>
+          <a:off x="0" y="0"/>
+          <a:ext cx="0" cy="0"/>
+          <a:chOff x="0" y="0"/>
+          <a:chExt cx="0" cy="0"/>
+        </a:xfrm>
+      </p:grpSpPr>
+      <p:sp>
+        <p:nvSpPr>
+          <p:cNvPr id="2" name="Title 1"/>
+          <p:cNvSpPr>
+            <a:spLocks noGrp="1"/>
+          </p:cNvSpPr>
+          <p:nvPr>
+            <p:ph type="title"/>
+          </p:nvPr>
+        </p:nvSpPr>
+        <p:spPr/>
+        <p:txBody>
+          <a:bodyPr/>
+          <a:lstStyle/>
+          <a:p>
+            <a:r>
+              <a:rPr lang="zh-CN" altLang="en-US" dirty="0" smtClean="0"/>
+              <a:t>为什么选择</a:t>
+            </a:r>
+            <a:r>
+              <a:rPr lang="en-US" altLang="zh-CN" dirty="0" err="1" smtClean="0"/>
+              <a:t>SpringBoot</a:t>
+            </a:r>
+            <a:endParaRPr lang="en-US" dirty="0"/>
+          </a:p>
+        </p:txBody>
+      </p:sp>
+      <p:sp>
+        <p:nvSpPr>
+          <p:cNvPr id="3" name="Content Placeholder 2"/>
+          <p:cNvSpPr>
+            <a:spLocks noGrp="1"/>
+          </p:cNvSpPr>
+          <p:nvPr>
+            <p:ph idx="1"/>
+          </p:nvPr>
+        </p:nvSpPr>
+        <p:spPr/>
+        <p:txBody>
+          <a:bodyPr/>
+          <a:lstStyle/>
+          <a:p>
+            <a:r>
+              <a:rPr lang="zh-CN" altLang="en-US" dirty="0" smtClean="0"/>
+              <a:t>创建独立的</a:t>
+            </a:r>
+            <a:r>
+              <a:rPr lang="en-US" altLang="zh-CN" dirty="0" smtClean="0"/>
+              <a:t>Spring</a:t>
+            </a:r>
+            <a:r>
+              <a:rPr lang="zh-CN" altLang="en-US" dirty="0" smtClean="0"/>
+              <a:t>应用程序</a:t>
+            </a:r>
+            <a:endParaRPr lang="en-US" altLang="zh-CN" dirty="0" smtClean="0"/>
+          </a:p>
+          <a:p>
+            <a:r>
+              <a:rPr lang="zh-CN" altLang="en-US" dirty="0" smtClean="0"/>
+              <a:t>嵌入独立的</a:t>
+            </a:r>
+            <a:r>
+              <a:rPr lang="en-US" altLang="zh-CN" dirty="0" smtClean="0"/>
+              <a:t>Tomcat</a:t>
+            </a:r>
+            <a:r>
+              <a:rPr lang="zh-CN" altLang="en-US" dirty="0" smtClean="0"/>
+              <a:t>、</a:t>
+            </a:r>
+            <a:r>
+              <a:rPr lang="en-US" altLang="zh-CN" dirty="0" smtClean="0"/>
+              <a:t>Jetty</a:t>
+            </a:r>
+            <a:r>
+              <a:rPr lang="zh-CN" altLang="en-US" dirty="0" smtClean="0"/>
+              <a:t>或者</a:t>
+            </a:r>
+            <a:r>
+              <a:rPr lang="en-US" altLang="zh-CN" dirty="0" smtClean="0"/>
+              <a:t>Undertow</a:t>
+            </a:r>
+            <a:r>
+              <a:rPr lang="zh-CN" altLang="en-US" dirty="0" smtClean="0"/>
+              <a:t>（不需要部署</a:t>
+            </a:r>
+            <a:r>
+              <a:rPr lang="en-US" altLang="zh-CN" dirty="0" smtClean="0"/>
+              <a:t>WAR</a:t>
+            </a:r>
+            <a:r>
+              <a:rPr lang="zh-CN" altLang="en-US" dirty="0" smtClean="0"/>
+              <a:t>文件）</a:t>
+            </a:r>
+            <a:endParaRPr lang="en-US" altLang="zh-CN" dirty="0" smtClean="0"/>
+          </a:p>
+          <a:p>
+            <a:r>
+              <a:rPr lang="zh-CN" altLang="en-US" dirty="0" smtClean="0"/>
+              <a:t>提供可选的</a:t>
+            </a:r>
+            <a:r>
+              <a:rPr lang="en-US" altLang="zh-CN" dirty="0" smtClean="0"/>
+              <a:t>starter</a:t>
+            </a:r>
+            <a:r>
+              <a:rPr lang="zh-CN" altLang="en-US" dirty="0" smtClean="0"/>
+              <a:t>依赖以简化构建的配置</a:t>
+            </a:r>
+            <a:endParaRPr lang="en-US" altLang="zh-CN" dirty="0" smtClean="0"/>
+          </a:p>
+          <a:p>
+            <a:r>
+              <a:rPr lang="zh-CN" altLang="en-US" dirty="0" smtClean="0"/>
+              <a:t>自动配置</a:t>
+            </a:r>
+            <a:r>
+              <a:rPr lang="en-US" altLang="zh-CN" dirty="0" smtClean="0"/>
+              <a:t>Spring</a:t>
+            </a:r>
+            <a:r>
+              <a:rPr lang="zh-CN" altLang="en-US" dirty="0" smtClean="0"/>
+              <a:t>和第三方库</a:t>
+            </a:r>
+            <a:endParaRPr lang="en-US" altLang="zh-CN" dirty="0" smtClean="0"/>
+          </a:p>
+          <a:p>
+            <a:r>
+              <a:rPr lang="zh-CN" altLang="en-US" dirty="0" smtClean="0"/>
+              <a:t>准生产环境相关功能，例如指标，健康检查和外部配置</a:t>
+            </a:r>
+            <a:endParaRPr lang="en-US" altLang="zh-CN" dirty="0" smtClean="0"/>
+          </a:p>
+          <a:p>
+            <a:r>
+              <a:rPr lang="zh-CN" altLang="en-US" dirty="0" smtClean="0"/>
+              <a:t>没有代码生成，不需要</a:t>
+            </a:r>
+            <a:r>
+              <a:rPr lang="en-US" altLang="zh-CN" dirty="0" smtClean="0"/>
+              <a:t>XML</a:t>
+            </a:r>
+            <a:r>
+              <a:rPr lang="zh-CN" altLang="en-US" dirty="0" smtClean="0"/>
+              <a:t>配置</a:t>
+            </a:r>
+            <a:endParaRPr lang="en-US" altLang="zh-CN" dirty="0" smtClean="0"/>
+          </a:p>
+          <a:p>
+            <a:endParaRPr lang="en-US" dirty="0"/>
+          </a:p>
+        </p:txBody>
+      </p:sp>
+    </p:spTree>
+    <p:extLst>
+      <p:ext uri="{BB962C8B-B14F-4D97-AF65-F5344CB8AC3E}">
+        <p14:creationId xmlns:p14="http://schemas.microsoft.com/office/powerpoint/2010/main" val="972403033"/>
+      </p:ext>
+    </p:extLst>
+  </p:cSld>
+  <p:clrMapOvr>
+    <a:masterClrMapping/>
+  </p:clrMapOvr>
+  <p:timing>
+    <p:tnLst>
+      <p:par>
+        <p:cTn id="1" dur="indefinite" restart="never" nodeType="tmRoot"/>
+      </p:par>
+    </p:tnLst>
+  </p:timing>
+</p:sld>
+</file>
+
+<file path=ppt/slides/slide20.xml><?xml version="1.0" encoding="utf-8"?>
 <p:sld xmlns:a="http://schemas.openxmlformats.org/drawingml/2006/main" xmlns:r="http://schemas.openxmlformats.org/officeDocument/2006/relationships" xmlns:p="http://schemas.openxmlformats.org/presentationml/2006/main">
   <p:cSld>
     <p:spTree>
@@ -4535,7 +5179,7 @@
 </p:sld>
 </file>
 
-<file path=ppt/slides/slide19.xml><?xml version="1.0" encoding="utf-8"?>
+<file path=ppt/slides/slide21.xml><?xml version="1.0" encoding="utf-8"?>
 <p:sld xmlns:a="http://schemas.openxmlformats.org/drawingml/2006/main" xmlns:r="http://schemas.openxmlformats.org/officeDocument/2006/relationships" xmlns:p="http://schemas.openxmlformats.org/presentationml/2006/main">
   <p:cSld>
     <p:spTree>
@@ -4635,196 +5279,7 @@
 </p:sld>
 </file>
 
-<file path=ppt/slides/slide2.xml><?xml version="1.0" encoding="utf-8"?>
-<p:sld xmlns:a="http://schemas.openxmlformats.org/drawingml/2006/main" xmlns:r="http://schemas.openxmlformats.org/officeDocument/2006/relationships" xmlns:p="http://schemas.openxmlformats.org/presentationml/2006/main">
-  <p:cSld>
-    <p:spTree>
-      <p:nvGrpSpPr>
-        <p:cNvPr id="1" name=""/>
-        <p:cNvGrpSpPr/>
-        <p:nvPr/>
-      </p:nvGrpSpPr>
-      <p:grpSpPr>
-        <a:xfrm>
-          <a:off x="0" y="0"/>
-          <a:ext cx="0" cy="0"/>
-          <a:chOff x="0" y="0"/>
-          <a:chExt cx="0" cy="0"/>
-        </a:xfrm>
-      </p:grpSpPr>
-      <p:sp>
-        <p:nvSpPr>
-          <p:cNvPr id="2" name="Title 1"/>
-          <p:cNvSpPr>
-            <a:spLocks noGrp="1"/>
-          </p:cNvSpPr>
-          <p:nvPr>
-            <p:ph type="title"/>
-          </p:nvPr>
-        </p:nvSpPr>
-        <p:spPr/>
-        <p:txBody>
-          <a:bodyPr/>
-          <a:lstStyle/>
-          <a:p>
-            <a:r>
-              <a:rPr lang="zh-CN" altLang="en-US" dirty="0" smtClean="0"/>
-              <a:t>为什么选择</a:t>
-            </a:r>
-            <a:r>
-              <a:rPr lang="en-US" altLang="zh-CN" dirty="0" err="1" smtClean="0"/>
-              <a:t>SpringBoot</a:t>
-            </a:r>
-            <a:endParaRPr lang="en-US" dirty="0"/>
-          </a:p>
-        </p:txBody>
-      </p:sp>
-      <p:sp>
-        <p:nvSpPr>
-          <p:cNvPr id="3" name="Content Placeholder 2"/>
-          <p:cNvSpPr>
-            <a:spLocks noGrp="1"/>
-          </p:cNvSpPr>
-          <p:nvPr>
-            <p:ph idx="1"/>
-          </p:nvPr>
-        </p:nvSpPr>
-        <p:spPr/>
-        <p:txBody>
-          <a:bodyPr/>
-          <a:lstStyle/>
-          <a:p>
-            <a:r>
-              <a:rPr lang="zh-CN" altLang="en-US" dirty="0" smtClean="0"/>
-              <a:t>创建独立的</a:t>
-            </a:r>
-            <a:r>
-              <a:rPr lang="en-US" altLang="zh-CN" dirty="0" smtClean="0"/>
-              <a:t>Spring</a:t>
-            </a:r>
-            <a:r>
-              <a:rPr lang="zh-CN" altLang="en-US" dirty="0" smtClean="0"/>
-              <a:t>应用程序</a:t>
-            </a:r>
-            <a:endParaRPr lang="en-US" altLang="zh-CN" dirty="0" smtClean="0"/>
-          </a:p>
-          <a:p>
-            <a:r>
-              <a:rPr lang="zh-CN" altLang="en-US" dirty="0" smtClean="0"/>
-              <a:t>嵌入独立的</a:t>
-            </a:r>
-            <a:r>
-              <a:rPr lang="en-US" altLang="zh-CN" dirty="0" smtClean="0"/>
-              <a:t>Tomcat</a:t>
-            </a:r>
-            <a:r>
-              <a:rPr lang="zh-CN" altLang="en-US" dirty="0" smtClean="0"/>
-              <a:t>、</a:t>
-            </a:r>
-            <a:r>
-              <a:rPr lang="en-US" altLang="zh-CN" dirty="0" smtClean="0"/>
-              <a:t>Jetty</a:t>
-            </a:r>
-            <a:r>
-              <a:rPr lang="zh-CN" altLang="en-US" dirty="0" smtClean="0"/>
-              <a:t>或者</a:t>
-            </a:r>
-            <a:r>
-              <a:rPr lang="en-US" altLang="zh-CN" dirty="0" smtClean="0"/>
-              <a:t>Undertow</a:t>
-            </a:r>
-            <a:r>
-              <a:rPr lang="zh-CN" altLang="en-US" dirty="0" smtClean="0"/>
-              <a:t>（不需要部署</a:t>
-            </a:r>
-            <a:r>
-              <a:rPr lang="en-US" altLang="zh-CN" dirty="0" smtClean="0"/>
-              <a:t>WAR</a:t>
-            </a:r>
-            <a:r>
-              <a:rPr lang="zh-CN" altLang="en-US" dirty="0" smtClean="0"/>
-              <a:t>文件）</a:t>
-            </a:r>
-            <a:endParaRPr lang="en-US" altLang="zh-CN" dirty="0" smtClean="0"/>
-          </a:p>
-          <a:p>
-            <a:r>
-              <a:rPr lang="zh-CN" altLang="en-US" dirty="0" smtClean="0"/>
-              <a:t>提供可选的</a:t>
-            </a:r>
-            <a:r>
-              <a:rPr lang="en-US" altLang="zh-CN" dirty="0" smtClean="0"/>
-              <a:t>starter</a:t>
-            </a:r>
-            <a:r>
-              <a:rPr lang="zh-CN" altLang="en-US" dirty="0" smtClean="0"/>
-              <a:t>依赖以简化构建的配置</a:t>
-            </a:r>
-            <a:endParaRPr lang="en-US" altLang="zh-CN" dirty="0" smtClean="0"/>
-          </a:p>
-          <a:p>
-            <a:r>
-              <a:rPr lang="zh-CN" altLang="en-US" dirty="0" smtClean="0"/>
-              <a:t>自动配置</a:t>
-            </a:r>
-            <a:r>
-              <a:rPr lang="en-US" altLang="zh-CN" dirty="0" smtClean="0"/>
-              <a:t>Spring</a:t>
-            </a:r>
-            <a:r>
-              <a:rPr lang="zh-CN" altLang="en-US" dirty="0" smtClean="0"/>
-              <a:t>和第三方库</a:t>
-            </a:r>
-            <a:endParaRPr lang="en-US" altLang="zh-CN" dirty="0" smtClean="0"/>
-          </a:p>
-          <a:p>
-            <a:r>
-              <a:rPr lang="zh-CN" altLang="en-US" dirty="0" smtClean="0"/>
-              <a:t>准生产环境相关功能，例如指标，健康检查和外部配置</a:t>
-            </a:r>
-            <a:endParaRPr lang="en-US" altLang="zh-CN" dirty="0" smtClean="0"/>
-          </a:p>
-          <a:p>
-            <a:r>
-              <a:rPr lang="zh-CN" altLang="en-US" dirty="0" smtClean="0"/>
-              <a:t>没有代码生成，不需要</a:t>
-            </a:r>
-            <a:r>
-              <a:rPr lang="en-US" altLang="zh-CN" dirty="0" smtClean="0"/>
-              <a:t>XML</a:t>
-            </a:r>
-            <a:r>
-              <a:rPr lang="zh-CN" altLang="en-US" dirty="0" smtClean="0"/>
-              <a:t>配置</a:t>
-            </a:r>
-            <a:endParaRPr lang="en-US" altLang="zh-CN" dirty="0" smtClean="0"/>
-          </a:p>
-          <a:p>
-            <a:endParaRPr lang="en-US" dirty="0"/>
-          </a:p>
-        </p:txBody>
-      </p:sp>
-    </p:spTree>
-    <p:extLst>
-      <p:ext uri="{BB962C8B-B14F-4D97-AF65-F5344CB8AC3E}">
-        <p14:creationId xmlns:p14="http://schemas.microsoft.com/office/powerpoint/2010/main" val="972403033"/>
-      </p:ext>
-    </p:extLst>
-  </p:cSld>
-  <p:clrMapOvr>
-    <a:masterClrMapping/>
-  </p:clrMapOvr>
-  <p:timing>
-    <p:tnLst>
-      <p:par>
-        <p:cTn id="1" dur="indefinite" restart="never" nodeType="tmRoot"/>
-      </p:par>
-    </p:tnLst>
-  </p:timing>
-</p:sld>
-</file>
-
-<file path=ppt/slides/slide20.xml><?xml version="1.0" encoding="utf-8"?>
+<file path=ppt/slides/slide22.xml><?xml version="1.0" encoding="utf-8"?>
 <p:sld xmlns:a="http://schemas.openxmlformats.org/drawingml/2006/main" xmlns:r="http://schemas.openxmlformats.org/officeDocument/2006/relationships" xmlns:p="http://schemas.openxmlformats.org/presentationml/2006/main">
   <p:cSld>
     <p:spTree>
@@ -4924,7 +5379,7 @@
 </p:sld>
 </file>
 
-<file path=ppt/slides/slide21.xml><?xml version="1.0" encoding="utf-8"?>
+<file path=ppt/slides/slide23.xml><?xml version="1.0" encoding="utf-8"?>
 <p:sld xmlns:a="http://schemas.openxmlformats.org/drawingml/2006/main" xmlns:r="http://schemas.openxmlformats.org/officeDocument/2006/relationships" xmlns:p="http://schemas.openxmlformats.org/presentationml/2006/main">
   <p:cSld>
     <p:spTree>
@@ -5024,7 +5479,7 @@
 </p:sld>
 </file>
 
-<file path=ppt/slides/slide22.xml><?xml version="1.0" encoding="utf-8"?>
+<file path=ppt/slides/slide24.xml><?xml version="1.0" encoding="utf-8"?>
 <p:sld xmlns:a="http://schemas.openxmlformats.org/drawingml/2006/main" xmlns:r="http://schemas.openxmlformats.org/officeDocument/2006/relationships" xmlns:p="http://schemas.openxmlformats.org/presentationml/2006/main">
   <p:cSld>
     <p:spTree>
@@ -5230,7 +5685,7 @@
 </p:sld>
 </file>
 
-<file path=ppt/slides/slide23.xml><?xml version="1.0" encoding="utf-8"?>
+<file path=ppt/slides/slide25.xml><?xml version="1.0" encoding="utf-8"?>
 <p:sld xmlns:a="http://schemas.openxmlformats.org/drawingml/2006/main" xmlns:r="http://schemas.openxmlformats.org/officeDocument/2006/relationships" xmlns:p="http://schemas.openxmlformats.org/presentationml/2006/main">
   <p:cSld>
     <p:spTree>
@@ -5315,7 +5770,38 @@
               <a:rPr lang="en-US" dirty="0" smtClean="0">
                 <a:hlinkClick r:id="rId2"/>
               </a:rPr>
-              <a:t>http://localhost:9527/sayHello</a:t>
+              <a:t>http://</a:t>
+            </a:r>
+            <a:r>
+              <a:rPr lang="en-US" dirty="0" smtClean="0">
+                <a:hlinkClick r:id="rId2"/>
+              </a:rPr>
+              <a:t>localhost:9527/sayHello</a:t>
+            </a:r>
+            <a:endParaRPr lang="en-US" dirty="0" smtClean="0"/>
+          </a:p>
+          <a:p>
+            <a:endParaRPr lang="en-US" dirty="0"/>
+          </a:p>
+          <a:p>
+            <a:r>
+              <a:rPr lang="en-US" altLang="zh-CN" dirty="0" err="1" smtClean="0"/>
+              <a:t>application.properties</a:t>
+            </a:r>
+            <a:r>
+              <a:rPr lang="zh-CN" altLang="en-US" dirty="0" smtClean="0"/>
+              <a:t>中添加</a:t>
+            </a:r>
+            <a:endParaRPr lang="en-US" altLang="zh-CN" dirty="0" smtClean="0"/>
+          </a:p>
+          <a:p>
+            <a:r>
+              <a:rPr lang="en-US" altLang="zh-CN" dirty="0" smtClean="0"/>
+              <a:t>debug=true</a:t>
+            </a:r>
+            <a:r>
+              <a:rPr lang="zh-CN" altLang="en-US" dirty="0" smtClean="0"/>
+              <a:t>可以查看自动配置的报告</a:t>
             </a:r>
             <a:endParaRPr lang="en-US" dirty="0"/>
           </a:p>
@@ -5796,10 +6282,6 @@
               <a:rPr lang="en-US" altLang="zh-CN" dirty="0" err="1" smtClean="0"/>
               <a:t>Git</a:t>
             </a:r>
-            <a:r>
-              <a:rPr lang="zh-CN" altLang="en-US" dirty="0" smtClean="0"/>
-              <a:t>练习</a:t>
-            </a:r>
             <a:endParaRPr lang="en-US" dirty="0"/>
           </a:p>
         </p:txBody>
@@ -5820,163 +6302,71 @@
           <a:lstStyle/>
           <a:p>
             <a:r>
-              <a:rPr lang="zh-CN" altLang="en-US" dirty="0" smtClean="0"/>
-              <a:t>创建自己的</a:t>
-            </a:r>
-            <a:r>
-              <a:rPr lang="en-US" altLang="zh-CN" dirty="0" err="1" smtClean="0"/>
-              <a:t>github</a:t>
-            </a:r>
-            <a:r>
-              <a:rPr lang="zh-CN" altLang="en-US" dirty="0" smtClean="0"/>
-              <a:t>账户</a:t>
-            </a:r>
-            <a:endParaRPr lang="en-US" altLang="zh-CN" dirty="0" smtClean="0"/>
-          </a:p>
-          <a:p>
-            <a:r>
-              <a:rPr lang="zh-CN" altLang="en-US" dirty="0" smtClean="0"/>
-              <a:t>创建一个</a:t>
-            </a:r>
-            <a:r>
-              <a:rPr lang="en-US" altLang="zh-CN" dirty="0" smtClean="0"/>
+              <a:rPr lang="en-US" altLang="zh-CN" dirty="0" err="1"/>
+              <a:t>Git</a:t>
+            </a:r>
+            <a:r>
+              <a:rPr lang="zh-CN" altLang="en-US" dirty="0"/>
+              <a:t>是目前世界上最先进的分布式版本控制系统（没有之一）。</a:t>
+            </a:r>
+            <a:endParaRPr lang="en-US" dirty="0" smtClean="0">
+              <a:hlinkClick r:id="rId2"/>
+            </a:endParaRPr>
+          </a:p>
+          <a:p>
+            <a:r>
+              <a:rPr lang="zh-CN" altLang="en-US" dirty="0"/>
+              <a:t>什么是版本库呢？版本库又名仓库，英文名</a:t>
+            </a:r>
+            <a:r>
+              <a:rPr lang="en-US" altLang="zh-CN" b="1" dirty="0"/>
               <a:t>repository</a:t>
             </a:r>
             <a:r>
-              <a:rPr lang="zh-CN" altLang="en-US" dirty="0" smtClean="0"/>
-              <a:t>，名称为</a:t>
-            </a:r>
-            <a:r>
-              <a:rPr lang="en-US" altLang="zh-CN" dirty="0" err="1" smtClean="0"/>
-              <a:t>springboot</a:t>
-            </a:r>
-            <a:r>
-              <a:rPr lang="en-US" altLang="zh-CN" dirty="0" smtClean="0"/>
-              <a:t>-study</a:t>
-            </a:r>
-          </a:p>
-          <a:p>
-            <a:r>
-              <a:rPr lang="zh-CN" altLang="en-US" dirty="0" smtClean="0"/>
-              <a:t>将自己的</a:t>
-            </a:r>
-            <a:r>
-              <a:rPr lang="en-US" altLang="zh-CN" dirty="0" err="1" smtClean="0"/>
-              <a:t>springboot</a:t>
-            </a:r>
-            <a:r>
-              <a:rPr lang="en-US" altLang="zh-CN" dirty="0" smtClean="0"/>
-              <a:t>-demo</a:t>
-            </a:r>
-            <a:r>
-              <a:rPr lang="zh-CN" altLang="en-US" dirty="0" smtClean="0"/>
-              <a:t>代码，上传至</a:t>
-            </a:r>
-            <a:r>
-              <a:rPr lang="en-US" altLang="zh-CN" dirty="0" err="1" smtClean="0"/>
-              <a:t>github</a:t>
-            </a:r>
-            <a:endParaRPr lang="en-US" altLang="zh-CN" dirty="0" smtClean="0"/>
-          </a:p>
-          <a:p>
-            <a:endParaRPr lang="en-US" dirty="0"/>
-          </a:p>
-          <a:p>
-            <a:r>
-              <a:rPr lang="zh-CN" altLang="en-US" dirty="0" smtClean="0"/>
-              <a:t>选做：</a:t>
-            </a:r>
-            <a:endParaRPr lang="en-US" altLang="zh-CN" dirty="0" smtClean="0"/>
-          </a:p>
-          <a:p>
-            <a:pPr lvl="1"/>
-            <a:r>
-              <a:rPr lang="en-US" altLang="zh-CN" dirty="0" smtClean="0"/>
-              <a:t>fork:</a:t>
-            </a:r>
-            <a:r>
-              <a:rPr lang="zh-CN" altLang="en-US" dirty="0" smtClean="0"/>
-              <a:t> </a:t>
+              <a:rPr lang="zh-CN" altLang="en-US" dirty="0"/>
+              <a:t>，你可以简单理解成一个目录，这个目录里面的所有文件都可以被</a:t>
+            </a:r>
+            <a:r>
+              <a:rPr lang="en-US" altLang="zh-CN" dirty="0" err="1"/>
+              <a:t>Git</a:t>
+            </a:r>
+            <a:r>
+              <a:rPr lang="zh-CN" altLang="en-US" dirty="0"/>
+              <a:t>管理起来，每个文件的修改、删除，</a:t>
+            </a:r>
+            <a:r>
+              <a:rPr lang="en-US" altLang="zh-CN" dirty="0" err="1"/>
+              <a:t>Git</a:t>
+            </a:r>
+            <a:r>
+              <a:rPr lang="zh-CN" altLang="en-US" dirty="0"/>
+              <a:t>都能跟踪，以便任何时刻都可以追踪历史，或者在将来某个时刻可以“还原”。</a:t>
+            </a:r>
+            <a:endParaRPr lang="en-US" dirty="0">
+              <a:hlinkClick r:id="rId2"/>
+            </a:endParaRPr>
+          </a:p>
+          <a:p>
+            <a:r>
+              <a:rPr lang="en-US" dirty="0" smtClean="0">
+                <a:hlinkClick r:id="rId2"/>
+              </a:rPr>
+              <a:t>http</a:t>
             </a:r>
             <a:r>
               <a:rPr lang="en-US" dirty="0">
                 <a:hlinkClick r:id="rId2"/>
               </a:rPr>
-              <a:t>https://</a:t>
-            </a:r>
-            <a:r>
-              <a:rPr lang="en-US" dirty="0" smtClean="0">
-                <a:hlinkClick r:id="rId2"/>
-              </a:rPr>
-              <a:t>github.com/liushuang/springboot-study</a:t>
-            </a:r>
-            <a:endParaRPr lang="en-US" dirty="0" smtClean="0"/>
-          </a:p>
-          <a:p>
-            <a:pPr lvl="1"/>
-            <a:r>
-              <a:rPr lang="zh-CN" altLang="en-US" dirty="0" smtClean="0"/>
-              <a:t>修改</a:t>
-            </a:r>
-            <a:r>
-              <a:rPr lang="en-US" altLang="zh-CN" dirty="0" err="1" smtClean="0"/>
-              <a:t>README.md</a:t>
-            </a:r>
-            <a:r>
-              <a:rPr lang="zh-CN" altLang="en-US" dirty="0" smtClean="0"/>
-              <a:t>，增加自己的</a:t>
-            </a:r>
-            <a:r>
-              <a:rPr lang="en-US" altLang="zh-CN" dirty="0" err="1" smtClean="0"/>
-              <a:t>github</a:t>
-            </a:r>
-            <a:r>
-              <a:rPr lang="zh-CN" altLang="en-US" dirty="0" smtClean="0"/>
-              <a:t>地址</a:t>
-            </a:r>
-            <a:endParaRPr lang="en-US" altLang="zh-CN" dirty="0" smtClean="0"/>
-          </a:p>
-          <a:p>
-            <a:pPr lvl="1"/>
-            <a:r>
-              <a:rPr lang="zh-CN" altLang="en-US" dirty="0" smtClean="0"/>
-              <a:t>提交</a:t>
-            </a:r>
-            <a:r>
-              <a:rPr lang="en-US" altLang="zh-CN" dirty="0" smtClean="0"/>
-              <a:t>Pull</a:t>
-            </a:r>
-            <a:r>
-              <a:rPr lang="zh-CN" altLang="en-US" dirty="0" smtClean="0"/>
-              <a:t> </a:t>
-            </a:r>
-            <a:r>
-              <a:rPr lang="en-US" altLang="zh-CN" dirty="0" smtClean="0"/>
-              <a:t>Request</a:t>
-            </a:r>
-          </a:p>
-          <a:p>
-            <a:pPr lvl="1"/>
-            <a:r>
-              <a:rPr lang="en-US" altLang="zh-CN" dirty="0" smtClean="0"/>
-              <a:t>issues</a:t>
-            </a:r>
-            <a:r>
-              <a:rPr lang="zh-CN" altLang="en-US" dirty="0" smtClean="0"/>
-              <a:t>可以自由讨论</a:t>
-            </a:r>
-            <a:endParaRPr lang="en-US" altLang="zh-CN" dirty="0" smtClean="0"/>
-          </a:p>
-          <a:p>
-            <a:pPr lvl="1"/>
-            <a:endParaRPr lang="en-US" altLang="zh-CN" dirty="0" smtClean="0"/>
+              <a:t>://www.runoob.com/manual/git-guide/</a:t>
+            </a:r>
+            <a:endParaRPr lang="en-US" dirty="0"/>
           </a:p>
         </p:txBody>
       </p:sp>
     </p:spTree>
     <p:extLst>
       <p:ext uri="{BB962C8B-B14F-4D97-AF65-F5344CB8AC3E}">
-        <p14:creationId xmlns:p14="http://schemas.microsoft.com/office/powerpoint/2010/main" val="1126845785"/>
+        <p14:creationId xmlns:p14="http://schemas.microsoft.com/office/powerpoint/2010/main" val="1294736739"/>
       </p:ext>
     </p:extLst>
   </p:cSld>
@@ -6019,12 +6409,12 @@
           <a:lstStyle/>
           <a:p>
             <a:r>
-              <a:rPr lang="zh-CN" altLang="en-US" dirty="0" smtClean="0"/>
-              <a:t>自定义</a:t>
-            </a:r>
-            <a:r>
-              <a:rPr lang="en-US" altLang="zh-CN" dirty="0" smtClean="0"/>
-              <a:t>banner</a:t>
+              <a:rPr lang="en-US" altLang="zh-CN" dirty="0" err="1" smtClean="0"/>
+              <a:t>Git</a:t>
+            </a:r>
+            <a:r>
+              <a:rPr lang="zh-CN" altLang="en-US" dirty="0" smtClean="0"/>
+              <a:t>练习</a:t>
             </a:r>
             <a:endParaRPr lang="en-US" dirty="0"/>
           </a:p>
@@ -6047,45 +6437,162 @@
           <a:p>
             <a:r>
               <a:rPr lang="zh-CN" altLang="en-US" dirty="0" smtClean="0"/>
+              <a:t>创建自己的</a:t>
+            </a:r>
+            <a:r>
+              <a:rPr lang="en-US" altLang="zh-CN" dirty="0" err="1" smtClean="0"/>
+              <a:t>github</a:t>
+            </a:r>
+            <a:r>
+              <a:rPr lang="zh-CN" altLang="en-US" dirty="0" smtClean="0"/>
+              <a:t>账户</a:t>
+            </a:r>
+            <a:endParaRPr lang="en-US" altLang="zh-CN" dirty="0" smtClean="0"/>
+          </a:p>
+          <a:p>
+            <a:r>
+              <a:rPr lang="zh-CN" altLang="en-US" dirty="0" smtClean="0"/>
+              <a:t>创建一个</a:t>
+            </a:r>
+            <a:r>
+              <a:rPr lang="en-US" altLang="zh-CN" dirty="0" smtClean="0"/>
+              <a:t>repository</a:t>
+            </a:r>
+            <a:r>
+              <a:rPr lang="zh-CN" altLang="en-US" dirty="0" smtClean="0"/>
+              <a:t>，名称为</a:t>
+            </a:r>
+            <a:r>
+              <a:rPr lang="en-US" altLang="zh-CN" dirty="0" err="1" smtClean="0"/>
+              <a:t>springboot</a:t>
+            </a:r>
+            <a:r>
+              <a:rPr lang="en-US" altLang="zh-CN" dirty="0" smtClean="0"/>
+              <a:t>-study</a:t>
+            </a:r>
+          </a:p>
+          <a:p>
+            <a:r>
+              <a:rPr lang="zh-CN" altLang="en-US" dirty="0" smtClean="0"/>
+              <a:t>将自己的</a:t>
+            </a:r>
+            <a:r>
+              <a:rPr lang="en-US" altLang="zh-CN" dirty="0" err="1" smtClean="0"/>
+              <a:t>springboot</a:t>
+            </a:r>
+            <a:r>
+              <a:rPr lang="en-US" altLang="zh-CN" dirty="0" smtClean="0"/>
+              <a:t>-demo</a:t>
+            </a:r>
+            <a:r>
+              <a:rPr lang="zh-CN" altLang="en-US" dirty="0" smtClean="0"/>
+              <a:t>代码，上传至</a:t>
+            </a:r>
+            <a:r>
+              <a:rPr lang="en-US" altLang="zh-CN" dirty="0" err="1" smtClean="0"/>
+              <a:t>github</a:t>
+            </a:r>
+            <a:endParaRPr lang="en-US" altLang="zh-CN" dirty="0" smtClean="0"/>
+          </a:p>
+          <a:p>
+            <a:endParaRPr lang="en-US" dirty="0"/>
+          </a:p>
+          <a:p>
+            <a:r>
+              <a:rPr lang="zh-CN" altLang="en-US" dirty="0" smtClean="0"/>
+              <a:t>选做：</a:t>
+            </a:r>
+            <a:endParaRPr lang="en-US" altLang="zh-CN" dirty="0" smtClean="0"/>
+          </a:p>
+          <a:p>
+            <a:pPr lvl="1"/>
+            <a:r>
+              <a:rPr lang="en-US" altLang="zh-CN" dirty="0" smtClean="0"/>
+              <a:t>fork:</a:t>
+            </a:r>
+            <a:r>
+              <a:rPr lang="zh-CN" altLang="en-US" dirty="0" smtClean="0"/>
               <a:t> </a:t>
             </a:r>
             <a:r>
-              <a:rPr lang="en-US" altLang="zh-CN" dirty="0" err="1" smtClean="0"/>
-              <a:t>src</a:t>
-            </a:r>
-            <a:r>
-              <a:rPr lang="en-US" altLang="zh-CN" dirty="0" smtClean="0"/>
-              <a:t>/main/resource</a:t>
-            </a:r>
-            <a:r>
-              <a:rPr lang="zh-CN" altLang="en-US" dirty="0" smtClean="0"/>
-              <a:t> 目录</a:t>
-            </a:r>
-            <a:r>
-              <a:rPr lang="zh-CN" altLang="en-US" dirty="0" smtClean="0"/>
-              <a:t>下 新增</a:t>
-            </a:r>
-            <a:r>
-              <a:rPr lang="en-US" altLang="zh-CN" dirty="0" err="1" smtClean="0"/>
-              <a:t>banner.txt</a:t>
-            </a:r>
-            <a:endParaRPr lang="en-US" altLang="zh-CN" dirty="0" smtClean="0"/>
-          </a:p>
-          <a:p>
+              <a:rPr lang="en-US" dirty="0">
+                <a:hlinkClick r:id="rId2"/>
+              </a:rPr>
+              <a:t>https://</a:t>
+            </a:r>
             <a:r>
               <a:rPr lang="en-US" dirty="0" smtClean="0">
                 <a:hlinkClick r:id="rId2"/>
               </a:rPr>
-              <a:t>http://patorjk.com/software/taag/#p=display&amp;f=Electronic</a:t>
-            </a:r>
-            <a:endParaRPr lang="en-US" dirty="0"/>
+              <a:t>github.com/liushuang/springboot-study</a:t>
+            </a:r>
+            <a:endParaRPr lang="en-US" dirty="0" smtClean="0"/>
+          </a:p>
+          <a:p>
+            <a:pPr lvl="1"/>
+            <a:r>
+              <a:rPr lang="zh-CN" altLang="en-US" dirty="0" smtClean="0"/>
+              <a:t>修改</a:t>
+            </a:r>
+            <a:r>
+              <a:rPr lang="en-US" altLang="zh-CN" dirty="0" err="1" smtClean="0"/>
+              <a:t>README.md</a:t>
+            </a:r>
+            <a:r>
+              <a:rPr lang="zh-CN" altLang="en-US" dirty="0" smtClean="0"/>
+              <a:t>，增加自己的</a:t>
+            </a:r>
+            <a:r>
+              <a:rPr lang="en-US" altLang="zh-CN" dirty="0" err="1" smtClean="0"/>
+              <a:t>github</a:t>
+            </a:r>
+            <a:r>
+              <a:rPr lang="zh-CN" altLang="en-US" dirty="0" smtClean="0"/>
+              <a:t>地址</a:t>
+            </a:r>
+            <a:endParaRPr lang="en-US" altLang="zh-CN" dirty="0" smtClean="0"/>
+          </a:p>
+          <a:p>
+            <a:pPr lvl="1"/>
+            <a:r>
+              <a:rPr lang="zh-CN" altLang="en-US" dirty="0" smtClean="0"/>
+              <a:t>提交</a:t>
+            </a:r>
+            <a:r>
+              <a:rPr lang="en-US" altLang="zh-CN" dirty="0" smtClean="0"/>
+              <a:t>Pull</a:t>
+            </a:r>
+            <a:r>
+              <a:rPr lang="zh-CN" altLang="en-US" dirty="0" smtClean="0"/>
+              <a:t> </a:t>
+            </a:r>
+            <a:r>
+              <a:rPr lang="en-US" altLang="zh-CN" dirty="0" smtClean="0"/>
+              <a:t>Request</a:t>
+            </a:r>
+          </a:p>
+          <a:p>
+            <a:pPr lvl="1"/>
+            <a:r>
+              <a:rPr lang="en-US" altLang="zh-CN" dirty="0" smtClean="0"/>
+              <a:t>issues</a:t>
+            </a:r>
+            <a:r>
+              <a:rPr lang="zh-CN" altLang="en-US" dirty="0" smtClean="0"/>
+              <a:t>可以自由讨论</a:t>
+            </a:r>
+            <a:endParaRPr lang="en-US" altLang="zh-CN" dirty="0" smtClean="0"/>
+          </a:p>
+          <a:p>
+            <a:pPr lvl="1"/>
+            <a:endParaRPr lang="en-US" altLang="zh-CN" dirty="0" smtClean="0"/>
           </a:p>
         </p:txBody>
       </p:sp>
     </p:spTree>
     <p:extLst>
       <p:ext uri="{BB962C8B-B14F-4D97-AF65-F5344CB8AC3E}">
-        <p14:creationId xmlns:p14="http://schemas.microsoft.com/office/powerpoint/2010/main" val="262044184"/>
+        <p14:creationId xmlns:p14="http://schemas.microsoft.com/office/powerpoint/2010/main" val="1126845785"/>
       </p:ext>
     </p:extLst>
   </p:cSld>
@@ -6129,6 +6636,115 @@
           <a:p>
             <a:r>
               <a:rPr lang="zh-CN" altLang="en-US" dirty="0" smtClean="0"/>
+              <a:t>自定义</a:t>
+            </a:r>
+            <a:r>
+              <a:rPr lang="en-US" altLang="zh-CN" dirty="0" smtClean="0"/>
+              <a:t>banner</a:t>
+            </a:r>
+            <a:endParaRPr lang="en-US" dirty="0"/>
+          </a:p>
+        </p:txBody>
+      </p:sp>
+      <p:sp>
+        <p:nvSpPr>
+          <p:cNvPr id="3" name="Content Placeholder 2"/>
+          <p:cNvSpPr>
+            <a:spLocks noGrp="1"/>
+          </p:cNvSpPr>
+          <p:nvPr>
+            <p:ph idx="1"/>
+          </p:nvPr>
+        </p:nvSpPr>
+        <p:spPr/>
+        <p:txBody>
+          <a:bodyPr/>
+          <a:lstStyle/>
+          <a:p>
+            <a:r>
+              <a:rPr lang="zh-CN" altLang="en-US" dirty="0" smtClean="0"/>
+              <a:t> </a:t>
+            </a:r>
+            <a:r>
+              <a:rPr lang="en-US" altLang="zh-CN" dirty="0" err="1" smtClean="0"/>
+              <a:t>src</a:t>
+            </a:r>
+            <a:r>
+              <a:rPr lang="en-US" altLang="zh-CN" dirty="0" smtClean="0"/>
+              <a:t>/main/resource</a:t>
+            </a:r>
+            <a:r>
+              <a:rPr lang="zh-CN" altLang="en-US" dirty="0" smtClean="0"/>
+              <a:t> 目录</a:t>
+            </a:r>
+            <a:r>
+              <a:rPr lang="zh-CN" altLang="en-US" dirty="0" smtClean="0"/>
+              <a:t>下 新增</a:t>
+            </a:r>
+            <a:r>
+              <a:rPr lang="en-US" altLang="zh-CN" dirty="0" err="1" smtClean="0"/>
+              <a:t>banner.txt</a:t>
+            </a:r>
+            <a:endParaRPr lang="en-US" altLang="zh-CN" dirty="0" smtClean="0"/>
+          </a:p>
+          <a:p>
+            <a:r>
+              <a:rPr lang="en-US" dirty="0" smtClean="0">
+                <a:hlinkClick r:id="rId2"/>
+              </a:rPr>
+              <a:t>http://patorjk.com/software/taag/#p=display&amp;f=Electronic</a:t>
+            </a:r>
+            <a:endParaRPr lang="en-US" dirty="0"/>
+          </a:p>
+        </p:txBody>
+      </p:sp>
+    </p:spTree>
+    <p:extLst>
+      <p:ext uri="{BB962C8B-B14F-4D97-AF65-F5344CB8AC3E}">
+        <p14:creationId xmlns:p14="http://schemas.microsoft.com/office/powerpoint/2010/main" val="262044184"/>
+      </p:ext>
+    </p:extLst>
+  </p:cSld>
+  <p:clrMapOvr>
+    <a:masterClrMapping/>
+  </p:clrMapOvr>
+</p:sld>
+</file>
+
+<file path=ppt/slides/slide8.xml><?xml version="1.0" encoding="utf-8"?>
+<p:sld xmlns:a="http://schemas.openxmlformats.org/drawingml/2006/main" xmlns:r="http://schemas.openxmlformats.org/officeDocument/2006/relationships" xmlns:p="http://schemas.openxmlformats.org/presentationml/2006/main">
+  <p:cSld>
+    <p:spTree>
+      <p:nvGrpSpPr>
+        <p:cNvPr id="1" name=""/>
+        <p:cNvGrpSpPr/>
+        <p:nvPr/>
+      </p:nvGrpSpPr>
+      <p:grpSpPr>
+        <a:xfrm>
+          <a:off x="0" y="0"/>
+          <a:ext cx="0" cy="0"/>
+          <a:chOff x="0" y="0"/>
+          <a:chExt cx="0" cy="0"/>
+        </a:xfrm>
+      </p:grpSpPr>
+      <p:sp>
+        <p:nvSpPr>
+          <p:cNvPr id="2" name="Title 1"/>
+          <p:cNvSpPr>
+            <a:spLocks noGrp="1"/>
+          </p:cNvSpPr>
+          <p:nvPr>
+            <p:ph type="title"/>
+          </p:nvPr>
+        </p:nvSpPr>
+        <p:spPr/>
+        <p:txBody>
+          <a:bodyPr/>
+          <a:lstStyle/>
+          <a:p>
+            <a:r>
+              <a:rPr lang="zh-CN" altLang="en-US" dirty="0" smtClean="0"/>
               <a:t>配置文件</a:t>
             </a:r>
             <a:endParaRPr lang="en-US" dirty="0"/>
@@ -6233,7 +6849,7 @@
 </p:sld>
 </file>
 
-<file path=ppt/slides/slide8.xml><?xml version="1.0" encoding="utf-8"?>
+<file path=ppt/slides/slide9.xml><?xml version="1.0" encoding="utf-8"?>
 <p:sld xmlns:a="http://schemas.openxmlformats.org/drawingml/2006/main" xmlns:r="http://schemas.openxmlformats.org/officeDocument/2006/relationships" xmlns:p="http://schemas.openxmlformats.org/presentationml/2006/main">
   <p:cSld>
     <p:spTree>
@@ -6432,167 +7048,6 @@
     <p:extLst>
       <p:ext uri="{BB962C8B-B14F-4D97-AF65-F5344CB8AC3E}">
         <p14:creationId xmlns:p14="http://schemas.microsoft.com/office/powerpoint/2010/main" val="1126330362"/>
-      </p:ext>
-    </p:extLst>
-  </p:cSld>
-  <p:clrMapOvr>
-    <a:masterClrMapping/>
-  </p:clrMapOvr>
-</p:sld>
-</file>
-
-<file path=ppt/slides/slide9.xml><?xml version="1.0" encoding="utf-8"?>
-<p:sld xmlns:a="http://schemas.openxmlformats.org/drawingml/2006/main" xmlns:r="http://schemas.openxmlformats.org/officeDocument/2006/relationships" xmlns:p="http://schemas.openxmlformats.org/presentationml/2006/main">
-  <p:cSld>
-    <p:spTree>
-      <p:nvGrpSpPr>
-        <p:cNvPr id="1" name=""/>
-        <p:cNvGrpSpPr/>
-        <p:nvPr/>
-      </p:nvGrpSpPr>
-      <p:grpSpPr>
-        <a:xfrm>
-          <a:off x="0" y="0"/>
-          <a:ext cx="0" cy="0"/>
-          <a:chOff x="0" y="0"/>
-          <a:chExt cx="0" cy="0"/>
-        </a:xfrm>
-      </p:grpSpPr>
-      <p:sp>
-        <p:nvSpPr>
-          <p:cNvPr id="2" name="Title 1"/>
-          <p:cNvSpPr>
-            <a:spLocks noGrp="1"/>
-          </p:cNvSpPr>
-          <p:nvPr>
-            <p:ph type="title"/>
-          </p:nvPr>
-        </p:nvSpPr>
-        <p:spPr/>
-        <p:txBody>
-          <a:bodyPr/>
-          <a:lstStyle/>
-          <a:p>
-            <a:r>
-              <a:rPr lang="en-US" altLang="zh-CN" dirty="0" smtClean="0"/>
-              <a:t>Profile</a:t>
-            </a:r>
-            <a:r>
-              <a:rPr lang="zh-CN" altLang="en-US" dirty="0" smtClean="0"/>
-              <a:t>配置</a:t>
-            </a:r>
-            <a:endParaRPr lang="en-US" dirty="0"/>
-          </a:p>
-        </p:txBody>
-      </p:sp>
-      <p:sp>
-        <p:nvSpPr>
-          <p:cNvPr id="3" name="Content Placeholder 2"/>
-          <p:cNvSpPr>
-            <a:spLocks noGrp="1"/>
-          </p:cNvSpPr>
-          <p:nvPr>
-            <p:ph idx="1"/>
-          </p:nvPr>
-        </p:nvSpPr>
-        <p:spPr/>
-        <p:txBody>
-          <a:bodyPr/>
-          <a:lstStyle/>
-          <a:p>
-            <a:r>
-              <a:rPr lang="en-US" altLang="zh-CN" dirty="0" smtClean="0"/>
-              <a:t>Profile</a:t>
-            </a:r>
-            <a:r>
-              <a:rPr lang="zh-CN" altLang="en-US" dirty="0" smtClean="0"/>
-              <a:t>是</a:t>
-            </a:r>
-            <a:r>
-              <a:rPr lang="en-US" altLang="zh-CN" dirty="0" smtClean="0"/>
-              <a:t>Spring</a:t>
-            </a:r>
-            <a:r>
-              <a:rPr lang="zh-CN" altLang="en-US" dirty="0" smtClean="0"/>
-              <a:t>针对不同的环境对不同的配置提供支持的</a:t>
-            </a:r>
-            <a:endParaRPr lang="en-US" altLang="zh-CN" dirty="0" smtClean="0"/>
-          </a:p>
-          <a:p>
-            <a:r>
-              <a:rPr lang="zh-CN" altLang="en-US" dirty="0" smtClean="0"/>
-              <a:t>使用</a:t>
-            </a:r>
-            <a:r>
-              <a:rPr lang="en-US" altLang="zh-CN" dirty="0" smtClean="0"/>
-              <a:t>application-{profile}.properties</a:t>
-            </a:r>
-          </a:p>
-          <a:p>
-            <a:r>
-              <a:rPr lang="zh-CN" altLang="en-US" dirty="0" smtClean="0"/>
-              <a:t>可以在</a:t>
-            </a:r>
-            <a:r>
-              <a:rPr lang="en-US" altLang="zh-CN" dirty="0" err="1" smtClean="0"/>
-              <a:t>application.properties</a:t>
-            </a:r>
-            <a:r>
-              <a:rPr lang="zh-CN" altLang="en-US" dirty="0" smtClean="0"/>
-              <a:t>中进行制定</a:t>
-            </a:r>
-            <a:r>
-              <a:rPr lang="en-US" altLang="zh-CN" dirty="0" err="1" smtClean="0"/>
-              <a:t>spring.profiles.active</a:t>
-            </a:r>
-            <a:r>
-              <a:rPr lang="en-US" altLang="zh-CN" dirty="0" smtClean="0"/>
-              <a:t>=</a:t>
-            </a:r>
-            <a:r>
-              <a:rPr lang="zh-CN" altLang="en-US" dirty="0" smtClean="0"/>
-              <a:t> </a:t>
-            </a:r>
-            <a:r>
-              <a:rPr lang="en-US" altLang="zh-CN" dirty="0" smtClean="0"/>
-              <a:t>prod</a:t>
-            </a:r>
-          </a:p>
-          <a:p>
-            <a:r>
-              <a:rPr lang="zh-CN" altLang="en-US" dirty="0" smtClean="0"/>
-              <a:t>也可以在启动参数中增加</a:t>
-            </a:r>
-            <a:r>
-              <a:rPr lang="en-US" altLang="zh-CN" dirty="0" smtClean="0"/>
-              <a:t>-</a:t>
-            </a:r>
-            <a:r>
-              <a:rPr lang="en-US" altLang="zh-CN" dirty="0" err="1" smtClean="0"/>
-              <a:t>D</a:t>
-            </a:r>
-            <a:r>
-              <a:rPr lang="en-US" dirty="0" err="1" smtClean="0"/>
-              <a:t>spring.profiles.active</a:t>
-            </a:r>
-            <a:r>
-              <a:rPr lang="en-US" dirty="0" smtClean="0"/>
-              <a:t>=dev</a:t>
-            </a:r>
-          </a:p>
-          <a:p>
-            <a:r>
-              <a:rPr lang="zh-CN" altLang="en-US" dirty="0" smtClean="0"/>
-              <a:t>启动参数有更高的优先级</a:t>
-            </a:r>
-            <a:endParaRPr lang="en-US" altLang="zh-CN" dirty="0" smtClean="0"/>
-          </a:p>
-        </p:txBody>
-      </p:sp>
-    </p:spTree>
-    <p:extLst>
-      <p:ext uri="{BB962C8B-B14F-4D97-AF65-F5344CB8AC3E}">
-        <p14:creationId xmlns:p14="http://schemas.microsoft.com/office/powerpoint/2010/main" val="1657948488"/>
       </p:ext>
     </p:extLst>
   </p:cSld>
